--- a/документация/Пояснительная записка/презентация.pptx
+++ b/документация/Пояснительная записка/презентация.pptx
@@ -107,7 +107,7 @@
   </p:defaultTextStyle>
   <p:extLst>
     <p:ext uri="{EFAFB233-063F-42B5-8137-9DF3F51BA10A}">
-      <p15:sldGuideLst xmlns:p15="http://schemas.microsoft.com/office/powerpoint/2012/main"/>
+      <p15:sldGuideLst xmlns:p15="http://schemas.microsoft.com/office/powerpoint/2012/main" xmlns=""/>
     </p:ext>
   </p:extLst>
 </p:presentation>
@@ -299,7 +299,8 @@
           <a:p>
             <a:fld id="{D17605DD-B282-420C-BA01-512C75FD17FD}" type="datetimeFigureOut">
               <a:rPr lang="ru-RU" smtClean="0"/>
-              <a:t>14.04.2017</a:t>
+              <a:pPr/>
+              <a:t>16.04.2017</a:t>
             </a:fld>
             <a:endParaRPr lang="ru-RU"/>
           </a:p>
@@ -341,6 +342,7 @@
           <a:p>
             <a:fld id="{B46D0423-8B4D-430C-89DD-81016B4FC1CE}" type="slidenum">
               <a:rPr lang="ru-RU" smtClean="0"/>
+              <a:pPr/>
               <a:t>‹#›</a:t>
             </a:fld>
             <a:endParaRPr lang="ru-RU"/>
@@ -350,7 +352,7 @@
     </p:spTree>
     <p:extLst>
       <p:ext uri="{BB962C8B-B14F-4D97-AF65-F5344CB8AC3E}">
-        <p14:creationId xmlns:p14="http://schemas.microsoft.com/office/powerpoint/2010/main" val="640611979"/>
+        <p14:creationId xmlns:p14="http://schemas.microsoft.com/office/powerpoint/2010/main" xmlns="" val="640611979"/>
       </p:ext>
     </p:extLst>
   </p:cSld>
@@ -574,7 +576,8 @@
           <a:p>
             <a:fld id="{D17605DD-B282-420C-BA01-512C75FD17FD}" type="datetimeFigureOut">
               <a:rPr lang="ru-RU" smtClean="0"/>
-              <a:t>14.04.2017</a:t>
+              <a:pPr/>
+              <a:t>16.04.2017</a:t>
             </a:fld>
             <a:endParaRPr lang="ru-RU"/>
           </a:p>
@@ -616,6 +619,7 @@
           <a:p>
             <a:fld id="{B46D0423-8B4D-430C-89DD-81016B4FC1CE}" type="slidenum">
               <a:rPr lang="ru-RU" smtClean="0"/>
+              <a:pPr/>
               <a:t>‹#›</a:t>
             </a:fld>
             <a:endParaRPr lang="ru-RU"/>
@@ -625,7 +629,7 @@
     </p:spTree>
     <p:extLst>
       <p:ext uri="{BB962C8B-B14F-4D97-AF65-F5344CB8AC3E}">
-        <p14:creationId xmlns:p14="http://schemas.microsoft.com/office/powerpoint/2010/main" val="850406830"/>
+        <p14:creationId xmlns:p14="http://schemas.microsoft.com/office/powerpoint/2010/main" xmlns="" val="850406830"/>
       </p:ext>
     </p:extLst>
   </p:cSld>
@@ -768,7 +772,8 @@
           <a:p>
             <a:fld id="{D17605DD-B282-420C-BA01-512C75FD17FD}" type="datetimeFigureOut">
               <a:rPr lang="ru-RU" smtClean="0"/>
-              <a:t>14.04.2017</a:t>
+              <a:pPr/>
+              <a:t>16.04.2017</a:t>
             </a:fld>
             <a:endParaRPr lang="ru-RU"/>
           </a:p>
@@ -810,6 +815,7 @@
           <a:p>
             <a:fld id="{B46D0423-8B4D-430C-89DD-81016B4FC1CE}" type="slidenum">
               <a:rPr lang="ru-RU" smtClean="0"/>
+              <a:pPr/>
               <a:t>‹#›</a:t>
             </a:fld>
             <a:endParaRPr lang="ru-RU"/>
@@ -819,7 +825,7 @@
     </p:spTree>
     <p:extLst>
       <p:ext uri="{BB962C8B-B14F-4D97-AF65-F5344CB8AC3E}">
-        <p14:creationId xmlns:p14="http://schemas.microsoft.com/office/powerpoint/2010/main" val="2166140516"/>
+        <p14:creationId xmlns:p14="http://schemas.microsoft.com/office/powerpoint/2010/main" xmlns="" val="2166140516"/>
       </p:ext>
     </p:extLst>
   </p:cSld>
@@ -1041,7 +1047,8 @@
           <a:p>
             <a:fld id="{D17605DD-B282-420C-BA01-512C75FD17FD}" type="datetimeFigureOut">
               <a:rPr lang="ru-RU" smtClean="0"/>
-              <a:t>14.04.2017</a:t>
+              <a:pPr/>
+              <a:t>16.04.2017</a:t>
             </a:fld>
             <a:endParaRPr lang="ru-RU"/>
           </a:p>
@@ -1083,6 +1090,7 @@
           <a:p>
             <a:fld id="{B46D0423-8B4D-430C-89DD-81016B4FC1CE}" type="slidenum">
               <a:rPr lang="ru-RU" smtClean="0"/>
+              <a:pPr/>
               <a:t>‹#›</a:t>
             </a:fld>
             <a:endParaRPr lang="ru-RU"/>
@@ -1186,7 +1194,7 @@
     </p:spTree>
     <p:extLst>
       <p:ext uri="{BB962C8B-B14F-4D97-AF65-F5344CB8AC3E}">
-        <p14:creationId xmlns:p14="http://schemas.microsoft.com/office/powerpoint/2010/main" val="1219078279"/>
+        <p14:creationId xmlns:p14="http://schemas.microsoft.com/office/powerpoint/2010/main" xmlns="" val="1219078279"/>
       </p:ext>
     </p:extLst>
   </p:cSld>
@@ -1382,7 +1390,8 @@
           <a:p>
             <a:fld id="{D17605DD-B282-420C-BA01-512C75FD17FD}" type="datetimeFigureOut">
               <a:rPr lang="ru-RU" smtClean="0"/>
-              <a:t>14.04.2017</a:t>
+              <a:pPr/>
+              <a:t>16.04.2017</a:t>
             </a:fld>
             <a:endParaRPr lang="ru-RU"/>
           </a:p>
@@ -1424,6 +1433,7 @@
           <a:p>
             <a:fld id="{B46D0423-8B4D-430C-89DD-81016B4FC1CE}" type="slidenum">
               <a:rPr lang="ru-RU" smtClean="0"/>
+              <a:pPr/>
               <a:t>‹#›</a:t>
             </a:fld>
             <a:endParaRPr lang="ru-RU"/>
@@ -1433,7 +1443,7 @@
     </p:spTree>
     <p:extLst>
       <p:ext uri="{BB962C8B-B14F-4D97-AF65-F5344CB8AC3E}">
-        <p14:creationId xmlns:p14="http://schemas.microsoft.com/office/powerpoint/2010/main" val="1112787080"/>
+        <p14:creationId xmlns:p14="http://schemas.microsoft.com/office/powerpoint/2010/main" xmlns="" val="1112787080"/>
       </p:ext>
     </p:extLst>
   </p:cSld>
@@ -2005,7 +2015,8 @@
           <a:p>
             <a:fld id="{D17605DD-B282-420C-BA01-512C75FD17FD}" type="datetimeFigureOut">
               <a:rPr lang="ru-RU" smtClean="0"/>
-              <a:t>14.04.2017</a:t>
+              <a:pPr/>
+              <a:t>16.04.2017</a:t>
             </a:fld>
             <a:endParaRPr lang="ru-RU"/>
           </a:p>
@@ -2047,6 +2058,7 @@
           <a:p>
             <a:fld id="{B46D0423-8B4D-430C-89DD-81016B4FC1CE}" type="slidenum">
               <a:rPr lang="ru-RU" smtClean="0"/>
+              <a:pPr/>
               <a:t>‹#›</a:t>
             </a:fld>
             <a:endParaRPr lang="ru-RU"/>
@@ -2056,7 +2068,7 @@
     </p:spTree>
     <p:extLst>
       <p:ext uri="{BB962C8B-B14F-4D97-AF65-F5344CB8AC3E}">
-        <p14:creationId xmlns:p14="http://schemas.microsoft.com/office/powerpoint/2010/main" val="1028411620"/>
+        <p14:creationId xmlns:p14="http://schemas.microsoft.com/office/powerpoint/2010/main" xmlns="" val="1028411620"/>
       </p:ext>
     </p:extLst>
   </p:cSld>
@@ -2865,7 +2877,8 @@
           <a:p>
             <a:fld id="{D17605DD-B282-420C-BA01-512C75FD17FD}" type="datetimeFigureOut">
               <a:rPr lang="ru-RU" smtClean="0"/>
-              <a:t>14.04.2017</a:t>
+              <a:pPr/>
+              <a:t>16.04.2017</a:t>
             </a:fld>
             <a:endParaRPr lang="ru-RU"/>
           </a:p>
@@ -2907,6 +2920,7 @@
           <a:p>
             <a:fld id="{B46D0423-8B4D-430C-89DD-81016B4FC1CE}" type="slidenum">
               <a:rPr lang="ru-RU" smtClean="0"/>
+              <a:pPr/>
               <a:t>‹#›</a:t>
             </a:fld>
             <a:endParaRPr lang="ru-RU"/>
@@ -2916,7 +2930,7 @@
     </p:spTree>
     <p:extLst>
       <p:ext uri="{BB962C8B-B14F-4D97-AF65-F5344CB8AC3E}">
-        <p14:creationId xmlns:p14="http://schemas.microsoft.com/office/powerpoint/2010/main" val="3350434812"/>
+        <p14:creationId xmlns:p14="http://schemas.microsoft.com/office/powerpoint/2010/main" xmlns="" val="3350434812"/>
       </p:ext>
     </p:extLst>
   </p:cSld>
@@ -3035,7 +3049,8 @@
           <a:p>
             <a:fld id="{D17605DD-B282-420C-BA01-512C75FD17FD}" type="datetimeFigureOut">
               <a:rPr lang="ru-RU" smtClean="0"/>
-              <a:t>14.04.2017</a:t>
+              <a:pPr/>
+              <a:t>16.04.2017</a:t>
             </a:fld>
             <a:endParaRPr lang="ru-RU"/>
           </a:p>
@@ -3077,6 +3092,7 @@
           <a:p>
             <a:fld id="{B46D0423-8B4D-430C-89DD-81016B4FC1CE}" type="slidenum">
               <a:rPr lang="ru-RU" smtClean="0"/>
+              <a:pPr/>
               <a:t>‹#›</a:t>
             </a:fld>
             <a:endParaRPr lang="ru-RU"/>
@@ -3086,7 +3102,7 @@
     </p:spTree>
     <p:extLst>
       <p:ext uri="{BB962C8B-B14F-4D97-AF65-F5344CB8AC3E}">
-        <p14:creationId xmlns:p14="http://schemas.microsoft.com/office/powerpoint/2010/main" val="325057310"/>
+        <p14:creationId xmlns:p14="http://schemas.microsoft.com/office/powerpoint/2010/main" xmlns="" val="325057310"/>
       </p:ext>
     </p:extLst>
   </p:cSld>
@@ -3215,7 +3231,8 @@
           <a:p>
             <a:fld id="{D17605DD-B282-420C-BA01-512C75FD17FD}" type="datetimeFigureOut">
               <a:rPr lang="ru-RU" smtClean="0"/>
-              <a:t>14.04.2017</a:t>
+              <a:pPr/>
+              <a:t>16.04.2017</a:t>
             </a:fld>
             <a:endParaRPr lang="ru-RU"/>
           </a:p>
@@ -3257,6 +3274,7 @@
           <a:p>
             <a:fld id="{B46D0423-8B4D-430C-89DD-81016B4FC1CE}" type="slidenum">
               <a:rPr lang="ru-RU" smtClean="0"/>
+              <a:pPr/>
               <a:t>‹#›</a:t>
             </a:fld>
             <a:endParaRPr lang="ru-RU"/>
@@ -3266,7 +3284,7 @@
     </p:spTree>
     <p:extLst>
       <p:ext uri="{BB962C8B-B14F-4D97-AF65-F5344CB8AC3E}">
-        <p14:creationId xmlns:p14="http://schemas.microsoft.com/office/powerpoint/2010/main" val="1531491465"/>
+        <p14:creationId xmlns:p14="http://schemas.microsoft.com/office/powerpoint/2010/main" xmlns="" val="1531491465"/>
       </p:ext>
     </p:extLst>
   </p:cSld>
@@ -3385,7 +3403,8 @@
           <a:p>
             <a:fld id="{D17605DD-B282-420C-BA01-512C75FD17FD}" type="datetimeFigureOut">
               <a:rPr lang="ru-RU" smtClean="0"/>
-              <a:t>14.04.2017</a:t>
+              <a:pPr/>
+              <a:t>16.04.2017</a:t>
             </a:fld>
             <a:endParaRPr lang="ru-RU"/>
           </a:p>
@@ -3427,6 +3446,7 @@
           <a:p>
             <a:fld id="{B46D0423-8B4D-430C-89DD-81016B4FC1CE}" type="slidenum">
               <a:rPr lang="ru-RU" smtClean="0"/>
+              <a:pPr/>
               <a:t>‹#›</a:t>
             </a:fld>
             <a:endParaRPr lang="ru-RU"/>
@@ -3436,7 +3456,7 @@
     </p:spTree>
     <p:extLst>
       <p:ext uri="{BB962C8B-B14F-4D97-AF65-F5344CB8AC3E}">
-        <p14:creationId xmlns:p14="http://schemas.microsoft.com/office/powerpoint/2010/main" val="214368942"/>
+        <p14:creationId xmlns:p14="http://schemas.microsoft.com/office/powerpoint/2010/main" xmlns="" val="214368942"/>
       </p:ext>
     </p:extLst>
   </p:cSld>
@@ -3632,7 +3652,8 @@
           <a:p>
             <a:fld id="{D17605DD-B282-420C-BA01-512C75FD17FD}" type="datetimeFigureOut">
               <a:rPr lang="ru-RU" smtClean="0"/>
-              <a:t>14.04.2017</a:t>
+              <a:pPr/>
+              <a:t>16.04.2017</a:t>
             </a:fld>
             <a:endParaRPr lang="ru-RU"/>
           </a:p>
@@ -3674,6 +3695,7 @@
           <a:p>
             <a:fld id="{B46D0423-8B4D-430C-89DD-81016B4FC1CE}" type="slidenum">
               <a:rPr lang="ru-RU" smtClean="0"/>
+              <a:pPr/>
               <a:t>‹#›</a:t>
             </a:fld>
             <a:endParaRPr lang="ru-RU"/>
@@ -3683,7 +3705,7 @@
     </p:spTree>
     <p:extLst>
       <p:ext uri="{BB962C8B-B14F-4D97-AF65-F5344CB8AC3E}">
-        <p14:creationId xmlns:p14="http://schemas.microsoft.com/office/powerpoint/2010/main" val="4154455516"/>
+        <p14:creationId xmlns:p14="http://schemas.microsoft.com/office/powerpoint/2010/main" xmlns="" val="4154455516"/>
       </p:ext>
     </p:extLst>
   </p:cSld>
@@ -3924,7 +3946,8 @@
           <a:p>
             <a:fld id="{D17605DD-B282-420C-BA01-512C75FD17FD}" type="datetimeFigureOut">
               <a:rPr lang="ru-RU" smtClean="0"/>
-              <a:t>14.04.2017</a:t>
+              <a:pPr/>
+              <a:t>16.04.2017</a:t>
             </a:fld>
             <a:endParaRPr lang="ru-RU"/>
           </a:p>
@@ -3966,6 +3989,7 @@
           <a:p>
             <a:fld id="{B46D0423-8B4D-430C-89DD-81016B4FC1CE}" type="slidenum">
               <a:rPr lang="ru-RU" smtClean="0"/>
+              <a:pPr/>
               <a:t>‹#›</a:t>
             </a:fld>
             <a:endParaRPr lang="ru-RU"/>
@@ -3975,7 +3999,7 @@
     </p:spTree>
     <p:extLst>
       <p:ext uri="{BB962C8B-B14F-4D97-AF65-F5344CB8AC3E}">
-        <p14:creationId xmlns:p14="http://schemas.microsoft.com/office/powerpoint/2010/main" val="1705349170"/>
+        <p14:creationId xmlns:p14="http://schemas.microsoft.com/office/powerpoint/2010/main" xmlns="" val="1705349170"/>
       </p:ext>
     </p:extLst>
   </p:cSld>
@@ -4368,7 +4392,8 @@
           <a:p>
             <a:fld id="{D17605DD-B282-420C-BA01-512C75FD17FD}" type="datetimeFigureOut">
               <a:rPr lang="ru-RU" smtClean="0"/>
-              <a:t>14.04.2017</a:t>
+              <a:pPr/>
+              <a:t>16.04.2017</a:t>
             </a:fld>
             <a:endParaRPr lang="ru-RU"/>
           </a:p>
@@ -4410,6 +4435,7 @@
           <a:p>
             <a:fld id="{B46D0423-8B4D-430C-89DD-81016B4FC1CE}" type="slidenum">
               <a:rPr lang="ru-RU" smtClean="0"/>
+              <a:pPr/>
               <a:t>‹#›</a:t>
             </a:fld>
             <a:endParaRPr lang="ru-RU"/>
@@ -4419,7 +4445,7 @@
     </p:spTree>
     <p:extLst>
       <p:ext uri="{BB962C8B-B14F-4D97-AF65-F5344CB8AC3E}">
-        <p14:creationId xmlns:p14="http://schemas.microsoft.com/office/powerpoint/2010/main" val="3119882278"/>
+        <p14:creationId xmlns:p14="http://schemas.microsoft.com/office/powerpoint/2010/main" xmlns="" val="3119882278"/>
       </p:ext>
     </p:extLst>
   </p:cSld>
@@ -4486,7 +4512,8 @@
           <a:p>
             <a:fld id="{D17605DD-B282-420C-BA01-512C75FD17FD}" type="datetimeFigureOut">
               <a:rPr lang="ru-RU" smtClean="0"/>
-              <a:t>14.04.2017</a:t>
+              <a:pPr/>
+              <a:t>16.04.2017</a:t>
             </a:fld>
             <a:endParaRPr lang="ru-RU"/>
           </a:p>
@@ -4528,6 +4555,7 @@
           <a:p>
             <a:fld id="{B46D0423-8B4D-430C-89DD-81016B4FC1CE}" type="slidenum">
               <a:rPr lang="ru-RU" smtClean="0"/>
+              <a:pPr/>
               <a:t>‹#›</a:t>
             </a:fld>
             <a:endParaRPr lang="ru-RU"/>
@@ -4537,7 +4565,7 @@
     </p:spTree>
     <p:extLst>
       <p:ext uri="{BB962C8B-B14F-4D97-AF65-F5344CB8AC3E}">
-        <p14:creationId xmlns:p14="http://schemas.microsoft.com/office/powerpoint/2010/main" val="77764135"/>
+        <p14:creationId xmlns:p14="http://schemas.microsoft.com/office/powerpoint/2010/main" xmlns="" val="77764135"/>
       </p:ext>
     </p:extLst>
   </p:cSld>
@@ -4581,7 +4609,8 @@
           <a:p>
             <a:fld id="{D17605DD-B282-420C-BA01-512C75FD17FD}" type="datetimeFigureOut">
               <a:rPr lang="ru-RU" smtClean="0"/>
-              <a:t>14.04.2017</a:t>
+              <a:pPr/>
+              <a:t>16.04.2017</a:t>
             </a:fld>
             <a:endParaRPr lang="ru-RU"/>
           </a:p>
@@ -4623,6 +4652,7 @@
           <a:p>
             <a:fld id="{B46D0423-8B4D-430C-89DD-81016B4FC1CE}" type="slidenum">
               <a:rPr lang="ru-RU" smtClean="0"/>
+              <a:pPr/>
               <a:t>‹#›</a:t>
             </a:fld>
             <a:endParaRPr lang="ru-RU"/>
@@ -4632,7 +4662,7 @@
     </p:spTree>
     <p:extLst>
       <p:ext uri="{BB962C8B-B14F-4D97-AF65-F5344CB8AC3E}">
-        <p14:creationId xmlns:p14="http://schemas.microsoft.com/office/powerpoint/2010/main" val="1907240061"/>
+        <p14:creationId xmlns:p14="http://schemas.microsoft.com/office/powerpoint/2010/main" xmlns="" val="1907240061"/>
       </p:ext>
     </p:extLst>
   </p:cSld>
@@ -4860,7 +4890,8 @@
           <a:p>
             <a:fld id="{D17605DD-B282-420C-BA01-512C75FD17FD}" type="datetimeFigureOut">
               <a:rPr lang="ru-RU" smtClean="0"/>
-              <a:t>14.04.2017</a:t>
+              <a:pPr/>
+              <a:t>16.04.2017</a:t>
             </a:fld>
             <a:endParaRPr lang="ru-RU"/>
           </a:p>
@@ -4902,6 +4933,7 @@
           <a:p>
             <a:fld id="{B46D0423-8B4D-430C-89DD-81016B4FC1CE}" type="slidenum">
               <a:rPr lang="ru-RU" smtClean="0"/>
+              <a:pPr/>
               <a:t>‹#›</a:t>
             </a:fld>
             <a:endParaRPr lang="ru-RU"/>
@@ -4911,7 +4943,7 @@
     </p:spTree>
     <p:extLst>
       <p:ext uri="{BB962C8B-B14F-4D97-AF65-F5344CB8AC3E}">
-        <p14:creationId xmlns:p14="http://schemas.microsoft.com/office/powerpoint/2010/main" val="316132223"/>
+        <p14:creationId xmlns:p14="http://schemas.microsoft.com/office/powerpoint/2010/main" xmlns="" val="316132223"/>
       </p:ext>
     </p:extLst>
   </p:cSld>
@@ -5135,7 +5167,8 @@
           <a:p>
             <a:fld id="{D17605DD-B282-420C-BA01-512C75FD17FD}" type="datetimeFigureOut">
               <a:rPr lang="ru-RU" smtClean="0"/>
-              <a:t>14.04.2017</a:t>
+              <a:pPr/>
+              <a:t>16.04.2017</a:t>
             </a:fld>
             <a:endParaRPr lang="ru-RU"/>
           </a:p>
@@ -5177,6 +5210,7 @@
           <a:p>
             <a:fld id="{B46D0423-8B4D-430C-89DD-81016B4FC1CE}" type="slidenum">
               <a:rPr lang="ru-RU" smtClean="0"/>
+              <a:pPr/>
               <a:t>‹#›</a:t>
             </a:fld>
             <a:endParaRPr lang="ru-RU"/>
@@ -5186,7 +5220,7 @@
     </p:spTree>
     <p:extLst>
       <p:ext uri="{BB962C8B-B14F-4D97-AF65-F5344CB8AC3E}">
-        <p14:creationId xmlns:p14="http://schemas.microsoft.com/office/powerpoint/2010/main" val="2260233881"/>
+        <p14:creationId xmlns:p14="http://schemas.microsoft.com/office/powerpoint/2010/main" xmlns="" val="2260233881"/>
       </p:ext>
     </p:extLst>
   </p:cSld>
@@ -5230,7 +5264,7 @@
           <a:blip r:embed="rId19">
             <a:extLst>
               <a:ext uri="{28A0092B-C50C-407E-A947-70E740481C1C}">
-                <a14:useLocalDpi xmlns:a14="http://schemas.microsoft.com/office/drawing/2010/main" val="0"/>
+                <a14:useLocalDpi xmlns:a14="http://schemas.microsoft.com/office/drawing/2010/main" xmlns="" val="0"/>
               </a:ext>
             </a:extLst>
           </a:blip>
@@ -5259,7 +5293,7 @@
           <a:blip r:embed="rId20">
             <a:extLst>
               <a:ext uri="{28A0092B-C50C-407E-A947-70E740481C1C}">
-                <a14:useLocalDpi xmlns:a14="http://schemas.microsoft.com/office/drawing/2010/main" val="0"/>
+                <a14:useLocalDpi xmlns:a14="http://schemas.microsoft.com/office/drawing/2010/main" xmlns="" val="0"/>
               </a:ext>
             </a:extLst>
           </a:blip>
@@ -5351,7 +5385,7 @@
           <a:blip r:embed="rId21">
             <a:extLst>
               <a:ext uri="{28A0092B-C50C-407E-A947-70E740481C1C}">
-                <a14:useLocalDpi xmlns:a14="http://schemas.microsoft.com/office/drawing/2010/main" val="0"/>
+                <a14:useLocalDpi xmlns:a14="http://schemas.microsoft.com/office/drawing/2010/main" xmlns="" val="0"/>
               </a:ext>
             </a:extLst>
           </a:blip>
@@ -5380,7 +5414,7 @@
           <a:blip r:embed="rId22">
             <a:extLst>
               <a:ext uri="{28A0092B-C50C-407E-A947-70E740481C1C}">
-                <a14:useLocalDpi xmlns:a14="http://schemas.microsoft.com/office/drawing/2010/main" val="0"/>
+                <a14:useLocalDpi xmlns:a14="http://schemas.microsoft.com/office/drawing/2010/main" xmlns="" val="0"/>
               </a:ext>
             </a:extLst>
           </a:blip>
@@ -5564,7 +5598,8 @@
           <a:p>
             <a:fld id="{D17605DD-B282-420C-BA01-512C75FD17FD}" type="datetimeFigureOut">
               <a:rPr lang="ru-RU" smtClean="0"/>
-              <a:t>14.04.2017</a:t>
+              <a:pPr/>
+              <a:t>16.04.2017</a:t>
             </a:fld>
             <a:endParaRPr lang="ru-RU"/>
           </a:p>
@@ -5643,6 +5678,7 @@
           <a:p>
             <a:fld id="{B46D0423-8B4D-430C-89DD-81016B4FC1CE}" type="slidenum">
               <a:rPr lang="ru-RU" smtClean="0"/>
+              <a:pPr/>
               <a:t>‹#›</a:t>
             </a:fld>
             <a:endParaRPr lang="ru-RU"/>
@@ -5652,7 +5688,7 @@
     </p:spTree>
     <p:extLst>
       <p:ext uri="{BB962C8B-B14F-4D97-AF65-F5344CB8AC3E}">
-        <p14:creationId xmlns:p14="http://schemas.microsoft.com/office/powerpoint/2010/main" val="3884256405"/>
+        <p14:creationId xmlns:p14="http://schemas.microsoft.com/office/powerpoint/2010/main" xmlns="" val="3884256405"/>
       </p:ext>
     </p:extLst>
   </p:cSld>
@@ -6172,7 +6208,7 @@
     </p:spTree>
     <p:extLst>
       <p:ext uri="{BB962C8B-B14F-4D97-AF65-F5344CB8AC3E}">
-        <p14:creationId xmlns:p14="http://schemas.microsoft.com/office/powerpoint/2010/main" val="3208479563"/>
+        <p14:creationId xmlns:p14="http://schemas.microsoft.com/office/powerpoint/2010/main" xmlns="" val="3208479563"/>
       </p:ext>
     </p:extLst>
   </p:cSld>
@@ -6353,7 +6389,7 @@
     </p:spTree>
     <p:extLst>
       <p:ext uri="{BB962C8B-B14F-4D97-AF65-F5344CB8AC3E}">
-        <p14:creationId xmlns:p14="http://schemas.microsoft.com/office/powerpoint/2010/main" val="2376067313"/>
+        <p14:creationId xmlns:p14="http://schemas.microsoft.com/office/powerpoint/2010/main" xmlns="" val="2376067313"/>
       </p:ext>
     </p:extLst>
   </p:cSld>
@@ -6406,7 +6442,7 @@
     </a:clrScheme>
     <a:fontScheme name="Ион">
       <a:majorFont>
-        <a:latin typeface="Century Gothic" panose="020B0502020202020204"/>
+        <a:latin typeface="Century Gothic"/>
         <a:ea typeface=""/>
         <a:cs typeface=""/>
         <a:font script="Jpan" typeface="メイリオ"/>
@@ -6441,7 +6477,7 @@
         <a:font script="Geor" typeface="Sylfaen"/>
       </a:majorFont>
       <a:minorFont>
-        <a:latin typeface="Century Gothic" panose="020B0502020202020204"/>
+        <a:latin typeface="Century Gothic"/>
         <a:ea typeface=""/>
         <a:cs typeface=""/>
         <a:font script="Jpan" typeface="メイリオ"/>
@@ -6623,7 +6659,7 @@
   <a:extraClrSchemeLst/>
   <a:extLst>
     <a:ext uri="{05A4C25C-085E-4340-85A3-A5531E510DB2}">
-      <thm15:themeFamily xmlns:thm15="http://schemas.microsoft.com/office/thememl/2012/main" name="Ion" id="{B8441ADB-2E43-4AF7-B97A-BD870242C6A8}" vid="{292E63A9-BB86-4E3D-B92A-7223C6510D2E}"/>
+      <thm15:themeFamily xmlns:thm15="http://schemas.microsoft.com/office/thememl/2012/main" xmlns="" name="Ion" id="{B8441ADB-2E43-4AF7-B97A-BD870242C6A8}" vid="{292E63A9-BB86-4E3D-B92A-7223C6510D2E}"/>
     </a:ext>
   </a:extLst>
 </a:theme>

--- a/документация/Пояснительная записка/презентация.pptx
+++ b/документация/Пояснительная записка/презентация.pptx
@@ -7,6 +7,16 @@
   <p:sldIdLst>
     <p:sldId id="256" r:id="rId2"/>
     <p:sldId id="257" r:id="rId3"/>
+    <p:sldId id="258" r:id="rId4"/>
+    <p:sldId id="259" r:id="rId5"/>
+    <p:sldId id="260" r:id="rId6"/>
+    <p:sldId id="261" r:id="rId7"/>
+    <p:sldId id="262" r:id="rId8"/>
+    <p:sldId id="263" r:id="rId9"/>
+    <p:sldId id="264" r:id="rId10"/>
+    <p:sldId id="265" r:id="rId11"/>
+    <p:sldId id="266" r:id="rId12"/>
+    <p:sldId id="267" r:id="rId13"/>
   </p:sldIdLst>
   <p:sldSz cx="12192000" cy="6858000"/>
   <p:notesSz cx="6858000" cy="9144000"/>
@@ -107,7 +117,7 @@
   </p:defaultTextStyle>
   <p:extLst>
     <p:ext uri="{EFAFB233-063F-42B5-8137-9DF3F51BA10A}">
-      <p15:sldGuideLst xmlns:p15="http://schemas.microsoft.com/office/powerpoint/2012/main" xmlns=""/>
+      <p15:sldGuideLst xmlns="" xmlns:p15="http://schemas.microsoft.com/office/powerpoint/2012/main"/>
     </p:ext>
   </p:extLst>
 </p:presentation>
@@ -300,7 +310,7 @@
             <a:fld id="{D17605DD-B282-420C-BA01-512C75FD17FD}" type="datetimeFigureOut">
               <a:rPr lang="ru-RU" smtClean="0"/>
               <a:pPr/>
-              <a:t>16.04.2017</a:t>
+              <a:t>28.05.2017</a:t>
             </a:fld>
             <a:endParaRPr lang="ru-RU"/>
           </a:p>
@@ -352,7 +362,7 @@
     </p:spTree>
     <p:extLst>
       <p:ext uri="{BB962C8B-B14F-4D97-AF65-F5344CB8AC3E}">
-        <p14:creationId xmlns:p14="http://schemas.microsoft.com/office/powerpoint/2010/main" xmlns="" val="640611979"/>
+        <p14:creationId xmlns="" xmlns:p14="http://schemas.microsoft.com/office/powerpoint/2010/main" val="640611979"/>
       </p:ext>
     </p:extLst>
   </p:cSld>
@@ -577,7 +587,7 @@
             <a:fld id="{D17605DD-B282-420C-BA01-512C75FD17FD}" type="datetimeFigureOut">
               <a:rPr lang="ru-RU" smtClean="0"/>
               <a:pPr/>
-              <a:t>16.04.2017</a:t>
+              <a:t>28.05.2017</a:t>
             </a:fld>
             <a:endParaRPr lang="ru-RU"/>
           </a:p>
@@ -629,7 +639,7 @@
     </p:spTree>
     <p:extLst>
       <p:ext uri="{BB962C8B-B14F-4D97-AF65-F5344CB8AC3E}">
-        <p14:creationId xmlns:p14="http://schemas.microsoft.com/office/powerpoint/2010/main" xmlns="" val="850406830"/>
+        <p14:creationId xmlns="" xmlns:p14="http://schemas.microsoft.com/office/powerpoint/2010/main" val="850406830"/>
       </p:ext>
     </p:extLst>
   </p:cSld>
@@ -773,7 +783,7 @@
             <a:fld id="{D17605DD-B282-420C-BA01-512C75FD17FD}" type="datetimeFigureOut">
               <a:rPr lang="ru-RU" smtClean="0"/>
               <a:pPr/>
-              <a:t>16.04.2017</a:t>
+              <a:t>28.05.2017</a:t>
             </a:fld>
             <a:endParaRPr lang="ru-RU"/>
           </a:p>
@@ -825,7 +835,7 @@
     </p:spTree>
     <p:extLst>
       <p:ext uri="{BB962C8B-B14F-4D97-AF65-F5344CB8AC3E}">
-        <p14:creationId xmlns:p14="http://schemas.microsoft.com/office/powerpoint/2010/main" xmlns="" val="2166140516"/>
+        <p14:creationId xmlns="" xmlns:p14="http://schemas.microsoft.com/office/powerpoint/2010/main" val="2166140516"/>
       </p:ext>
     </p:extLst>
   </p:cSld>
@@ -1048,7 +1058,7 @@
             <a:fld id="{D17605DD-B282-420C-BA01-512C75FD17FD}" type="datetimeFigureOut">
               <a:rPr lang="ru-RU" smtClean="0"/>
               <a:pPr/>
-              <a:t>16.04.2017</a:t>
+              <a:t>28.05.2017</a:t>
             </a:fld>
             <a:endParaRPr lang="ru-RU"/>
           </a:p>
@@ -1194,7 +1204,7 @@
     </p:spTree>
     <p:extLst>
       <p:ext uri="{BB962C8B-B14F-4D97-AF65-F5344CB8AC3E}">
-        <p14:creationId xmlns:p14="http://schemas.microsoft.com/office/powerpoint/2010/main" xmlns="" val="1219078279"/>
+        <p14:creationId xmlns="" xmlns:p14="http://schemas.microsoft.com/office/powerpoint/2010/main" val="1219078279"/>
       </p:ext>
     </p:extLst>
   </p:cSld>
@@ -1391,7 +1401,7 @@
             <a:fld id="{D17605DD-B282-420C-BA01-512C75FD17FD}" type="datetimeFigureOut">
               <a:rPr lang="ru-RU" smtClean="0"/>
               <a:pPr/>
-              <a:t>16.04.2017</a:t>
+              <a:t>28.05.2017</a:t>
             </a:fld>
             <a:endParaRPr lang="ru-RU"/>
           </a:p>
@@ -1443,7 +1453,7 @@
     </p:spTree>
     <p:extLst>
       <p:ext uri="{BB962C8B-B14F-4D97-AF65-F5344CB8AC3E}">
-        <p14:creationId xmlns:p14="http://schemas.microsoft.com/office/powerpoint/2010/main" xmlns="" val="1112787080"/>
+        <p14:creationId xmlns="" xmlns:p14="http://schemas.microsoft.com/office/powerpoint/2010/main" val="1112787080"/>
       </p:ext>
     </p:extLst>
   </p:cSld>
@@ -2016,7 +2026,7 @@
             <a:fld id="{D17605DD-B282-420C-BA01-512C75FD17FD}" type="datetimeFigureOut">
               <a:rPr lang="ru-RU" smtClean="0"/>
               <a:pPr/>
-              <a:t>16.04.2017</a:t>
+              <a:t>28.05.2017</a:t>
             </a:fld>
             <a:endParaRPr lang="ru-RU"/>
           </a:p>
@@ -2068,7 +2078,7 @@
     </p:spTree>
     <p:extLst>
       <p:ext uri="{BB962C8B-B14F-4D97-AF65-F5344CB8AC3E}">
-        <p14:creationId xmlns:p14="http://schemas.microsoft.com/office/powerpoint/2010/main" xmlns="" val="1028411620"/>
+        <p14:creationId xmlns="" xmlns:p14="http://schemas.microsoft.com/office/powerpoint/2010/main" val="1028411620"/>
       </p:ext>
     </p:extLst>
   </p:cSld>
@@ -2878,7 +2888,7 @@
             <a:fld id="{D17605DD-B282-420C-BA01-512C75FD17FD}" type="datetimeFigureOut">
               <a:rPr lang="ru-RU" smtClean="0"/>
               <a:pPr/>
-              <a:t>16.04.2017</a:t>
+              <a:t>28.05.2017</a:t>
             </a:fld>
             <a:endParaRPr lang="ru-RU"/>
           </a:p>
@@ -2930,7 +2940,7 @@
     </p:spTree>
     <p:extLst>
       <p:ext uri="{BB962C8B-B14F-4D97-AF65-F5344CB8AC3E}">
-        <p14:creationId xmlns:p14="http://schemas.microsoft.com/office/powerpoint/2010/main" xmlns="" val="3350434812"/>
+        <p14:creationId xmlns="" xmlns:p14="http://schemas.microsoft.com/office/powerpoint/2010/main" val="3350434812"/>
       </p:ext>
     </p:extLst>
   </p:cSld>
@@ -3050,7 +3060,7 @@
             <a:fld id="{D17605DD-B282-420C-BA01-512C75FD17FD}" type="datetimeFigureOut">
               <a:rPr lang="ru-RU" smtClean="0"/>
               <a:pPr/>
-              <a:t>16.04.2017</a:t>
+              <a:t>28.05.2017</a:t>
             </a:fld>
             <a:endParaRPr lang="ru-RU"/>
           </a:p>
@@ -3102,7 +3112,7 @@
     </p:spTree>
     <p:extLst>
       <p:ext uri="{BB962C8B-B14F-4D97-AF65-F5344CB8AC3E}">
-        <p14:creationId xmlns:p14="http://schemas.microsoft.com/office/powerpoint/2010/main" xmlns="" val="325057310"/>
+        <p14:creationId xmlns="" xmlns:p14="http://schemas.microsoft.com/office/powerpoint/2010/main" val="325057310"/>
       </p:ext>
     </p:extLst>
   </p:cSld>
@@ -3232,7 +3242,7 @@
             <a:fld id="{D17605DD-B282-420C-BA01-512C75FD17FD}" type="datetimeFigureOut">
               <a:rPr lang="ru-RU" smtClean="0"/>
               <a:pPr/>
-              <a:t>16.04.2017</a:t>
+              <a:t>28.05.2017</a:t>
             </a:fld>
             <a:endParaRPr lang="ru-RU"/>
           </a:p>
@@ -3284,7 +3294,7 @@
     </p:spTree>
     <p:extLst>
       <p:ext uri="{BB962C8B-B14F-4D97-AF65-F5344CB8AC3E}">
-        <p14:creationId xmlns:p14="http://schemas.microsoft.com/office/powerpoint/2010/main" xmlns="" val="1531491465"/>
+        <p14:creationId xmlns="" xmlns:p14="http://schemas.microsoft.com/office/powerpoint/2010/main" val="1531491465"/>
       </p:ext>
     </p:extLst>
   </p:cSld>
@@ -3404,7 +3414,7 @@
             <a:fld id="{D17605DD-B282-420C-BA01-512C75FD17FD}" type="datetimeFigureOut">
               <a:rPr lang="ru-RU" smtClean="0"/>
               <a:pPr/>
-              <a:t>16.04.2017</a:t>
+              <a:t>28.05.2017</a:t>
             </a:fld>
             <a:endParaRPr lang="ru-RU"/>
           </a:p>
@@ -3456,7 +3466,7 @@
     </p:spTree>
     <p:extLst>
       <p:ext uri="{BB962C8B-B14F-4D97-AF65-F5344CB8AC3E}">
-        <p14:creationId xmlns:p14="http://schemas.microsoft.com/office/powerpoint/2010/main" xmlns="" val="214368942"/>
+        <p14:creationId xmlns="" xmlns:p14="http://schemas.microsoft.com/office/powerpoint/2010/main" val="214368942"/>
       </p:ext>
     </p:extLst>
   </p:cSld>
@@ -3653,7 +3663,7 @@
             <a:fld id="{D17605DD-B282-420C-BA01-512C75FD17FD}" type="datetimeFigureOut">
               <a:rPr lang="ru-RU" smtClean="0"/>
               <a:pPr/>
-              <a:t>16.04.2017</a:t>
+              <a:t>28.05.2017</a:t>
             </a:fld>
             <a:endParaRPr lang="ru-RU"/>
           </a:p>
@@ -3705,7 +3715,7 @@
     </p:spTree>
     <p:extLst>
       <p:ext uri="{BB962C8B-B14F-4D97-AF65-F5344CB8AC3E}">
-        <p14:creationId xmlns:p14="http://schemas.microsoft.com/office/powerpoint/2010/main" xmlns="" val="4154455516"/>
+        <p14:creationId xmlns="" xmlns:p14="http://schemas.microsoft.com/office/powerpoint/2010/main" val="4154455516"/>
       </p:ext>
     </p:extLst>
   </p:cSld>
@@ -3947,7 +3957,7 @@
             <a:fld id="{D17605DD-B282-420C-BA01-512C75FD17FD}" type="datetimeFigureOut">
               <a:rPr lang="ru-RU" smtClean="0"/>
               <a:pPr/>
-              <a:t>16.04.2017</a:t>
+              <a:t>28.05.2017</a:t>
             </a:fld>
             <a:endParaRPr lang="ru-RU"/>
           </a:p>
@@ -3999,7 +4009,7 @@
     </p:spTree>
     <p:extLst>
       <p:ext uri="{BB962C8B-B14F-4D97-AF65-F5344CB8AC3E}">
-        <p14:creationId xmlns:p14="http://schemas.microsoft.com/office/powerpoint/2010/main" xmlns="" val="1705349170"/>
+        <p14:creationId xmlns="" xmlns:p14="http://schemas.microsoft.com/office/powerpoint/2010/main" val="1705349170"/>
       </p:ext>
     </p:extLst>
   </p:cSld>
@@ -4393,7 +4403,7 @@
             <a:fld id="{D17605DD-B282-420C-BA01-512C75FD17FD}" type="datetimeFigureOut">
               <a:rPr lang="ru-RU" smtClean="0"/>
               <a:pPr/>
-              <a:t>16.04.2017</a:t>
+              <a:t>28.05.2017</a:t>
             </a:fld>
             <a:endParaRPr lang="ru-RU"/>
           </a:p>
@@ -4445,7 +4455,7 @@
     </p:spTree>
     <p:extLst>
       <p:ext uri="{BB962C8B-B14F-4D97-AF65-F5344CB8AC3E}">
-        <p14:creationId xmlns:p14="http://schemas.microsoft.com/office/powerpoint/2010/main" xmlns="" val="3119882278"/>
+        <p14:creationId xmlns="" xmlns:p14="http://schemas.microsoft.com/office/powerpoint/2010/main" val="3119882278"/>
       </p:ext>
     </p:extLst>
   </p:cSld>
@@ -4513,7 +4523,7 @@
             <a:fld id="{D17605DD-B282-420C-BA01-512C75FD17FD}" type="datetimeFigureOut">
               <a:rPr lang="ru-RU" smtClean="0"/>
               <a:pPr/>
-              <a:t>16.04.2017</a:t>
+              <a:t>28.05.2017</a:t>
             </a:fld>
             <a:endParaRPr lang="ru-RU"/>
           </a:p>
@@ -4565,7 +4575,7 @@
     </p:spTree>
     <p:extLst>
       <p:ext uri="{BB962C8B-B14F-4D97-AF65-F5344CB8AC3E}">
-        <p14:creationId xmlns:p14="http://schemas.microsoft.com/office/powerpoint/2010/main" xmlns="" val="77764135"/>
+        <p14:creationId xmlns="" xmlns:p14="http://schemas.microsoft.com/office/powerpoint/2010/main" val="77764135"/>
       </p:ext>
     </p:extLst>
   </p:cSld>
@@ -4610,7 +4620,7 @@
             <a:fld id="{D17605DD-B282-420C-BA01-512C75FD17FD}" type="datetimeFigureOut">
               <a:rPr lang="ru-RU" smtClean="0"/>
               <a:pPr/>
-              <a:t>16.04.2017</a:t>
+              <a:t>28.05.2017</a:t>
             </a:fld>
             <a:endParaRPr lang="ru-RU"/>
           </a:p>
@@ -4662,7 +4672,7 @@
     </p:spTree>
     <p:extLst>
       <p:ext uri="{BB962C8B-B14F-4D97-AF65-F5344CB8AC3E}">
-        <p14:creationId xmlns:p14="http://schemas.microsoft.com/office/powerpoint/2010/main" xmlns="" val="1907240061"/>
+        <p14:creationId xmlns="" xmlns:p14="http://schemas.microsoft.com/office/powerpoint/2010/main" val="1907240061"/>
       </p:ext>
     </p:extLst>
   </p:cSld>
@@ -4891,7 +4901,7 @@
             <a:fld id="{D17605DD-B282-420C-BA01-512C75FD17FD}" type="datetimeFigureOut">
               <a:rPr lang="ru-RU" smtClean="0"/>
               <a:pPr/>
-              <a:t>16.04.2017</a:t>
+              <a:t>28.05.2017</a:t>
             </a:fld>
             <a:endParaRPr lang="ru-RU"/>
           </a:p>
@@ -4943,7 +4953,7 @@
     </p:spTree>
     <p:extLst>
       <p:ext uri="{BB962C8B-B14F-4D97-AF65-F5344CB8AC3E}">
-        <p14:creationId xmlns:p14="http://schemas.microsoft.com/office/powerpoint/2010/main" xmlns="" val="316132223"/>
+        <p14:creationId xmlns="" xmlns:p14="http://schemas.microsoft.com/office/powerpoint/2010/main" val="316132223"/>
       </p:ext>
     </p:extLst>
   </p:cSld>
@@ -5168,7 +5178,7 @@
             <a:fld id="{D17605DD-B282-420C-BA01-512C75FD17FD}" type="datetimeFigureOut">
               <a:rPr lang="ru-RU" smtClean="0"/>
               <a:pPr/>
-              <a:t>16.04.2017</a:t>
+              <a:t>28.05.2017</a:t>
             </a:fld>
             <a:endParaRPr lang="ru-RU"/>
           </a:p>
@@ -5220,7 +5230,7 @@
     </p:spTree>
     <p:extLst>
       <p:ext uri="{BB962C8B-B14F-4D97-AF65-F5344CB8AC3E}">
-        <p14:creationId xmlns:p14="http://schemas.microsoft.com/office/powerpoint/2010/main" xmlns="" val="2260233881"/>
+        <p14:creationId xmlns="" xmlns:p14="http://schemas.microsoft.com/office/powerpoint/2010/main" val="2260233881"/>
       </p:ext>
     </p:extLst>
   </p:cSld>
@@ -5264,7 +5274,7 @@
           <a:blip r:embed="rId19">
             <a:extLst>
               <a:ext uri="{28A0092B-C50C-407E-A947-70E740481C1C}">
-                <a14:useLocalDpi xmlns:a14="http://schemas.microsoft.com/office/drawing/2010/main" xmlns="" val="0"/>
+                <a14:useLocalDpi xmlns="" xmlns:a14="http://schemas.microsoft.com/office/drawing/2010/main" val="0"/>
               </a:ext>
             </a:extLst>
           </a:blip>
@@ -5293,7 +5303,7 @@
           <a:blip r:embed="rId20">
             <a:extLst>
               <a:ext uri="{28A0092B-C50C-407E-A947-70E740481C1C}">
-                <a14:useLocalDpi xmlns:a14="http://schemas.microsoft.com/office/drawing/2010/main" xmlns="" val="0"/>
+                <a14:useLocalDpi xmlns="" xmlns:a14="http://schemas.microsoft.com/office/drawing/2010/main" val="0"/>
               </a:ext>
             </a:extLst>
           </a:blip>
@@ -5385,7 +5395,7 @@
           <a:blip r:embed="rId21">
             <a:extLst>
               <a:ext uri="{28A0092B-C50C-407E-A947-70E740481C1C}">
-                <a14:useLocalDpi xmlns:a14="http://schemas.microsoft.com/office/drawing/2010/main" xmlns="" val="0"/>
+                <a14:useLocalDpi xmlns="" xmlns:a14="http://schemas.microsoft.com/office/drawing/2010/main" val="0"/>
               </a:ext>
             </a:extLst>
           </a:blip>
@@ -5414,7 +5424,7 @@
           <a:blip r:embed="rId22">
             <a:extLst>
               <a:ext uri="{28A0092B-C50C-407E-A947-70E740481C1C}">
-                <a14:useLocalDpi xmlns:a14="http://schemas.microsoft.com/office/drawing/2010/main" xmlns="" val="0"/>
+                <a14:useLocalDpi xmlns="" xmlns:a14="http://schemas.microsoft.com/office/drawing/2010/main" val="0"/>
               </a:ext>
             </a:extLst>
           </a:blip>
@@ -5599,7 +5609,7 @@
             <a:fld id="{D17605DD-B282-420C-BA01-512C75FD17FD}" type="datetimeFigureOut">
               <a:rPr lang="ru-RU" smtClean="0"/>
               <a:pPr/>
-              <a:t>16.04.2017</a:t>
+              <a:t>28.05.2017</a:t>
             </a:fld>
             <a:endParaRPr lang="ru-RU"/>
           </a:p>
@@ -5688,7 +5698,7 @@
     </p:spTree>
     <p:extLst>
       <p:ext uri="{BB962C8B-B14F-4D97-AF65-F5344CB8AC3E}">
-        <p14:creationId xmlns:p14="http://schemas.microsoft.com/office/powerpoint/2010/main" xmlns="" val="3884256405"/>
+        <p14:creationId xmlns="" xmlns:p14="http://schemas.microsoft.com/office/powerpoint/2010/main" val="3884256405"/>
       </p:ext>
     </p:extLst>
   </p:cSld>
@@ -6146,16 +6156,16 @@
           <a:lstStyle/>
           <a:p>
             <a:r>
-              <a:rPr lang="ru-RU" sz="4800" i="1" u="sng" dirty="0">
-                <a:cs typeface="Times New Roman" panose="02020603050405020304" pitchFamily="18" charset="0"/>
-              </a:rPr>
-              <a:t>Автоматизированная система учета успеваемости студентов «Электронный деканат</a:t>
-            </a:r>
-            <a:r>
-              <a:rPr lang="ru-RU" sz="4800" i="1" u="sng" dirty="0" smtClean="0">
-                <a:cs typeface="Times New Roman" panose="02020603050405020304" pitchFamily="18" charset="0"/>
-              </a:rPr>
-              <a:t>» </a:t>
+              <a:rPr lang="ru-RU" sz="4800" u="sng" dirty="0" smtClean="0"/>
+              <a:t>Интернет – сервис для автоматизированного учёта результатов	</a:t>
+            </a:r>
+            <a:r>
+              <a:rPr lang="ru-RU" sz="4800" u="sng" dirty="0" smtClean="0"/>
+              <a:t> защиты </a:t>
+            </a:r>
+            <a:r>
+              <a:rPr lang="ru-RU" sz="4800" u="sng" dirty="0" smtClean="0"/>
+              <a:t>лабораторных работ студентами вуза</a:t>
             </a:r>
             <a:endParaRPr lang="ru-RU" sz="4800" dirty="0">
               <a:cs typeface="Times New Roman" panose="02020603050405020304" pitchFamily="18" charset="0"/>
@@ -6208,9 +6218,2796 @@
     </p:spTree>
     <p:extLst>
       <p:ext uri="{BB962C8B-B14F-4D97-AF65-F5344CB8AC3E}">
-        <p14:creationId xmlns:p14="http://schemas.microsoft.com/office/powerpoint/2010/main" xmlns="" val="3208479563"/>
+        <p14:creationId xmlns="" xmlns:p14="http://schemas.microsoft.com/office/powerpoint/2010/main" val="3208479563"/>
       </p:ext>
     </p:extLst>
+  </p:cSld>
+  <p:clrMapOvr>
+    <a:masterClrMapping/>
+  </p:clrMapOvr>
+</p:sld>
+</file>
+
+<file path=ppt/slides/slide10.xml><?xml version="1.0" encoding="utf-8"?>
+<p:sld xmlns:a="http://schemas.openxmlformats.org/drawingml/2006/main" xmlns:r="http://schemas.openxmlformats.org/officeDocument/2006/relationships" xmlns:p="http://schemas.openxmlformats.org/presentationml/2006/main">
+  <p:cSld>
+    <p:spTree>
+      <p:nvGrpSpPr>
+        <p:cNvPr id="1" name=""/>
+        <p:cNvGrpSpPr/>
+        <p:nvPr/>
+      </p:nvGrpSpPr>
+      <p:grpSpPr>
+        <a:xfrm>
+          <a:off x="0" y="0"/>
+          <a:ext cx="0" cy="0"/>
+          <a:chOff x="0" y="0"/>
+          <a:chExt cx="0" cy="0"/>
+        </a:xfrm>
+      </p:grpSpPr>
+      <p:sp>
+        <p:nvSpPr>
+          <p:cNvPr id="2" name="Заголовок 1"/>
+          <p:cNvSpPr>
+            <a:spLocks noGrp="1"/>
+          </p:cNvSpPr>
+          <p:nvPr>
+            <p:ph type="title"/>
+          </p:nvPr>
+        </p:nvSpPr>
+        <p:spPr/>
+        <p:txBody>
+          <a:bodyPr/>
+          <a:lstStyle/>
+          <a:p>
+            <a:r>
+              <a:rPr lang="ru-RU" dirty="0" smtClean="0"/>
+              <a:t>Экономические показатели</a:t>
+            </a:r>
+            <a:endParaRPr lang="ru-RU" dirty="0"/>
+          </a:p>
+        </p:txBody>
+      </p:sp>
+      <p:graphicFrame>
+        <p:nvGraphicFramePr>
+          <p:cNvPr id="3" name="Таблица 2"/>
+          <p:cNvGraphicFramePr>
+            <a:graphicFrameLocks noGrp="1"/>
+          </p:cNvGraphicFramePr>
+          <p:nvPr/>
+        </p:nvGraphicFramePr>
+        <p:xfrm>
+          <a:off x="1626016" y="1901790"/>
+          <a:ext cx="8312067" cy="4145280"/>
+        </p:xfrm>
+        <a:graphic>
+          <a:graphicData uri="http://schemas.openxmlformats.org/drawingml/2006/table">
+            <a:tbl>
+              <a:tblPr/>
+              <a:tblGrid>
+                <a:gridCol w="3872415"/>
+                <a:gridCol w="4439652"/>
+              </a:tblGrid>
+              <a:tr h="0">
+                <a:tc>
+                  <a:txBody>
+                    <a:bodyPr/>
+                    <a:lstStyle/>
+                    <a:p>
+                      <a:pPr indent="0" algn="ctr">
+                        <a:lnSpc>
+                          <a:spcPct val="100000"/>
+                        </a:lnSpc>
+                        <a:spcBef>
+                          <a:spcPts val="400"/>
+                        </a:spcBef>
+                        <a:spcAft>
+                          <a:spcPts val="400"/>
+                        </a:spcAft>
+                        <a:tabLst>
+                          <a:tab pos="629920" algn="l"/>
+                        </a:tabLst>
+                      </a:pPr>
+                      <a:r>
+                        <a:rPr lang="ru-RU" sz="1600" dirty="0">
+                          <a:solidFill>
+                            <a:schemeClr val="tx1"/>
+                          </a:solidFill>
+                          <a:latin typeface="Times New Roman"/>
+                          <a:ea typeface="Calibri"/>
+                          <a:cs typeface="Times New Roman"/>
+                        </a:rPr>
+                        <a:t>Наименование показателя</a:t>
+                      </a:r>
+                    </a:p>
+                  </a:txBody>
+                  <a:tcPr marL="68580" marR="68580" marT="0" marB="0">
+                    <a:lnL w="12700" cap="flat" cmpd="sng" algn="ctr">
+                      <a:solidFill>
+                        <a:schemeClr val="tx1"/>
+                      </a:solidFill>
+                      <a:prstDash val="solid"/>
+                      <a:round/>
+                      <a:headEnd type="none" w="med" len="med"/>
+                      <a:tailEnd type="none" w="med" len="med"/>
+                    </a:lnL>
+                    <a:lnR w="12700" cap="flat" cmpd="sng" algn="ctr">
+                      <a:solidFill>
+                        <a:schemeClr val="tx1"/>
+                      </a:solidFill>
+                      <a:prstDash val="solid"/>
+                      <a:round/>
+                      <a:headEnd type="none" w="med" len="med"/>
+                      <a:tailEnd type="none" w="med" len="med"/>
+                    </a:lnR>
+                    <a:lnT w="12700" cap="flat" cmpd="sng" algn="ctr">
+                      <a:solidFill>
+                        <a:schemeClr val="tx1"/>
+                      </a:solidFill>
+                      <a:prstDash val="solid"/>
+                      <a:round/>
+                      <a:headEnd type="none" w="med" len="med"/>
+                      <a:tailEnd type="none" w="med" len="med"/>
+                    </a:lnT>
+                    <a:lnB w="12700" cap="flat" cmpd="sng" algn="ctr">
+                      <a:solidFill>
+                        <a:schemeClr val="tx1"/>
+                      </a:solidFill>
+                      <a:prstDash val="solid"/>
+                      <a:round/>
+                      <a:headEnd type="none" w="med" len="med"/>
+                      <a:tailEnd type="none" w="med" len="med"/>
+                    </a:lnB>
+                  </a:tcPr>
+                </a:tc>
+                <a:tc>
+                  <a:txBody>
+                    <a:bodyPr/>
+                    <a:lstStyle/>
+                    <a:p>
+                      <a:pPr indent="0" algn="ctr">
+                        <a:lnSpc>
+                          <a:spcPct val="100000"/>
+                        </a:lnSpc>
+                        <a:spcBef>
+                          <a:spcPts val="400"/>
+                        </a:spcBef>
+                        <a:spcAft>
+                          <a:spcPts val="400"/>
+                        </a:spcAft>
+                        <a:tabLst>
+                          <a:tab pos="629920" algn="l"/>
+                        </a:tabLst>
+                      </a:pPr>
+                      <a:r>
+                        <a:rPr lang="ru-RU" sz="1600" dirty="0">
+                          <a:solidFill>
+                            <a:schemeClr val="tx1"/>
+                          </a:solidFill>
+                          <a:latin typeface="Times New Roman"/>
+                          <a:ea typeface="Calibri"/>
+                          <a:cs typeface="Times New Roman"/>
+                        </a:rPr>
+                        <a:t>Значение</a:t>
+                      </a:r>
+                    </a:p>
+                  </a:txBody>
+                  <a:tcPr marL="68580" marR="68580" marT="0" marB="0">
+                    <a:lnL w="12700" cap="flat" cmpd="sng" algn="ctr">
+                      <a:solidFill>
+                        <a:schemeClr val="tx1"/>
+                      </a:solidFill>
+                      <a:prstDash val="solid"/>
+                      <a:round/>
+                      <a:headEnd type="none" w="med" len="med"/>
+                      <a:tailEnd type="none" w="med" len="med"/>
+                    </a:lnL>
+                    <a:lnR w="12700" cap="flat" cmpd="sng" algn="ctr">
+                      <a:solidFill>
+                        <a:schemeClr val="tx1"/>
+                      </a:solidFill>
+                      <a:prstDash val="solid"/>
+                      <a:round/>
+                      <a:headEnd type="none" w="med" len="med"/>
+                      <a:tailEnd type="none" w="med" len="med"/>
+                    </a:lnR>
+                    <a:lnT w="12700" cap="flat" cmpd="sng" algn="ctr">
+                      <a:solidFill>
+                        <a:schemeClr val="tx1"/>
+                      </a:solidFill>
+                      <a:prstDash val="solid"/>
+                      <a:round/>
+                      <a:headEnd type="none" w="med" len="med"/>
+                      <a:tailEnd type="none" w="med" len="med"/>
+                    </a:lnT>
+                    <a:lnB w="12700" cap="flat" cmpd="sng" algn="ctr">
+                      <a:solidFill>
+                        <a:schemeClr val="tx1"/>
+                      </a:solidFill>
+                      <a:prstDash val="solid"/>
+                      <a:round/>
+                      <a:headEnd type="none" w="med" len="med"/>
+                      <a:tailEnd type="none" w="med" len="med"/>
+                    </a:lnB>
+                  </a:tcPr>
+                </a:tc>
+              </a:tr>
+              <a:tr h="0">
+                <a:tc>
+                  <a:txBody>
+                    <a:bodyPr/>
+                    <a:lstStyle/>
+                    <a:p>
+                      <a:pPr indent="0" algn="just">
+                        <a:lnSpc>
+                          <a:spcPct val="100000"/>
+                        </a:lnSpc>
+                        <a:spcBef>
+                          <a:spcPts val="400"/>
+                        </a:spcBef>
+                        <a:spcAft>
+                          <a:spcPts val="400"/>
+                        </a:spcAft>
+                        <a:tabLst>
+                          <a:tab pos="629920" algn="l"/>
+                        </a:tabLst>
+                      </a:pPr>
+                      <a:r>
+                        <a:rPr lang="ru-RU" sz="1600">
+                          <a:solidFill>
+                            <a:schemeClr val="tx1"/>
+                          </a:solidFill>
+                          <a:latin typeface="Times New Roman"/>
+                          <a:ea typeface="Calibri"/>
+                          <a:cs typeface="Times New Roman"/>
+                        </a:rPr>
+                        <a:t>Время разработки, мес.</a:t>
+                      </a:r>
+                    </a:p>
+                  </a:txBody>
+                  <a:tcPr marL="68580" marR="68580" marT="0" marB="0">
+                    <a:lnL w="12700" cap="flat" cmpd="sng" algn="ctr">
+                      <a:solidFill>
+                        <a:schemeClr val="tx1"/>
+                      </a:solidFill>
+                      <a:prstDash val="solid"/>
+                      <a:round/>
+                      <a:headEnd type="none" w="med" len="med"/>
+                      <a:tailEnd type="none" w="med" len="med"/>
+                    </a:lnL>
+                    <a:lnR w="12700" cap="flat" cmpd="sng" algn="ctr">
+                      <a:solidFill>
+                        <a:schemeClr val="tx1"/>
+                      </a:solidFill>
+                      <a:prstDash val="solid"/>
+                      <a:round/>
+                      <a:headEnd type="none" w="med" len="med"/>
+                      <a:tailEnd type="none" w="med" len="med"/>
+                    </a:lnR>
+                    <a:lnT w="12700" cap="flat" cmpd="sng" algn="ctr">
+                      <a:solidFill>
+                        <a:schemeClr val="tx1"/>
+                      </a:solidFill>
+                      <a:prstDash val="solid"/>
+                      <a:round/>
+                      <a:headEnd type="none" w="med" len="med"/>
+                      <a:tailEnd type="none" w="med" len="med"/>
+                    </a:lnT>
+                    <a:lnB w="12700" cap="flat" cmpd="sng" algn="ctr">
+                      <a:solidFill>
+                        <a:schemeClr val="tx1"/>
+                      </a:solidFill>
+                      <a:prstDash val="solid"/>
+                      <a:round/>
+                      <a:headEnd type="none" w="med" len="med"/>
+                      <a:tailEnd type="none" w="med" len="med"/>
+                    </a:lnB>
+                  </a:tcPr>
+                </a:tc>
+                <a:tc>
+                  <a:txBody>
+                    <a:bodyPr/>
+                    <a:lstStyle/>
+                    <a:p>
+                      <a:pPr indent="0" algn="ctr">
+                        <a:lnSpc>
+                          <a:spcPct val="100000"/>
+                        </a:lnSpc>
+                        <a:spcBef>
+                          <a:spcPts val="400"/>
+                        </a:spcBef>
+                        <a:spcAft>
+                          <a:spcPts val="400"/>
+                        </a:spcAft>
+                        <a:tabLst>
+                          <a:tab pos="629920" algn="l"/>
+                          <a:tab pos="629920" algn="l"/>
+                          <a:tab pos="685800" algn="l"/>
+                          <a:tab pos="1036320" algn="ctr"/>
+                        </a:tabLst>
+                      </a:pPr>
+                      <a:r>
+                        <a:rPr lang="ru-RU" sz="1600">
+                          <a:solidFill>
+                            <a:schemeClr val="tx1"/>
+                          </a:solidFill>
+                          <a:latin typeface="Times New Roman"/>
+                          <a:ea typeface="Calibri"/>
+                          <a:cs typeface="Times New Roman"/>
+                        </a:rPr>
+                        <a:t>2</a:t>
+                      </a:r>
+                    </a:p>
+                  </a:txBody>
+                  <a:tcPr marL="68580" marR="68580" marT="0" marB="0">
+                    <a:lnL w="12700" cap="flat" cmpd="sng" algn="ctr">
+                      <a:solidFill>
+                        <a:schemeClr val="tx1"/>
+                      </a:solidFill>
+                      <a:prstDash val="solid"/>
+                      <a:round/>
+                      <a:headEnd type="none" w="med" len="med"/>
+                      <a:tailEnd type="none" w="med" len="med"/>
+                    </a:lnL>
+                    <a:lnR w="12700" cap="flat" cmpd="sng" algn="ctr">
+                      <a:solidFill>
+                        <a:schemeClr val="tx1"/>
+                      </a:solidFill>
+                      <a:prstDash val="solid"/>
+                      <a:round/>
+                      <a:headEnd type="none" w="med" len="med"/>
+                      <a:tailEnd type="none" w="med" len="med"/>
+                    </a:lnR>
+                    <a:lnT w="12700" cap="flat" cmpd="sng" algn="ctr">
+                      <a:solidFill>
+                        <a:schemeClr val="tx1"/>
+                      </a:solidFill>
+                      <a:prstDash val="solid"/>
+                      <a:round/>
+                      <a:headEnd type="none" w="med" len="med"/>
+                      <a:tailEnd type="none" w="med" len="med"/>
+                    </a:lnT>
+                    <a:lnB w="12700" cap="flat" cmpd="sng" algn="ctr">
+                      <a:solidFill>
+                        <a:schemeClr val="tx1"/>
+                      </a:solidFill>
+                      <a:prstDash val="solid"/>
+                      <a:round/>
+                      <a:headEnd type="none" w="med" len="med"/>
+                      <a:tailEnd type="none" w="med" len="med"/>
+                    </a:lnB>
+                  </a:tcPr>
+                </a:tc>
+              </a:tr>
+              <a:tr h="0">
+                <a:tc>
+                  <a:txBody>
+                    <a:bodyPr/>
+                    <a:lstStyle/>
+                    <a:p>
+                      <a:pPr indent="0" algn="just">
+                        <a:lnSpc>
+                          <a:spcPct val="100000"/>
+                        </a:lnSpc>
+                        <a:spcBef>
+                          <a:spcPts val="400"/>
+                        </a:spcBef>
+                        <a:spcAft>
+                          <a:spcPts val="400"/>
+                        </a:spcAft>
+                        <a:tabLst>
+                          <a:tab pos="629920" algn="l"/>
+                        </a:tabLst>
+                      </a:pPr>
+                      <a:r>
+                        <a:rPr lang="ru-RU" sz="1600" dirty="0">
+                          <a:solidFill>
+                            <a:schemeClr val="tx1"/>
+                          </a:solidFill>
+                          <a:latin typeface="Times New Roman"/>
+                          <a:ea typeface="Calibri"/>
+                          <a:cs typeface="Times New Roman"/>
+                        </a:rPr>
+                        <a:t>Количество программистов, чел.</a:t>
+                      </a:r>
+                    </a:p>
+                  </a:txBody>
+                  <a:tcPr marL="68580" marR="68580" marT="0" marB="0">
+                    <a:lnL w="12700" cap="flat" cmpd="sng" algn="ctr">
+                      <a:solidFill>
+                        <a:schemeClr val="tx1"/>
+                      </a:solidFill>
+                      <a:prstDash val="solid"/>
+                      <a:round/>
+                      <a:headEnd type="none" w="med" len="med"/>
+                      <a:tailEnd type="none" w="med" len="med"/>
+                    </a:lnL>
+                    <a:lnR w="12700" cap="flat" cmpd="sng" algn="ctr">
+                      <a:solidFill>
+                        <a:schemeClr val="tx1"/>
+                      </a:solidFill>
+                      <a:prstDash val="solid"/>
+                      <a:round/>
+                      <a:headEnd type="none" w="med" len="med"/>
+                      <a:tailEnd type="none" w="med" len="med"/>
+                    </a:lnR>
+                    <a:lnT w="12700" cap="flat" cmpd="sng" algn="ctr">
+                      <a:solidFill>
+                        <a:schemeClr val="tx1"/>
+                      </a:solidFill>
+                      <a:prstDash val="solid"/>
+                      <a:round/>
+                      <a:headEnd type="none" w="med" len="med"/>
+                      <a:tailEnd type="none" w="med" len="med"/>
+                    </a:lnT>
+                    <a:lnB w="12700" cap="flat" cmpd="sng" algn="ctr">
+                      <a:solidFill>
+                        <a:schemeClr val="tx1"/>
+                      </a:solidFill>
+                      <a:prstDash val="solid"/>
+                      <a:round/>
+                      <a:headEnd type="none" w="med" len="med"/>
+                      <a:tailEnd type="none" w="med" len="med"/>
+                    </a:lnB>
+                  </a:tcPr>
+                </a:tc>
+                <a:tc>
+                  <a:txBody>
+                    <a:bodyPr/>
+                    <a:lstStyle/>
+                    <a:p>
+                      <a:pPr indent="0" algn="ctr">
+                        <a:lnSpc>
+                          <a:spcPct val="100000"/>
+                        </a:lnSpc>
+                        <a:spcBef>
+                          <a:spcPts val="400"/>
+                        </a:spcBef>
+                        <a:spcAft>
+                          <a:spcPts val="400"/>
+                        </a:spcAft>
+                        <a:tabLst>
+                          <a:tab pos="629920" algn="l"/>
+                          <a:tab pos="629920" algn="l"/>
+                          <a:tab pos="685800" algn="l"/>
+                          <a:tab pos="1036320" algn="ctr"/>
+                        </a:tabLst>
+                      </a:pPr>
+                      <a:r>
+                        <a:rPr lang="ru-RU" sz="1600" dirty="0">
+                          <a:solidFill>
+                            <a:schemeClr val="tx1"/>
+                          </a:solidFill>
+                          <a:latin typeface="Times New Roman"/>
+                          <a:ea typeface="Calibri"/>
+                          <a:cs typeface="Times New Roman"/>
+                        </a:rPr>
+                        <a:t>1</a:t>
+                      </a:r>
+                    </a:p>
+                  </a:txBody>
+                  <a:tcPr marL="68580" marR="68580" marT="0" marB="0">
+                    <a:lnL w="12700" cap="flat" cmpd="sng" algn="ctr">
+                      <a:solidFill>
+                        <a:schemeClr val="tx1"/>
+                      </a:solidFill>
+                      <a:prstDash val="solid"/>
+                      <a:round/>
+                      <a:headEnd type="none" w="med" len="med"/>
+                      <a:tailEnd type="none" w="med" len="med"/>
+                    </a:lnL>
+                    <a:lnR w="12700" cap="flat" cmpd="sng" algn="ctr">
+                      <a:solidFill>
+                        <a:schemeClr val="tx1"/>
+                      </a:solidFill>
+                      <a:prstDash val="solid"/>
+                      <a:round/>
+                      <a:headEnd type="none" w="med" len="med"/>
+                      <a:tailEnd type="none" w="med" len="med"/>
+                    </a:lnR>
+                    <a:lnT w="12700" cap="flat" cmpd="sng" algn="ctr">
+                      <a:solidFill>
+                        <a:schemeClr val="tx1"/>
+                      </a:solidFill>
+                      <a:prstDash val="solid"/>
+                      <a:round/>
+                      <a:headEnd type="none" w="med" len="med"/>
+                      <a:tailEnd type="none" w="med" len="med"/>
+                    </a:lnT>
+                    <a:lnB w="12700" cap="flat" cmpd="sng" algn="ctr">
+                      <a:solidFill>
+                        <a:schemeClr val="tx1"/>
+                      </a:solidFill>
+                      <a:prstDash val="solid"/>
+                      <a:round/>
+                      <a:headEnd type="none" w="med" len="med"/>
+                      <a:tailEnd type="none" w="med" len="med"/>
+                    </a:lnB>
+                  </a:tcPr>
+                </a:tc>
+              </a:tr>
+              <a:tr h="0">
+                <a:tc>
+                  <a:txBody>
+                    <a:bodyPr/>
+                    <a:lstStyle/>
+                    <a:p>
+                      <a:pPr indent="0" algn="just">
+                        <a:lnSpc>
+                          <a:spcPct val="100000"/>
+                        </a:lnSpc>
+                        <a:spcBef>
+                          <a:spcPts val="400"/>
+                        </a:spcBef>
+                        <a:spcAft>
+                          <a:spcPts val="400"/>
+                        </a:spcAft>
+                        <a:tabLst>
+                          <a:tab pos="629920" algn="l"/>
+                        </a:tabLst>
+                      </a:pPr>
+                      <a:r>
+                        <a:rPr lang="ru-RU" sz="1600">
+                          <a:solidFill>
+                            <a:schemeClr val="tx1"/>
+                          </a:solidFill>
+                          <a:latin typeface="Times New Roman"/>
+                          <a:ea typeface="Calibri"/>
+                          <a:cs typeface="Times New Roman"/>
+                        </a:rPr>
+                        <a:t>Зарплата с отчислениями, руб.</a:t>
+                      </a:r>
+                    </a:p>
+                  </a:txBody>
+                  <a:tcPr marL="68580" marR="68580" marT="0" marB="0">
+                    <a:lnL w="12700" cap="flat" cmpd="sng" algn="ctr">
+                      <a:solidFill>
+                        <a:schemeClr val="tx1"/>
+                      </a:solidFill>
+                      <a:prstDash val="solid"/>
+                      <a:round/>
+                      <a:headEnd type="none" w="med" len="med"/>
+                      <a:tailEnd type="none" w="med" len="med"/>
+                    </a:lnL>
+                    <a:lnR w="12700" cap="flat" cmpd="sng" algn="ctr">
+                      <a:solidFill>
+                        <a:schemeClr val="tx1"/>
+                      </a:solidFill>
+                      <a:prstDash val="solid"/>
+                      <a:round/>
+                      <a:headEnd type="none" w="med" len="med"/>
+                      <a:tailEnd type="none" w="med" len="med"/>
+                    </a:lnR>
+                    <a:lnT w="12700" cap="flat" cmpd="sng" algn="ctr">
+                      <a:solidFill>
+                        <a:schemeClr val="tx1"/>
+                      </a:solidFill>
+                      <a:prstDash val="solid"/>
+                      <a:round/>
+                      <a:headEnd type="none" w="med" len="med"/>
+                      <a:tailEnd type="none" w="med" len="med"/>
+                    </a:lnT>
+                    <a:lnB w="12700" cap="flat" cmpd="sng" algn="ctr">
+                      <a:solidFill>
+                        <a:schemeClr val="tx1"/>
+                      </a:solidFill>
+                      <a:prstDash val="solid"/>
+                      <a:round/>
+                      <a:headEnd type="none" w="med" len="med"/>
+                      <a:tailEnd type="none" w="med" len="med"/>
+                    </a:lnB>
+                  </a:tcPr>
+                </a:tc>
+                <a:tc>
+                  <a:txBody>
+                    <a:bodyPr/>
+                    <a:lstStyle/>
+                    <a:p>
+                      <a:pPr indent="0" algn="ctr">
+                        <a:lnSpc>
+                          <a:spcPct val="100000"/>
+                        </a:lnSpc>
+                        <a:spcBef>
+                          <a:spcPts val="400"/>
+                        </a:spcBef>
+                        <a:spcAft>
+                          <a:spcPts val="400"/>
+                        </a:spcAft>
+                        <a:tabLst>
+                          <a:tab pos="629920" algn="l"/>
+                          <a:tab pos="629920" algn="l"/>
+                          <a:tab pos="685800" algn="l"/>
+                          <a:tab pos="1036320" algn="ctr"/>
+                        </a:tabLst>
+                      </a:pPr>
+                      <a:r>
+                        <a:rPr lang="ru-RU" sz="1600">
+                          <a:solidFill>
+                            <a:schemeClr val="tx1"/>
+                          </a:solidFill>
+                          <a:latin typeface="Times New Roman"/>
+                          <a:ea typeface="Calibri"/>
+                          <a:cs typeface="Times New Roman"/>
+                        </a:rPr>
+                        <a:t>2 653,2</a:t>
+                      </a:r>
+                    </a:p>
+                  </a:txBody>
+                  <a:tcPr marL="68580" marR="68580" marT="0" marB="0">
+                    <a:lnL w="12700" cap="flat" cmpd="sng" algn="ctr">
+                      <a:solidFill>
+                        <a:schemeClr val="tx1"/>
+                      </a:solidFill>
+                      <a:prstDash val="solid"/>
+                      <a:round/>
+                      <a:headEnd type="none" w="med" len="med"/>
+                      <a:tailEnd type="none" w="med" len="med"/>
+                    </a:lnL>
+                    <a:lnR w="12700" cap="flat" cmpd="sng" algn="ctr">
+                      <a:solidFill>
+                        <a:schemeClr val="tx1"/>
+                      </a:solidFill>
+                      <a:prstDash val="solid"/>
+                      <a:round/>
+                      <a:headEnd type="none" w="med" len="med"/>
+                      <a:tailEnd type="none" w="med" len="med"/>
+                    </a:lnR>
+                    <a:lnT w="12700" cap="flat" cmpd="sng" algn="ctr">
+                      <a:solidFill>
+                        <a:schemeClr val="tx1"/>
+                      </a:solidFill>
+                      <a:prstDash val="solid"/>
+                      <a:round/>
+                      <a:headEnd type="none" w="med" len="med"/>
+                      <a:tailEnd type="none" w="med" len="med"/>
+                    </a:lnT>
+                    <a:lnB w="12700" cap="flat" cmpd="sng" algn="ctr">
+                      <a:solidFill>
+                        <a:schemeClr val="tx1"/>
+                      </a:solidFill>
+                      <a:prstDash val="solid"/>
+                      <a:round/>
+                      <a:headEnd type="none" w="med" len="med"/>
+                      <a:tailEnd type="none" w="med" len="med"/>
+                    </a:lnB>
+                  </a:tcPr>
+                </a:tc>
+              </a:tr>
+              <a:tr h="0">
+                <a:tc>
+                  <a:txBody>
+                    <a:bodyPr/>
+                    <a:lstStyle/>
+                    <a:p>
+                      <a:pPr indent="0" algn="just">
+                        <a:lnSpc>
+                          <a:spcPct val="100000"/>
+                        </a:lnSpc>
+                        <a:spcBef>
+                          <a:spcPts val="400"/>
+                        </a:spcBef>
+                        <a:spcAft>
+                          <a:spcPts val="400"/>
+                        </a:spcAft>
+                        <a:tabLst>
+                          <a:tab pos="629920" algn="l"/>
+                        </a:tabLst>
+                      </a:pPr>
+                      <a:r>
+                        <a:rPr lang="ru-RU" sz="1600">
+                          <a:solidFill>
+                            <a:schemeClr val="tx1"/>
+                          </a:solidFill>
+                          <a:latin typeface="Times New Roman"/>
+                          <a:ea typeface="Calibri"/>
+                          <a:cs typeface="Times New Roman"/>
+                        </a:rPr>
+                        <a:t>Расходы на материалы, оплату машинного времени, прочие, руб</a:t>
+                      </a:r>
+                    </a:p>
+                  </a:txBody>
+                  <a:tcPr marL="68580" marR="68580" marT="0" marB="0">
+                    <a:lnL w="12700" cap="flat" cmpd="sng" algn="ctr">
+                      <a:solidFill>
+                        <a:schemeClr val="tx1"/>
+                      </a:solidFill>
+                      <a:prstDash val="solid"/>
+                      <a:round/>
+                      <a:headEnd type="none" w="med" len="med"/>
+                      <a:tailEnd type="none" w="med" len="med"/>
+                    </a:lnL>
+                    <a:lnR w="12700" cap="flat" cmpd="sng" algn="ctr">
+                      <a:solidFill>
+                        <a:schemeClr val="tx1"/>
+                      </a:solidFill>
+                      <a:prstDash val="solid"/>
+                      <a:round/>
+                      <a:headEnd type="none" w="med" len="med"/>
+                      <a:tailEnd type="none" w="med" len="med"/>
+                    </a:lnR>
+                    <a:lnT w="12700" cap="flat" cmpd="sng" algn="ctr">
+                      <a:solidFill>
+                        <a:schemeClr val="tx1"/>
+                      </a:solidFill>
+                      <a:prstDash val="solid"/>
+                      <a:round/>
+                      <a:headEnd type="none" w="med" len="med"/>
+                      <a:tailEnd type="none" w="med" len="med"/>
+                    </a:lnT>
+                    <a:lnB w="12700" cap="flat" cmpd="sng" algn="ctr">
+                      <a:solidFill>
+                        <a:schemeClr val="tx1"/>
+                      </a:solidFill>
+                      <a:prstDash val="solid"/>
+                      <a:round/>
+                      <a:headEnd type="none" w="med" len="med"/>
+                      <a:tailEnd type="none" w="med" len="med"/>
+                    </a:lnB>
+                  </a:tcPr>
+                </a:tc>
+                <a:tc>
+                  <a:txBody>
+                    <a:bodyPr/>
+                    <a:lstStyle/>
+                    <a:p>
+                      <a:pPr indent="0" algn="ctr">
+                        <a:lnSpc>
+                          <a:spcPct val="100000"/>
+                        </a:lnSpc>
+                        <a:spcBef>
+                          <a:spcPts val="400"/>
+                        </a:spcBef>
+                        <a:spcAft>
+                          <a:spcPts val="400"/>
+                        </a:spcAft>
+                        <a:tabLst>
+                          <a:tab pos="629920" algn="l"/>
+                        </a:tabLst>
+                      </a:pPr>
+                      <a:r>
+                        <a:rPr lang="ru-RU" sz="1600" dirty="0">
+                          <a:solidFill>
+                            <a:schemeClr val="tx1"/>
+                          </a:solidFill>
+                          <a:latin typeface="Times New Roman"/>
+                          <a:ea typeface="Calibri"/>
+                          <a:cs typeface="Times New Roman"/>
+                        </a:rPr>
+                        <a:t>221,58</a:t>
+                      </a:r>
+                    </a:p>
+                  </a:txBody>
+                  <a:tcPr marL="68580" marR="68580" marT="0" marB="0">
+                    <a:lnL w="12700" cap="flat" cmpd="sng" algn="ctr">
+                      <a:solidFill>
+                        <a:schemeClr val="tx1"/>
+                      </a:solidFill>
+                      <a:prstDash val="solid"/>
+                      <a:round/>
+                      <a:headEnd type="none" w="med" len="med"/>
+                      <a:tailEnd type="none" w="med" len="med"/>
+                    </a:lnL>
+                    <a:lnR w="12700" cap="flat" cmpd="sng" algn="ctr">
+                      <a:solidFill>
+                        <a:schemeClr val="tx1"/>
+                      </a:solidFill>
+                      <a:prstDash val="solid"/>
+                      <a:round/>
+                      <a:headEnd type="none" w="med" len="med"/>
+                      <a:tailEnd type="none" w="med" len="med"/>
+                    </a:lnR>
+                    <a:lnT w="12700" cap="flat" cmpd="sng" algn="ctr">
+                      <a:solidFill>
+                        <a:schemeClr val="tx1"/>
+                      </a:solidFill>
+                      <a:prstDash val="solid"/>
+                      <a:round/>
+                      <a:headEnd type="none" w="med" len="med"/>
+                      <a:tailEnd type="none" w="med" len="med"/>
+                    </a:lnT>
+                    <a:lnB w="12700" cap="flat" cmpd="sng" algn="ctr">
+                      <a:solidFill>
+                        <a:schemeClr val="tx1"/>
+                      </a:solidFill>
+                      <a:prstDash val="solid"/>
+                      <a:round/>
+                      <a:headEnd type="none" w="med" len="med"/>
+                      <a:tailEnd type="none" w="med" len="med"/>
+                    </a:lnB>
+                  </a:tcPr>
+                </a:tc>
+              </a:tr>
+              <a:tr h="0">
+                <a:tc>
+                  <a:txBody>
+                    <a:bodyPr/>
+                    <a:lstStyle/>
+                    <a:p>
+                      <a:pPr indent="0" algn="just">
+                        <a:lnSpc>
+                          <a:spcPct val="100000"/>
+                        </a:lnSpc>
+                        <a:spcBef>
+                          <a:spcPts val="400"/>
+                        </a:spcBef>
+                        <a:spcAft>
+                          <a:spcPts val="400"/>
+                        </a:spcAft>
+                        <a:tabLst>
+                          <a:tab pos="629920" algn="l"/>
+                        </a:tabLst>
+                      </a:pPr>
+                      <a:r>
+                        <a:rPr lang="ru-RU" sz="1600">
+                          <a:solidFill>
+                            <a:schemeClr val="tx1"/>
+                          </a:solidFill>
+                          <a:latin typeface="Times New Roman"/>
+                          <a:ea typeface="Calibri"/>
+                          <a:cs typeface="Times New Roman"/>
+                        </a:rPr>
+                        <a:t>Накладные расходы, руб</a:t>
+                      </a:r>
+                    </a:p>
+                  </a:txBody>
+                  <a:tcPr marL="68580" marR="68580" marT="0" marB="0">
+                    <a:lnL w="12700" cap="flat" cmpd="sng" algn="ctr">
+                      <a:solidFill>
+                        <a:schemeClr val="tx1"/>
+                      </a:solidFill>
+                      <a:prstDash val="solid"/>
+                      <a:round/>
+                      <a:headEnd type="none" w="med" len="med"/>
+                      <a:tailEnd type="none" w="med" len="med"/>
+                    </a:lnL>
+                    <a:lnR w="12700" cap="flat" cmpd="sng" algn="ctr">
+                      <a:solidFill>
+                        <a:schemeClr val="tx1"/>
+                      </a:solidFill>
+                      <a:prstDash val="solid"/>
+                      <a:round/>
+                      <a:headEnd type="none" w="med" len="med"/>
+                      <a:tailEnd type="none" w="med" len="med"/>
+                    </a:lnR>
+                    <a:lnT w="12700" cap="flat" cmpd="sng" algn="ctr">
+                      <a:solidFill>
+                        <a:schemeClr val="tx1"/>
+                      </a:solidFill>
+                      <a:prstDash val="solid"/>
+                      <a:round/>
+                      <a:headEnd type="none" w="med" len="med"/>
+                      <a:tailEnd type="none" w="med" len="med"/>
+                    </a:lnT>
+                    <a:lnB w="12700" cap="flat" cmpd="sng" algn="ctr">
+                      <a:solidFill>
+                        <a:schemeClr val="tx1"/>
+                      </a:solidFill>
+                      <a:prstDash val="solid"/>
+                      <a:round/>
+                      <a:headEnd type="none" w="med" len="med"/>
+                      <a:tailEnd type="none" w="med" len="med"/>
+                    </a:lnB>
+                  </a:tcPr>
+                </a:tc>
+                <a:tc>
+                  <a:txBody>
+                    <a:bodyPr/>
+                    <a:lstStyle/>
+                    <a:p>
+                      <a:pPr indent="0" algn="ctr">
+                        <a:lnSpc>
+                          <a:spcPct val="100000"/>
+                        </a:lnSpc>
+                        <a:spcBef>
+                          <a:spcPts val="400"/>
+                        </a:spcBef>
+                        <a:spcAft>
+                          <a:spcPts val="400"/>
+                        </a:spcAft>
+                        <a:tabLst>
+                          <a:tab pos="629920" algn="l"/>
+                        </a:tabLst>
+                      </a:pPr>
+                      <a:r>
+                        <a:rPr lang="ru-RU" sz="1600">
+                          <a:solidFill>
+                            <a:schemeClr val="tx1"/>
+                          </a:solidFill>
+                          <a:latin typeface="Times New Roman"/>
+                          <a:ea typeface="Calibri"/>
+                          <a:cs typeface="Times New Roman"/>
+                        </a:rPr>
+                        <a:t>540</a:t>
+                      </a:r>
+                    </a:p>
+                  </a:txBody>
+                  <a:tcPr marL="68580" marR="68580" marT="0" marB="0">
+                    <a:lnL w="12700" cap="flat" cmpd="sng" algn="ctr">
+                      <a:solidFill>
+                        <a:schemeClr val="tx1"/>
+                      </a:solidFill>
+                      <a:prstDash val="solid"/>
+                      <a:round/>
+                      <a:headEnd type="none" w="med" len="med"/>
+                      <a:tailEnd type="none" w="med" len="med"/>
+                    </a:lnL>
+                    <a:lnR w="12700" cap="flat" cmpd="sng" algn="ctr">
+                      <a:solidFill>
+                        <a:schemeClr val="tx1"/>
+                      </a:solidFill>
+                      <a:prstDash val="solid"/>
+                      <a:round/>
+                      <a:headEnd type="none" w="med" len="med"/>
+                      <a:tailEnd type="none" w="med" len="med"/>
+                    </a:lnR>
+                    <a:lnT w="12700" cap="flat" cmpd="sng" algn="ctr">
+                      <a:solidFill>
+                        <a:schemeClr val="tx1"/>
+                      </a:solidFill>
+                      <a:prstDash val="solid"/>
+                      <a:round/>
+                      <a:headEnd type="none" w="med" len="med"/>
+                      <a:tailEnd type="none" w="med" len="med"/>
+                    </a:lnT>
+                    <a:lnB w="12700" cap="flat" cmpd="sng" algn="ctr">
+                      <a:solidFill>
+                        <a:schemeClr val="tx1"/>
+                      </a:solidFill>
+                      <a:prstDash val="solid"/>
+                      <a:round/>
+                      <a:headEnd type="none" w="med" len="med"/>
+                      <a:tailEnd type="none" w="med" len="med"/>
+                    </a:lnB>
+                  </a:tcPr>
+                </a:tc>
+              </a:tr>
+              <a:tr h="0">
+                <a:tc>
+                  <a:txBody>
+                    <a:bodyPr/>
+                    <a:lstStyle/>
+                    <a:p>
+                      <a:pPr indent="0" algn="just">
+                        <a:lnSpc>
+                          <a:spcPct val="100000"/>
+                        </a:lnSpc>
+                        <a:spcBef>
+                          <a:spcPts val="400"/>
+                        </a:spcBef>
+                        <a:spcAft>
+                          <a:spcPts val="400"/>
+                        </a:spcAft>
+                        <a:tabLst>
+                          <a:tab pos="629920" algn="l"/>
+                        </a:tabLst>
+                      </a:pPr>
+                      <a:r>
+                        <a:rPr lang="ru-RU" sz="1600">
+                          <a:solidFill>
+                            <a:schemeClr val="tx1"/>
+                          </a:solidFill>
+                          <a:latin typeface="Times New Roman"/>
+                          <a:ea typeface="Calibri"/>
+                          <a:cs typeface="Times New Roman"/>
+                        </a:rPr>
+                        <a:t>Себестоимость разработки программного средства, руб.</a:t>
+                      </a:r>
+                    </a:p>
+                  </a:txBody>
+                  <a:tcPr marL="68580" marR="68580" marT="0" marB="0">
+                    <a:lnL w="12700" cap="flat" cmpd="sng" algn="ctr">
+                      <a:solidFill>
+                        <a:schemeClr val="tx1"/>
+                      </a:solidFill>
+                      <a:prstDash val="solid"/>
+                      <a:round/>
+                      <a:headEnd type="none" w="med" len="med"/>
+                      <a:tailEnd type="none" w="med" len="med"/>
+                    </a:lnL>
+                    <a:lnR w="12700" cap="flat" cmpd="sng" algn="ctr">
+                      <a:solidFill>
+                        <a:schemeClr val="tx1"/>
+                      </a:solidFill>
+                      <a:prstDash val="solid"/>
+                      <a:round/>
+                      <a:headEnd type="none" w="med" len="med"/>
+                      <a:tailEnd type="none" w="med" len="med"/>
+                    </a:lnR>
+                    <a:lnT w="12700" cap="flat" cmpd="sng" algn="ctr">
+                      <a:solidFill>
+                        <a:schemeClr val="tx1"/>
+                      </a:solidFill>
+                      <a:prstDash val="solid"/>
+                      <a:round/>
+                      <a:headEnd type="none" w="med" len="med"/>
+                      <a:tailEnd type="none" w="med" len="med"/>
+                    </a:lnT>
+                    <a:lnB w="12700" cap="flat" cmpd="sng" algn="ctr">
+                      <a:solidFill>
+                        <a:schemeClr val="tx1"/>
+                      </a:solidFill>
+                      <a:prstDash val="solid"/>
+                      <a:round/>
+                      <a:headEnd type="none" w="med" len="med"/>
+                      <a:tailEnd type="none" w="med" len="med"/>
+                    </a:lnB>
+                  </a:tcPr>
+                </a:tc>
+                <a:tc>
+                  <a:txBody>
+                    <a:bodyPr/>
+                    <a:lstStyle/>
+                    <a:p>
+                      <a:pPr indent="0" algn="ctr">
+                        <a:lnSpc>
+                          <a:spcPct val="100000"/>
+                        </a:lnSpc>
+                        <a:spcBef>
+                          <a:spcPts val="400"/>
+                        </a:spcBef>
+                        <a:spcAft>
+                          <a:spcPts val="400"/>
+                        </a:spcAft>
+                        <a:tabLst>
+                          <a:tab pos="629920" algn="l"/>
+                        </a:tabLst>
+                      </a:pPr>
+                      <a:r>
+                        <a:rPr lang="ru-RU" sz="1600" dirty="0">
+                          <a:solidFill>
+                            <a:schemeClr val="tx1"/>
+                          </a:solidFill>
+                          <a:latin typeface="Times New Roman"/>
+                          <a:ea typeface="Calibri"/>
+                          <a:cs typeface="Times New Roman"/>
+                        </a:rPr>
+                        <a:t>3 414,78</a:t>
+                      </a:r>
+                    </a:p>
+                  </a:txBody>
+                  <a:tcPr marL="68580" marR="68580" marT="0" marB="0">
+                    <a:lnL w="12700" cap="flat" cmpd="sng" algn="ctr">
+                      <a:solidFill>
+                        <a:schemeClr val="tx1"/>
+                      </a:solidFill>
+                      <a:prstDash val="solid"/>
+                      <a:round/>
+                      <a:headEnd type="none" w="med" len="med"/>
+                      <a:tailEnd type="none" w="med" len="med"/>
+                    </a:lnL>
+                    <a:lnR w="12700" cap="flat" cmpd="sng" algn="ctr">
+                      <a:solidFill>
+                        <a:schemeClr val="tx1"/>
+                      </a:solidFill>
+                      <a:prstDash val="solid"/>
+                      <a:round/>
+                      <a:headEnd type="none" w="med" len="med"/>
+                      <a:tailEnd type="none" w="med" len="med"/>
+                    </a:lnR>
+                    <a:lnT w="12700" cap="flat" cmpd="sng" algn="ctr">
+                      <a:solidFill>
+                        <a:schemeClr val="tx1"/>
+                      </a:solidFill>
+                      <a:prstDash val="solid"/>
+                      <a:round/>
+                      <a:headEnd type="none" w="med" len="med"/>
+                      <a:tailEnd type="none" w="med" len="med"/>
+                    </a:lnT>
+                    <a:lnB w="12700" cap="flat" cmpd="sng" algn="ctr">
+                      <a:solidFill>
+                        <a:schemeClr val="tx1"/>
+                      </a:solidFill>
+                      <a:prstDash val="solid"/>
+                      <a:round/>
+                      <a:headEnd type="none" w="med" len="med"/>
+                      <a:tailEnd type="none" w="med" len="med"/>
+                    </a:lnB>
+                  </a:tcPr>
+                </a:tc>
+              </a:tr>
+              <a:tr h="0">
+                <a:tc>
+                  <a:txBody>
+                    <a:bodyPr/>
+                    <a:lstStyle/>
+                    <a:p>
+                      <a:pPr indent="0" algn="just">
+                        <a:lnSpc>
+                          <a:spcPct val="100000"/>
+                        </a:lnSpc>
+                        <a:spcBef>
+                          <a:spcPts val="400"/>
+                        </a:spcBef>
+                        <a:spcAft>
+                          <a:spcPts val="400"/>
+                        </a:spcAft>
+                        <a:tabLst>
+                          <a:tab pos="629920" algn="l"/>
+                        </a:tabLst>
+                      </a:pPr>
+                      <a:r>
+                        <a:rPr lang="ru-RU" sz="1600">
+                          <a:solidFill>
+                            <a:schemeClr val="tx1"/>
+                          </a:solidFill>
+                          <a:latin typeface="Times New Roman"/>
+                          <a:ea typeface="Calibri"/>
+                          <a:cs typeface="Times New Roman"/>
+                        </a:rPr>
+                        <a:t>Расходы на сопровождение и адаптацию, руб.</a:t>
+                      </a:r>
+                    </a:p>
+                  </a:txBody>
+                  <a:tcPr marL="68580" marR="68580" marT="0" marB="0">
+                    <a:lnL w="12700" cap="flat" cmpd="sng" algn="ctr">
+                      <a:solidFill>
+                        <a:schemeClr val="tx1"/>
+                      </a:solidFill>
+                      <a:prstDash val="solid"/>
+                      <a:round/>
+                      <a:headEnd type="none" w="med" len="med"/>
+                      <a:tailEnd type="none" w="med" len="med"/>
+                    </a:lnL>
+                    <a:lnR w="12700" cap="flat" cmpd="sng" algn="ctr">
+                      <a:solidFill>
+                        <a:schemeClr val="tx1"/>
+                      </a:solidFill>
+                      <a:prstDash val="solid"/>
+                      <a:round/>
+                      <a:headEnd type="none" w="med" len="med"/>
+                      <a:tailEnd type="none" w="med" len="med"/>
+                    </a:lnR>
+                    <a:lnT w="12700" cap="flat" cmpd="sng" algn="ctr">
+                      <a:solidFill>
+                        <a:schemeClr val="tx1"/>
+                      </a:solidFill>
+                      <a:prstDash val="solid"/>
+                      <a:round/>
+                      <a:headEnd type="none" w="med" len="med"/>
+                      <a:tailEnd type="none" w="med" len="med"/>
+                    </a:lnT>
+                    <a:lnB w="12700" cap="flat" cmpd="sng" algn="ctr">
+                      <a:solidFill>
+                        <a:schemeClr val="tx1"/>
+                      </a:solidFill>
+                      <a:prstDash val="solid"/>
+                      <a:round/>
+                      <a:headEnd type="none" w="med" len="med"/>
+                      <a:tailEnd type="none" w="med" len="med"/>
+                    </a:lnB>
+                  </a:tcPr>
+                </a:tc>
+                <a:tc>
+                  <a:txBody>
+                    <a:bodyPr/>
+                    <a:lstStyle/>
+                    <a:p>
+                      <a:pPr indent="0" algn="ctr">
+                        <a:lnSpc>
+                          <a:spcPct val="100000"/>
+                        </a:lnSpc>
+                        <a:spcBef>
+                          <a:spcPts val="400"/>
+                        </a:spcBef>
+                        <a:spcAft>
+                          <a:spcPts val="400"/>
+                        </a:spcAft>
+                        <a:tabLst>
+                          <a:tab pos="629920" algn="l"/>
+                        </a:tabLst>
+                      </a:pPr>
+                      <a:r>
+                        <a:rPr lang="ru-RU" sz="1600">
+                          <a:solidFill>
+                            <a:schemeClr val="tx1"/>
+                          </a:solidFill>
+                          <a:latin typeface="Times New Roman"/>
+                          <a:ea typeface="Calibri"/>
+                          <a:cs typeface="Times New Roman"/>
+                        </a:rPr>
+                        <a:t>341,48</a:t>
+                      </a:r>
+                    </a:p>
+                  </a:txBody>
+                  <a:tcPr marL="68580" marR="68580" marT="0" marB="0">
+                    <a:lnL w="12700" cap="flat" cmpd="sng" algn="ctr">
+                      <a:solidFill>
+                        <a:schemeClr val="tx1"/>
+                      </a:solidFill>
+                      <a:prstDash val="solid"/>
+                      <a:round/>
+                      <a:headEnd type="none" w="med" len="med"/>
+                      <a:tailEnd type="none" w="med" len="med"/>
+                    </a:lnL>
+                    <a:lnR w="12700" cap="flat" cmpd="sng" algn="ctr">
+                      <a:solidFill>
+                        <a:schemeClr val="tx1"/>
+                      </a:solidFill>
+                      <a:prstDash val="solid"/>
+                      <a:round/>
+                      <a:headEnd type="none" w="med" len="med"/>
+                      <a:tailEnd type="none" w="med" len="med"/>
+                    </a:lnR>
+                    <a:lnT w="12700" cap="flat" cmpd="sng" algn="ctr">
+                      <a:solidFill>
+                        <a:schemeClr val="tx1"/>
+                      </a:solidFill>
+                      <a:prstDash val="solid"/>
+                      <a:round/>
+                      <a:headEnd type="none" w="med" len="med"/>
+                      <a:tailEnd type="none" w="med" len="med"/>
+                    </a:lnT>
+                    <a:lnB w="12700" cap="flat" cmpd="sng" algn="ctr">
+                      <a:solidFill>
+                        <a:schemeClr val="tx1"/>
+                      </a:solidFill>
+                      <a:prstDash val="solid"/>
+                      <a:round/>
+                      <a:headEnd type="none" w="med" len="med"/>
+                      <a:tailEnd type="none" w="med" len="med"/>
+                    </a:lnB>
+                  </a:tcPr>
+                </a:tc>
+              </a:tr>
+              <a:tr h="0">
+                <a:tc>
+                  <a:txBody>
+                    <a:bodyPr/>
+                    <a:lstStyle/>
+                    <a:p>
+                      <a:pPr indent="0" algn="just">
+                        <a:lnSpc>
+                          <a:spcPct val="100000"/>
+                        </a:lnSpc>
+                        <a:spcBef>
+                          <a:spcPts val="400"/>
+                        </a:spcBef>
+                        <a:spcAft>
+                          <a:spcPts val="400"/>
+                        </a:spcAft>
+                        <a:tabLst>
+                          <a:tab pos="629920" algn="l"/>
+                        </a:tabLst>
+                      </a:pPr>
+                      <a:r>
+                        <a:rPr lang="ru-RU" sz="1600">
+                          <a:solidFill>
+                            <a:schemeClr val="tx1"/>
+                          </a:solidFill>
+                          <a:latin typeface="Times New Roman"/>
+                          <a:ea typeface="Calibri"/>
+                          <a:cs typeface="Times New Roman"/>
+                        </a:rPr>
+                        <a:t>Полная себестоимость, руб.</a:t>
+                      </a:r>
+                    </a:p>
+                  </a:txBody>
+                  <a:tcPr marL="68580" marR="68580" marT="0" marB="0">
+                    <a:lnL w="12700" cap="flat" cmpd="sng" algn="ctr">
+                      <a:solidFill>
+                        <a:schemeClr val="tx1"/>
+                      </a:solidFill>
+                      <a:prstDash val="solid"/>
+                      <a:round/>
+                      <a:headEnd type="none" w="med" len="med"/>
+                      <a:tailEnd type="none" w="med" len="med"/>
+                    </a:lnL>
+                    <a:lnR w="12700" cap="flat" cmpd="sng" algn="ctr">
+                      <a:solidFill>
+                        <a:schemeClr val="tx1"/>
+                      </a:solidFill>
+                      <a:prstDash val="solid"/>
+                      <a:round/>
+                      <a:headEnd type="none" w="med" len="med"/>
+                      <a:tailEnd type="none" w="med" len="med"/>
+                    </a:lnR>
+                    <a:lnT w="12700" cap="flat" cmpd="sng" algn="ctr">
+                      <a:solidFill>
+                        <a:schemeClr val="tx1"/>
+                      </a:solidFill>
+                      <a:prstDash val="solid"/>
+                      <a:round/>
+                      <a:headEnd type="none" w="med" len="med"/>
+                      <a:tailEnd type="none" w="med" len="med"/>
+                    </a:lnT>
+                    <a:lnB w="12700" cap="flat" cmpd="sng" algn="ctr">
+                      <a:solidFill>
+                        <a:schemeClr val="tx1"/>
+                      </a:solidFill>
+                      <a:prstDash val="solid"/>
+                      <a:round/>
+                      <a:headEnd type="none" w="med" len="med"/>
+                      <a:tailEnd type="none" w="med" len="med"/>
+                    </a:lnB>
+                  </a:tcPr>
+                </a:tc>
+                <a:tc>
+                  <a:txBody>
+                    <a:bodyPr/>
+                    <a:lstStyle/>
+                    <a:p>
+                      <a:pPr indent="0" algn="ctr">
+                        <a:lnSpc>
+                          <a:spcPct val="100000"/>
+                        </a:lnSpc>
+                        <a:spcBef>
+                          <a:spcPts val="400"/>
+                        </a:spcBef>
+                        <a:spcAft>
+                          <a:spcPts val="400"/>
+                        </a:spcAft>
+                        <a:tabLst>
+                          <a:tab pos="629920" algn="l"/>
+                        </a:tabLst>
+                      </a:pPr>
+                      <a:r>
+                        <a:rPr lang="ru-RU" sz="1600">
+                          <a:solidFill>
+                            <a:schemeClr val="tx1"/>
+                          </a:solidFill>
+                          <a:latin typeface="Times New Roman"/>
+                          <a:ea typeface="Calibri"/>
+                          <a:cs typeface="Times New Roman"/>
+                        </a:rPr>
+                        <a:t>3 756,26</a:t>
+                      </a:r>
+                    </a:p>
+                  </a:txBody>
+                  <a:tcPr marL="68580" marR="68580" marT="0" marB="0">
+                    <a:lnL w="12700" cap="flat" cmpd="sng" algn="ctr">
+                      <a:solidFill>
+                        <a:schemeClr val="tx1"/>
+                      </a:solidFill>
+                      <a:prstDash val="solid"/>
+                      <a:round/>
+                      <a:headEnd type="none" w="med" len="med"/>
+                      <a:tailEnd type="none" w="med" len="med"/>
+                    </a:lnL>
+                    <a:lnR w="12700" cap="flat" cmpd="sng" algn="ctr">
+                      <a:solidFill>
+                        <a:schemeClr val="tx1"/>
+                      </a:solidFill>
+                      <a:prstDash val="solid"/>
+                      <a:round/>
+                      <a:headEnd type="none" w="med" len="med"/>
+                      <a:tailEnd type="none" w="med" len="med"/>
+                    </a:lnR>
+                    <a:lnT w="12700" cap="flat" cmpd="sng" algn="ctr">
+                      <a:solidFill>
+                        <a:schemeClr val="tx1"/>
+                      </a:solidFill>
+                      <a:prstDash val="solid"/>
+                      <a:round/>
+                      <a:headEnd type="none" w="med" len="med"/>
+                      <a:tailEnd type="none" w="med" len="med"/>
+                    </a:lnT>
+                    <a:lnB w="12700" cap="flat" cmpd="sng" algn="ctr">
+                      <a:solidFill>
+                        <a:schemeClr val="tx1"/>
+                      </a:solidFill>
+                      <a:prstDash val="solid"/>
+                      <a:round/>
+                      <a:headEnd type="none" w="med" len="med"/>
+                      <a:tailEnd type="none" w="med" len="med"/>
+                    </a:lnB>
+                  </a:tcPr>
+                </a:tc>
+              </a:tr>
+              <a:tr h="0">
+                <a:tc>
+                  <a:txBody>
+                    <a:bodyPr/>
+                    <a:lstStyle/>
+                    <a:p>
+                      <a:pPr indent="0" algn="just">
+                        <a:lnSpc>
+                          <a:spcPct val="100000"/>
+                        </a:lnSpc>
+                        <a:spcBef>
+                          <a:spcPts val="400"/>
+                        </a:spcBef>
+                        <a:spcAft>
+                          <a:spcPts val="400"/>
+                        </a:spcAft>
+                        <a:tabLst>
+                          <a:tab pos="629920" algn="l"/>
+                        </a:tabLst>
+                      </a:pPr>
+                      <a:r>
+                        <a:rPr lang="ru-RU" sz="1600">
+                          <a:solidFill>
+                            <a:schemeClr val="tx1"/>
+                          </a:solidFill>
+                          <a:latin typeface="Times New Roman"/>
+                          <a:ea typeface="Calibri"/>
+                          <a:cs typeface="Times New Roman"/>
+                        </a:rPr>
+                        <a:t>Цена разработки с НДС, руб.</a:t>
+                      </a:r>
+                    </a:p>
+                  </a:txBody>
+                  <a:tcPr marL="68580" marR="68580" marT="0" marB="0">
+                    <a:lnL w="12700" cap="flat" cmpd="sng" algn="ctr">
+                      <a:solidFill>
+                        <a:schemeClr val="tx1"/>
+                      </a:solidFill>
+                      <a:prstDash val="solid"/>
+                      <a:round/>
+                      <a:headEnd type="none" w="med" len="med"/>
+                      <a:tailEnd type="none" w="med" len="med"/>
+                    </a:lnL>
+                    <a:lnR w="12700" cap="flat" cmpd="sng" algn="ctr">
+                      <a:solidFill>
+                        <a:schemeClr val="tx1"/>
+                      </a:solidFill>
+                      <a:prstDash val="solid"/>
+                      <a:round/>
+                      <a:headEnd type="none" w="med" len="med"/>
+                      <a:tailEnd type="none" w="med" len="med"/>
+                    </a:lnR>
+                    <a:lnT w="12700" cap="flat" cmpd="sng" algn="ctr">
+                      <a:solidFill>
+                        <a:schemeClr val="tx1"/>
+                      </a:solidFill>
+                      <a:prstDash val="solid"/>
+                      <a:round/>
+                      <a:headEnd type="none" w="med" len="med"/>
+                      <a:tailEnd type="none" w="med" len="med"/>
+                    </a:lnT>
+                    <a:lnB w="12700" cap="flat" cmpd="sng" algn="ctr">
+                      <a:solidFill>
+                        <a:schemeClr val="tx1"/>
+                      </a:solidFill>
+                      <a:prstDash val="solid"/>
+                      <a:round/>
+                      <a:headEnd type="none" w="med" len="med"/>
+                      <a:tailEnd type="none" w="med" len="med"/>
+                    </a:lnB>
+                  </a:tcPr>
+                </a:tc>
+                <a:tc>
+                  <a:txBody>
+                    <a:bodyPr/>
+                    <a:lstStyle/>
+                    <a:p>
+                      <a:pPr indent="0" algn="ctr">
+                        <a:lnSpc>
+                          <a:spcPct val="100000"/>
+                        </a:lnSpc>
+                        <a:spcBef>
+                          <a:spcPts val="400"/>
+                        </a:spcBef>
+                        <a:spcAft>
+                          <a:spcPts val="400"/>
+                        </a:spcAft>
+                        <a:tabLst>
+                          <a:tab pos="629920" algn="l"/>
+                        </a:tabLst>
+                      </a:pPr>
+                      <a:r>
+                        <a:rPr lang="ru-RU" sz="1600">
+                          <a:solidFill>
+                            <a:schemeClr val="tx1"/>
+                          </a:solidFill>
+                          <a:latin typeface="Times New Roman"/>
+                          <a:ea typeface="Calibri"/>
+                          <a:cs typeface="Times New Roman"/>
+                        </a:rPr>
+                        <a:t>5 409,01</a:t>
+                      </a:r>
+                    </a:p>
+                  </a:txBody>
+                  <a:tcPr marL="68580" marR="68580" marT="0" marB="0">
+                    <a:lnL w="12700" cap="flat" cmpd="sng" algn="ctr">
+                      <a:solidFill>
+                        <a:schemeClr val="tx1"/>
+                      </a:solidFill>
+                      <a:prstDash val="solid"/>
+                      <a:round/>
+                      <a:headEnd type="none" w="med" len="med"/>
+                      <a:tailEnd type="none" w="med" len="med"/>
+                    </a:lnL>
+                    <a:lnR w="12700" cap="flat" cmpd="sng" algn="ctr">
+                      <a:solidFill>
+                        <a:schemeClr val="tx1"/>
+                      </a:solidFill>
+                      <a:prstDash val="solid"/>
+                      <a:round/>
+                      <a:headEnd type="none" w="med" len="med"/>
+                      <a:tailEnd type="none" w="med" len="med"/>
+                    </a:lnR>
+                    <a:lnT w="12700" cap="flat" cmpd="sng" algn="ctr">
+                      <a:solidFill>
+                        <a:schemeClr val="tx1"/>
+                      </a:solidFill>
+                      <a:prstDash val="solid"/>
+                      <a:round/>
+                      <a:headEnd type="none" w="med" len="med"/>
+                      <a:tailEnd type="none" w="med" len="med"/>
+                    </a:lnT>
+                    <a:lnB w="12700" cap="flat" cmpd="sng" algn="ctr">
+                      <a:solidFill>
+                        <a:schemeClr val="tx1"/>
+                      </a:solidFill>
+                      <a:prstDash val="solid"/>
+                      <a:round/>
+                      <a:headEnd type="none" w="med" len="med"/>
+                      <a:tailEnd type="none" w="med" len="med"/>
+                    </a:lnB>
+                  </a:tcPr>
+                </a:tc>
+              </a:tr>
+              <a:tr h="0">
+                <a:tc>
+                  <a:txBody>
+                    <a:bodyPr/>
+                    <a:lstStyle/>
+                    <a:p>
+                      <a:pPr indent="0" algn="just">
+                        <a:lnSpc>
+                          <a:spcPct val="100000"/>
+                        </a:lnSpc>
+                        <a:spcBef>
+                          <a:spcPts val="400"/>
+                        </a:spcBef>
+                        <a:spcAft>
+                          <a:spcPts val="400"/>
+                        </a:spcAft>
+                        <a:tabLst>
+                          <a:tab pos="629920" algn="l"/>
+                        </a:tabLst>
+                      </a:pPr>
+                      <a:r>
+                        <a:rPr lang="ru-RU" sz="1600">
+                          <a:solidFill>
+                            <a:schemeClr val="tx1"/>
+                          </a:solidFill>
+                          <a:latin typeface="Times New Roman"/>
+                          <a:ea typeface="Calibri"/>
+                          <a:cs typeface="Times New Roman"/>
+                        </a:rPr>
+                        <a:t>Прибыль от реализации, руб.</a:t>
+                      </a:r>
+                    </a:p>
+                  </a:txBody>
+                  <a:tcPr marL="68580" marR="68580" marT="0" marB="0">
+                    <a:lnL w="12700" cap="flat" cmpd="sng" algn="ctr">
+                      <a:solidFill>
+                        <a:schemeClr val="tx1"/>
+                      </a:solidFill>
+                      <a:prstDash val="solid"/>
+                      <a:round/>
+                      <a:headEnd type="none" w="med" len="med"/>
+                      <a:tailEnd type="none" w="med" len="med"/>
+                    </a:lnL>
+                    <a:lnR w="12700" cap="flat" cmpd="sng" algn="ctr">
+                      <a:solidFill>
+                        <a:schemeClr val="tx1"/>
+                      </a:solidFill>
+                      <a:prstDash val="solid"/>
+                      <a:round/>
+                      <a:headEnd type="none" w="med" len="med"/>
+                      <a:tailEnd type="none" w="med" len="med"/>
+                    </a:lnR>
+                    <a:lnT w="12700" cap="flat" cmpd="sng" algn="ctr">
+                      <a:solidFill>
+                        <a:schemeClr val="tx1"/>
+                      </a:solidFill>
+                      <a:prstDash val="solid"/>
+                      <a:round/>
+                      <a:headEnd type="none" w="med" len="med"/>
+                      <a:tailEnd type="none" w="med" len="med"/>
+                    </a:lnT>
+                    <a:lnB w="12700" cap="flat" cmpd="sng" algn="ctr">
+                      <a:solidFill>
+                        <a:schemeClr val="tx1"/>
+                      </a:solidFill>
+                      <a:prstDash val="solid"/>
+                      <a:round/>
+                      <a:headEnd type="none" w="med" len="med"/>
+                      <a:tailEnd type="none" w="med" len="med"/>
+                    </a:lnB>
+                  </a:tcPr>
+                </a:tc>
+                <a:tc>
+                  <a:txBody>
+                    <a:bodyPr/>
+                    <a:lstStyle/>
+                    <a:p>
+                      <a:pPr indent="0" algn="ctr">
+                        <a:lnSpc>
+                          <a:spcPct val="100000"/>
+                        </a:lnSpc>
+                        <a:spcBef>
+                          <a:spcPts val="400"/>
+                        </a:spcBef>
+                        <a:spcAft>
+                          <a:spcPts val="400"/>
+                        </a:spcAft>
+                        <a:tabLst>
+                          <a:tab pos="629920" algn="l"/>
+                        </a:tabLst>
+                      </a:pPr>
+                      <a:r>
+                        <a:rPr lang="ru-RU" sz="1600">
+                          <a:solidFill>
+                            <a:schemeClr val="tx1"/>
+                          </a:solidFill>
+                          <a:latin typeface="Times New Roman"/>
+                          <a:ea typeface="Calibri"/>
+                          <a:cs typeface="Times New Roman"/>
+                        </a:rPr>
+                        <a:t>751,25</a:t>
+                      </a:r>
+                    </a:p>
+                  </a:txBody>
+                  <a:tcPr marL="68580" marR="68580" marT="0" marB="0">
+                    <a:lnL w="12700" cap="flat" cmpd="sng" algn="ctr">
+                      <a:solidFill>
+                        <a:schemeClr val="tx1"/>
+                      </a:solidFill>
+                      <a:prstDash val="solid"/>
+                      <a:round/>
+                      <a:headEnd type="none" w="med" len="med"/>
+                      <a:tailEnd type="none" w="med" len="med"/>
+                    </a:lnL>
+                    <a:lnR w="12700" cap="flat" cmpd="sng" algn="ctr">
+                      <a:solidFill>
+                        <a:schemeClr val="tx1"/>
+                      </a:solidFill>
+                      <a:prstDash val="solid"/>
+                      <a:round/>
+                      <a:headEnd type="none" w="med" len="med"/>
+                      <a:tailEnd type="none" w="med" len="med"/>
+                    </a:lnR>
+                    <a:lnT w="12700" cap="flat" cmpd="sng" algn="ctr">
+                      <a:solidFill>
+                        <a:schemeClr val="tx1"/>
+                      </a:solidFill>
+                      <a:prstDash val="solid"/>
+                      <a:round/>
+                      <a:headEnd type="none" w="med" len="med"/>
+                      <a:tailEnd type="none" w="med" len="med"/>
+                    </a:lnT>
+                    <a:lnB w="12700" cap="flat" cmpd="sng" algn="ctr">
+                      <a:solidFill>
+                        <a:schemeClr val="tx1"/>
+                      </a:solidFill>
+                      <a:prstDash val="solid"/>
+                      <a:round/>
+                      <a:headEnd type="none" w="med" len="med"/>
+                      <a:tailEnd type="none" w="med" len="med"/>
+                    </a:lnB>
+                  </a:tcPr>
+                </a:tc>
+              </a:tr>
+              <a:tr h="0">
+                <a:tc>
+                  <a:txBody>
+                    <a:bodyPr/>
+                    <a:lstStyle/>
+                    <a:p>
+                      <a:pPr indent="0" algn="just">
+                        <a:lnSpc>
+                          <a:spcPct val="100000"/>
+                        </a:lnSpc>
+                        <a:spcBef>
+                          <a:spcPts val="400"/>
+                        </a:spcBef>
+                        <a:spcAft>
+                          <a:spcPts val="400"/>
+                        </a:spcAft>
+                        <a:tabLst>
+                          <a:tab pos="629920" algn="l"/>
+                        </a:tabLst>
+                      </a:pPr>
+                      <a:r>
+                        <a:rPr lang="ru-RU" sz="1600">
+                          <a:solidFill>
+                            <a:schemeClr val="tx1"/>
+                          </a:solidFill>
+                          <a:latin typeface="Times New Roman"/>
+                          <a:ea typeface="Calibri"/>
+                          <a:cs typeface="Times New Roman"/>
+                        </a:rPr>
+                        <a:t>Рентабельность разработки, %</a:t>
+                      </a:r>
+                    </a:p>
+                  </a:txBody>
+                  <a:tcPr marL="68580" marR="68580" marT="0" marB="0">
+                    <a:lnL w="12700" cap="flat" cmpd="sng" algn="ctr">
+                      <a:solidFill>
+                        <a:schemeClr val="tx1"/>
+                      </a:solidFill>
+                      <a:prstDash val="solid"/>
+                      <a:round/>
+                      <a:headEnd type="none" w="med" len="med"/>
+                      <a:tailEnd type="none" w="med" len="med"/>
+                    </a:lnL>
+                    <a:lnR w="12700" cap="flat" cmpd="sng" algn="ctr">
+                      <a:solidFill>
+                        <a:schemeClr val="tx1"/>
+                      </a:solidFill>
+                      <a:prstDash val="solid"/>
+                      <a:round/>
+                      <a:headEnd type="none" w="med" len="med"/>
+                      <a:tailEnd type="none" w="med" len="med"/>
+                    </a:lnR>
+                    <a:lnT w="12700" cap="flat" cmpd="sng" algn="ctr">
+                      <a:solidFill>
+                        <a:schemeClr val="tx1"/>
+                      </a:solidFill>
+                      <a:prstDash val="solid"/>
+                      <a:round/>
+                      <a:headEnd type="none" w="med" len="med"/>
+                      <a:tailEnd type="none" w="med" len="med"/>
+                    </a:lnT>
+                    <a:lnB w="12700" cap="flat" cmpd="sng" algn="ctr">
+                      <a:solidFill>
+                        <a:schemeClr val="tx1"/>
+                      </a:solidFill>
+                      <a:prstDash val="solid"/>
+                      <a:round/>
+                      <a:headEnd type="none" w="med" len="med"/>
+                      <a:tailEnd type="none" w="med" len="med"/>
+                    </a:lnB>
+                  </a:tcPr>
+                </a:tc>
+                <a:tc>
+                  <a:txBody>
+                    <a:bodyPr/>
+                    <a:lstStyle/>
+                    <a:p>
+                      <a:pPr indent="0" algn="ctr">
+                        <a:lnSpc>
+                          <a:spcPct val="100000"/>
+                        </a:lnSpc>
+                        <a:spcBef>
+                          <a:spcPts val="400"/>
+                        </a:spcBef>
+                        <a:spcAft>
+                          <a:spcPts val="400"/>
+                        </a:spcAft>
+                        <a:tabLst>
+                          <a:tab pos="629920" algn="l"/>
+                        </a:tabLst>
+                      </a:pPr>
+                      <a:r>
+                        <a:rPr lang="ru-RU" sz="1600">
+                          <a:solidFill>
+                            <a:schemeClr val="tx1"/>
+                          </a:solidFill>
+                          <a:latin typeface="Times New Roman"/>
+                          <a:ea typeface="Calibri"/>
+                          <a:cs typeface="Times New Roman"/>
+                        </a:rPr>
+                        <a:t>20</a:t>
+                      </a:r>
+                    </a:p>
+                  </a:txBody>
+                  <a:tcPr marL="68580" marR="68580" marT="0" marB="0">
+                    <a:lnL w="12700" cap="flat" cmpd="sng" algn="ctr">
+                      <a:solidFill>
+                        <a:schemeClr val="tx1"/>
+                      </a:solidFill>
+                      <a:prstDash val="solid"/>
+                      <a:round/>
+                      <a:headEnd type="none" w="med" len="med"/>
+                      <a:tailEnd type="none" w="med" len="med"/>
+                    </a:lnL>
+                    <a:lnR w="12700" cap="flat" cmpd="sng" algn="ctr">
+                      <a:solidFill>
+                        <a:schemeClr val="tx1"/>
+                      </a:solidFill>
+                      <a:prstDash val="solid"/>
+                      <a:round/>
+                      <a:headEnd type="none" w="med" len="med"/>
+                      <a:tailEnd type="none" w="med" len="med"/>
+                    </a:lnR>
+                    <a:lnT w="12700" cap="flat" cmpd="sng" algn="ctr">
+                      <a:solidFill>
+                        <a:schemeClr val="tx1"/>
+                      </a:solidFill>
+                      <a:prstDash val="solid"/>
+                      <a:round/>
+                      <a:headEnd type="none" w="med" len="med"/>
+                      <a:tailEnd type="none" w="med" len="med"/>
+                    </a:lnT>
+                    <a:lnB w="12700" cap="flat" cmpd="sng" algn="ctr">
+                      <a:solidFill>
+                        <a:schemeClr val="tx1"/>
+                      </a:solidFill>
+                      <a:prstDash val="solid"/>
+                      <a:round/>
+                      <a:headEnd type="none" w="med" len="med"/>
+                      <a:tailEnd type="none" w="med" len="med"/>
+                    </a:lnB>
+                  </a:tcPr>
+                </a:tc>
+              </a:tr>
+              <a:tr h="0">
+                <a:tc>
+                  <a:txBody>
+                    <a:bodyPr/>
+                    <a:lstStyle/>
+                    <a:p>
+                      <a:pPr indent="0" algn="just">
+                        <a:lnSpc>
+                          <a:spcPct val="100000"/>
+                        </a:lnSpc>
+                        <a:spcBef>
+                          <a:spcPts val="400"/>
+                        </a:spcBef>
+                        <a:spcAft>
+                          <a:spcPts val="400"/>
+                        </a:spcAft>
+                        <a:tabLst>
+                          <a:tab pos="629920" algn="l"/>
+                        </a:tabLst>
+                      </a:pPr>
+                      <a:r>
+                        <a:rPr lang="ru-RU" sz="1600">
+                          <a:solidFill>
+                            <a:schemeClr val="tx1"/>
+                          </a:solidFill>
+                          <a:latin typeface="Times New Roman"/>
+                          <a:ea typeface="Calibri"/>
+                          <a:cs typeface="Times New Roman"/>
+                        </a:rPr>
+                        <a:t>Эффект от разработки</a:t>
+                      </a:r>
+                    </a:p>
+                  </a:txBody>
+                  <a:tcPr marL="68580" marR="68580" marT="0" marB="0">
+                    <a:lnL w="12700" cap="flat" cmpd="sng" algn="ctr">
+                      <a:solidFill>
+                        <a:schemeClr val="tx1"/>
+                      </a:solidFill>
+                      <a:prstDash val="solid"/>
+                      <a:round/>
+                      <a:headEnd type="none" w="med" len="med"/>
+                      <a:tailEnd type="none" w="med" len="med"/>
+                    </a:lnL>
+                    <a:lnR w="12700" cap="flat" cmpd="sng" algn="ctr">
+                      <a:solidFill>
+                        <a:schemeClr val="tx1"/>
+                      </a:solidFill>
+                      <a:prstDash val="solid"/>
+                      <a:round/>
+                      <a:headEnd type="none" w="med" len="med"/>
+                      <a:tailEnd type="none" w="med" len="med"/>
+                    </a:lnR>
+                    <a:lnT w="12700" cap="flat" cmpd="sng" algn="ctr">
+                      <a:solidFill>
+                        <a:schemeClr val="tx1"/>
+                      </a:solidFill>
+                      <a:prstDash val="solid"/>
+                      <a:round/>
+                      <a:headEnd type="none" w="med" len="med"/>
+                      <a:tailEnd type="none" w="med" len="med"/>
+                    </a:lnT>
+                    <a:lnB w="12700" cap="flat" cmpd="sng" algn="ctr">
+                      <a:solidFill>
+                        <a:schemeClr val="tx1"/>
+                      </a:solidFill>
+                      <a:prstDash val="solid"/>
+                      <a:round/>
+                      <a:headEnd type="none" w="med" len="med"/>
+                      <a:tailEnd type="none" w="med" len="med"/>
+                    </a:lnB>
+                  </a:tcPr>
+                </a:tc>
+                <a:tc>
+                  <a:txBody>
+                    <a:bodyPr/>
+                    <a:lstStyle/>
+                    <a:p>
+                      <a:pPr indent="0" algn="ctr">
+                        <a:lnSpc>
+                          <a:spcPct val="100000"/>
+                        </a:lnSpc>
+                        <a:spcBef>
+                          <a:spcPts val="400"/>
+                        </a:spcBef>
+                        <a:spcAft>
+                          <a:spcPts val="400"/>
+                        </a:spcAft>
+                        <a:tabLst>
+                          <a:tab pos="629920" algn="l"/>
+                        </a:tabLst>
+                      </a:pPr>
+                      <a:r>
+                        <a:rPr lang="ru-RU" sz="1600">
+                          <a:solidFill>
+                            <a:schemeClr val="tx1"/>
+                          </a:solidFill>
+                          <a:latin typeface="Times New Roman"/>
+                          <a:ea typeface="Calibri"/>
+                          <a:cs typeface="Times New Roman"/>
+                        </a:rPr>
+                        <a:t>Уменьшение времени</a:t>
+                      </a:r>
+                    </a:p>
+                  </a:txBody>
+                  <a:tcPr marL="68580" marR="68580" marT="0" marB="0">
+                    <a:lnL w="12700" cap="flat" cmpd="sng" algn="ctr">
+                      <a:solidFill>
+                        <a:schemeClr val="tx1"/>
+                      </a:solidFill>
+                      <a:prstDash val="solid"/>
+                      <a:round/>
+                      <a:headEnd type="none" w="med" len="med"/>
+                      <a:tailEnd type="none" w="med" len="med"/>
+                    </a:lnL>
+                    <a:lnR w="12700" cap="flat" cmpd="sng" algn="ctr">
+                      <a:solidFill>
+                        <a:schemeClr val="tx1"/>
+                      </a:solidFill>
+                      <a:prstDash val="solid"/>
+                      <a:round/>
+                      <a:headEnd type="none" w="med" len="med"/>
+                      <a:tailEnd type="none" w="med" len="med"/>
+                    </a:lnR>
+                    <a:lnT w="12700" cap="flat" cmpd="sng" algn="ctr">
+                      <a:solidFill>
+                        <a:schemeClr val="tx1"/>
+                      </a:solidFill>
+                      <a:prstDash val="solid"/>
+                      <a:round/>
+                      <a:headEnd type="none" w="med" len="med"/>
+                      <a:tailEnd type="none" w="med" len="med"/>
+                    </a:lnT>
+                    <a:lnB w="12700" cap="flat" cmpd="sng" algn="ctr">
+                      <a:solidFill>
+                        <a:schemeClr val="tx1"/>
+                      </a:solidFill>
+                      <a:prstDash val="solid"/>
+                      <a:round/>
+                      <a:headEnd type="none" w="med" len="med"/>
+                      <a:tailEnd type="none" w="med" len="med"/>
+                    </a:lnB>
+                  </a:tcPr>
+                </a:tc>
+              </a:tr>
+              <a:tr h="0">
+                <a:tc>
+                  <a:txBody>
+                    <a:bodyPr/>
+                    <a:lstStyle/>
+                    <a:p>
+                      <a:pPr indent="0" algn="just">
+                        <a:lnSpc>
+                          <a:spcPct val="100000"/>
+                        </a:lnSpc>
+                        <a:spcBef>
+                          <a:spcPts val="400"/>
+                        </a:spcBef>
+                        <a:spcAft>
+                          <a:spcPts val="400"/>
+                        </a:spcAft>
+                        <a:tabLst>
+                          <a:tab pos="629920" algn="l"/>
+                        </a:tabLst>
+                      </a:pPr>
+                      <a:r>
+                        <a:rPr lang="ru-RU" sz="1600" dirty="0">
+                          <a:solidFill>
+                            <a:schemeClr val="tx1"/>
+                          </a:solidFill>
+                          <a:latin typeface="Times New Roman"/>
+                          <a:ea typeface="Calibri"/>
+                          <a:cs typeface="Times New Roman"/>
+                        </a:rPr>
+                        <a:t>Ожидаемое уменьшение времени</a:t>
+                      </a:r>
+                    </a:p>
+                  </a:txBody>
+                  <a:tcPr marL="68580" marR="68580" marT="0" marB="0">
+                    <a:lnL w="12700" cap="flat" cmpd="sng" algn="ctr">
+                      <a:solidFill>
+                        <a:schemeClr val="tx1"/>
+                      </a:solidFill>
+                      <a:prstDash val="solid"/>
+                      <a:round/>
+                      <a:headEnd type="none" w="med" len="med"/>
+                      <a:tailEnd type="none" w="med" len="med"/>
+                    </a:lnL>
+                    <a:lnR w="12700" cap="flat" cmpd="sng" algn="ctr">
+                      <a:solidFill>
+                        <a:schemeClr val="tx1"/>
+                      </a:solidFill>
+                      <a:prstDash val="solid"/>
+                      <a:round/>
+                      <a:headEnd type="none" w="med" len="med"/>
+                      <a:tailEnd type="none" w="med" len="med"/>
+                    </a:lnR>
+                    <a:lnT w="12700" cap="flat" cmpd="sng" algn="ctr">
+                      <a:solidFill>
+                        <a:schemeClr val="tx1"/>
+                      </a:solidFill>
+                      <a:prstDash val="solid"/>
+                      <a:round/>
+                      <a:headEnd type="none" w="med" len="med"/>
+                      <a:tailEnd type="none" w="med" len="med"/>
+                    </a:lnT>
+                    <a:lnB w="12700" cap="flat" cmpd="sng" algn="ctr">
+                      <a:solidFill>
+                        <a:schemeClr val="tx1"/>
+                      </a:solidFill>
+                      <a:prstDash val="solid"/>
+                      <a:round/>
+                      <a:headEnd type="none" w="med" len="med"/>
+                      <a:tailEnd type="none" w="med" len="med"/>
+                    </a:lnB>
+                  </a:tcPr>
+                </a:tc>
+                <a:tc>
+                  <a:txBody>
+                    <a:bodyPr/>
+                    <a:lstStyle/>
+                    <a:p>
+                      <a:pPr indent="0" algn="ctr">
+                        <a:lnSpc>
+                          <a:spcPct val="100000"/>
+                        </a:lnSpc>
+                        <a:spcBef>
+                          <a:spcPts val="400"/>
+                        </a:spcBef>
+                        <a:spcAft>
+                          <a:spcPts val="400"/>
+                        </a:spcAft>
+                        <a:tabLst>
+                          <a:tab pos="629920" algn="l"/>
+                        </a:tabLst>
+                      </a:pPr>
+                      <a:r>
+                        <a:rPr lang="ru-RU" sz="1600" dirty="0">
+                          <a:solidFill>
+                            <a:schemeClr val="tx1"/>
+                          </a:solidFill>
+                          <a:latin typeface="Times New Roman"/>
+                          <a:ea typeface="Calibri"/>
+                          <a:cs typeface="Times New Roman"/>
+                        </a:rPr>
+                        <a:t>Уменьшение времени в 2 раза</a:t>
+                      </a:r>
+                    </a:p>
+                  </a:txBody>
+                  <a:tcPr marL="68580" marR="68580" marT="0" marB="0">
+                    <a:lnL w="12700" cap="flat" cmpd="sng" algn="ctr">
+                      <a:solidFill>
+                        <a:schemeClr val="tx1"/>
+                      </a:solidFill>
+                      <a:prstDash val="solid"/>
+                      <a:round/>
+                      <a:headEnd type="none" w="med" len="med"/>
+                      <a:tailEnd type="none" w="med" len="med"/>
+                    </a:lnL>
+                    <a:lnR w="12700" cap="flat" cmpd="sng" algn="ctr">
+                      <a:solidFill>
+                        <a:schemeClr val="tx1"/>
+                      </a:solidFill>
+                      <a:prstDash val="solid"/>
+                      <a:round/>
+                      <a:headEnd type="none" w="med" len="med"/>
+                      <a:tailEnd type="none" w="med" len="med"/>
+                    </a:lnR>
+                    <a:lnT w="12700" cap="flat" cmpd="sng" algn="ctr">
+                      <a:solidFill>
+                        <a:schemeClr val="tx1"/>
+                      </a:solidFill>
+                      <a:prstDash val="solid"/>
+                      <a:round/>
+                      <a:headEnd type="none" w="med" len="med"/>
+                      <a:tailEnd type="none" w="med" len="med"/>
+                    </a:lnT>
+                    <a:lnB w="12700" cap="flat" cmpd="sng" algn="ctr">
+                      <a:solidFill>
+                        <a:schemeClr val="tx1"/>
+                      </a:solidFill>
+                      <a:prstDash val="solid"/>
+                      <a:round/>
+                      <a:headEnd type="none" w="med" len="med"/>
+                      <a:tailEnd type="none" w="med" len="med"/>
+                    </a:lnB>
+                  </a:tcPr>
+                </a:tc>
+              </a:tr>
+            </a:tbl>
+          </a:graphicData>
+        </a:graphic>
+      </p:graphicFrame>
+    </p:spTree>
+  </p:cSld>
+  <p:clrMapOvr>
+    <a:masterClrMapping/>
+  </p:clrMapOvr>
+</p:sld>
+</file>
+
+<file path=ppt/slides/slide11.xml><?xml version="1.0" encoding="utf-8"?>
+<p:sld xmlns:a="http://schemas.openxmlformats.org/drawingml/2006/main" xmlns:r="http://schemas.openxmlformats.org/officeDocument/2006/relationships" xmlns:p="http://schemas.openxmlformats.org/presentationml/2006/main">
+  <p:cSld>
+    <p:spTree>
+      <p:nvGrpSpPr>
+        <p:cNvPr id="1" name=""/>
+        <p:cNvGrpSpPr/>
+        <p:nvPr/>
+      </p:nvGrpSpPr>
+      <p:grpSpPr>
+        <a:xfrm>
+          <a:off x="0" y="0"/>
+          <a:ext cx="0" cy="0"/>
+          <a:chOff x="0" y="0"/>
+          <a:chExt cx="0" cy="0"/>
+        </a:xfrm>
+      </p:grpSpPr>
+      <p:sp>
+        <p:nvSpPr>
+          <p:cNvPr id="2" name="Заголовок 1"/>
+          <p:cNvSpPr>
+            <a:spLocks noGrp="1"/>
+          </p:cNvSpPr>
+          <p:nvPr>
+            <p:ph type="title"/>
+          </p:nvPr>
+        </p:nvSpPr>
+        <p:spPr/>
+        <p:txBody>
+          <a:bodyPr/>
+          <a:lstStyle/>
+          <a:p>
+            <a:r>
+              <a:rPr lang="ru-RU" dirty="0" smtClean="0"/>
+              <a:t>Заключение</a:t>
+            </a:r>
+            <a:endParaRPr lang="ru-RU" dirty="0"/>
+          </a:p>
+        </p:txBody>
+      </p:sp>
+      <p:sp>
+        <p:nvSpPr>
+          <p:cNvPr id="29697" name="Rectangle 1"/>
+          <p:cNvSpPr>
+            <a:spLocks noChangeArrowheads="1"/>
+          </p:cNvSpPr>
+          <p:nvPr/>
+        </p:nvSpPr>
+        <p:spPr bwMode="auto">
+          <a:xfrm>
+            <a:off x="300789" y="1261825"/>
+            <a:ext cx="11514222" cy="5324535"/>
+          </a:xfrm>
+          <a:prstGeom prst="rect">
+            <a:avLst/>
+          </a:prstGeom>
+          <a:noFill/>
+          <a:ln w="9525">
+            <a:noFill/>
+            <a:miter lim="800000"/>
+            <a:headEnd/>
+            <a:tailEnd/>
+          </a:ln>
+          <a:effectLst/>
+        </p:spPr>
+        <p:txBody>
+          <a:bodyPr vert="horz" wrap="square" lIns="91440" tIns="45720" rIns="91440" bIns="45720" numCol="1" anchor="ctr" anchorCtr="0" compatLnSpc="1">
+            <a:prstTxWarp prst="textNoShape">
+              <a:avLst/>
+            </a:prstTxWarp>
+            <a:spAutoFit/>
+          </a:bodyPr>
+          <a:lstStyle/>
+          <a:p>
+            <a:pPr marL="0" marR="0" lvl="0" indent="450850" algn="just" defTabSz="914400" rtl="0" eaLnBrk="1" fontAlgn="base" latinLnBrk="0" hangingPunct="1">
+              <a:lnSpc>
+                <a:spcPct val="100000"/>
+              </a:lnSpc>
+              <a:spcBef>
+                <a:spcPct val="0"/>
+              </a:spcBef>
+              <a:spcAft>
+                <a:spcPct val="0"/>
+              </a:spcAft>
+              <a:buClrTx/>
+              <a:buSzTx/>
+              <a:buFontTx/>
+              <a:buNone/>
+              <a:tabLst>
+                <a:tab pos="630238" algn="l"/>
+              </a:tabLst>
+            </a:pPr>
+            <a:r>
+              <a:rPr kumimoji="0" lang="ru-RU" sz="2000" b="0" i="0" u="none" strike="noStrike" cap="none" normalizeH="0" baseline="0" dirty="0" smtClean="0">
+                <a:ln>
+                  <a:noFill/>
+                </a:ln>
+                <a:solidFill>
+                  <a:schemeClr val="tx1"/>
+                </a:solidFill>
+                <a:effectLst/>
+                <a:latin typeface="Arial" pitchFamily="34" charset="0"/>
+                <a:ea typeface="Times New Roman" pitchFamily="18" charset="0"/>
+                <a:cs typeface="Times New Roman" pitchFamily="18" charset="0"/>
+              </a:rPr>
+              <a:t>В ходе дипломной работы было разработано программное средство для </a:t>
+            </a:r>
+            <a:r>
+              <a:rPr kumimoji="0" lang="ru-RU" sz="2000" b="0" i="0" u="none" strike="noStrike" cap="none" normalizeH="0" baseline="0" dirty="0" smtClean="0">
+                <a:ln>
+                  <a:noFill/>
+                </a:ln>
+                <a:solidFill>
+                  <a:schemeClr val="tx1"/>
+                </a:solidFill>
+                <a:effectLst/>
+                <a:latin typeface="Arial" pitchFamily="34" charset="0"/>
+                <a:ea typeface="Calibri" pitchFamily="34" charset="0"/>
+                <a:cs typeface="Times New Roman" pitchFamily="18" charset="0"/>
+              </a:rPr>
+              <a:t>автоматизации процесса учёта выполнения лабораторных работ и анализа успеваемости в вузе</a:t>
+            </a:r>
+            <a:r>
+              <a:rPr kumimoji="0" lang="ru-RU" sz="2000" b="0" i="0" u="none" strike="noStrike" cap="none" normalizeH="0" baseline="0" dirty="0" smtClean="0">
+                <a:ln>
+                  <a:noFill/>
+                </a:ln>
+                <a:solidFill>
+                  <a:schemeClr val="tx1"/>
+                </a:solidFill>
+                <a:effectLst/>
+                <a:latin typeface="Arial" pitchFamily="34" charset="0"/>
+                <a:ea typeface="Times New Roman" pitchFamily="18" charset="0"/>
+                <a:cs typeface="Times New Roman" pitchFamily="18" charset="0"/>
+              </a:rPr>
+              <a:t>.</a:t>
+            </a:r>
+          </a:p>
+          <a:p>
+            <a:pPr marL="0" marR="0" lvl="0" indent="450850" algn="just" defTabSz="914400" rtl="0" eaLnBrk="1" fontAlgn="base" latinLnBrk="0" hangingPunct="1">
+              <a:lnSpc>
+                <a:spcPct val="100000"/>
+              </a:lnSpc>
+              <a:spcBef>
+                <a:spcPct val="0"/>
+              </a:spcBef>
+              <a:spcAft>
+                <a:spcPct val="0"/>
+              </a:spcAft>
+              <a:buClrTx/>
+              <a:buSzTx/>
+              <a:buFontTx/>
+              <a:buNone/>
+              <a:tabLst>
+                <a:tab pos="630238" algn="l"/>
+              </a:tabLst>
+            </a:pPr>
+            <a:endParaRPr kumimoji="0" lang="ru-RU" sz="2000" b="0" i="0" u="none" strike="noStrike" cap="none" normalizeH="0" baseline="0" dirty="0" smtClean="0">
+              <a:ln>
+                <a:noFill/>
+              </a:ln>
+              <a:solidFill>
+                <a:schemeClr val="tx1"/>
+              </a:solidFill>
+              <a:effectLst/>
+              <a:latin typeface="Arial" pitchFamily="34" charset="0"/>
+              <a:cs typeface="Arial" pitchFamily="34" charset="0"/>
+            </a:endParaRPr>
+          </a:p>
+          <a:p>
+            <a:pPr marL="0" marR="0" lvl="0" indent="450850" algn="just" defTabSz="914400" rtl="0" eaLnBrk="0" fontAlgn="base" latinLnBrk="0" hangingPunct="0">
+              <a:lnSpc>
+                <a:spcPct val="100000"/>
+              </a:lnSpc>
+              <a:spcBef>
+                <a:spcPct val="0"/>
+              </a:spcBef>
+              <a:spcAft>
+                <a:spcPct val="0"/>
+              </a:spcAft>
+              <a:buClrTx/>
+              <a:buSzTx/>
+              <a:buFontTx/>
+              <a:buNone/>
+              <a:tabLst>
+                <a:tab pos="630238" algn="l"/>
+              </a:tabLst>
+            </a:pPr>
+            <a:r>
+              <a:rPr kumimoji="0" lang="ru-RU" sz="2000" b="0" i="0" u="none" strike="noStrike" cap="none" normalizeH="0" baseline="0" dirty="0" smtClean="0">
+                <a:ln>
+                  <a:noFill/>
+                </a:ln>
+                <a:solidFill>
+                  <a:schemeClr val="tx1"/>
+                </a:solidFill>
+                <a:effectLst/>
+                <a:latin typeface="Arial" pitchFamily="34" charset="0"/>
+                <a:ea typeface="Calibri" pitchFamily="34" charset="0"/>
+                <a:cs typeface="Times New Roman" pitchFamily="18" charset="0"/>
+              </a:rPr>
+              <a:t>Разработанное программное обеспечение позволяет улучшить деятельность деканата высшего учебного заведения, а так же учебный процесс в целом, за счет следующих критериев:</a:t>
+            </a:r>
+            <a:endParaRPr kumimoji="0" lang="ru-RU" sz="2000" b="0" i="0" u="none" strike="noStrike" cap="none" normalizeH="0" baseline="0" dirty="0" smtClean="0">
+              <a:ln>
+                <a:noFill/>
+              </a:ln>
+              <a:solidFill>
+                <a:schemeClr val="tx1"/>
+              </a:solidFill>
+              <a:effectLst/>
+              <a:latin typeface="Arial" pitchFamily="34" charset="0"/>
+              <a:cs typeface="Arial" pitchFamily="34" charset="0"/>
+            </a:endParaRPr>
+          </a:p>
+          <a:p>
+            <a:pPr marL="0" marR="0" lvl="0" indent="450850" algn="just" defTabSz="914400" rtl="0" eaLnBrk="0" fontAlgn="base" latinLnBrk="0" hangingPunct="0">
+              <a:lnSpc>
+                <a:spcPct val="100000"/>
+              </a:lnSpc>
+              <a:spcBef>
+                <a:spcPct val="0"/>
+              </a:spcBef>
+              <a:spcAft>
+                <a:spcPct val="0"/>
+              </a:spcAft>
+              <a:buClrTx/>
+              <a:buSzTx/>
+              <a:buFont typeface="+mj-lt"/>
+              <a:buAutoNum type="arabicPeriod"/>
+              <a:tabLst>
+                <a:tab pos="630238" algn="l"/>
+              </a:tabLst>
+            </a:pPr>
+            <a:r>
+              <a:rPr kumimoji="0" lang="ru-RU" sz="2000" b="0" i="0" u="none" strike="noStrike" cap="none" normalizeH="0" baseline="0" dirty="0" smtClean="0">
+                <a:ln>
+                  <a:noFill/>
+                </a:ln>
+                <a:solidFill>
+                  <a:schemeClr val="tx1"/>
+                </a:solidFill>
+                <a:effectLst/>
+                <a:latin typeface="Arial" pitchFamily="34" charset="0"/>
+                <a:ea typeface="Times New Roman" pitchFamily="18" charset="0"/>
+                <a:cs typeface="Times New Roman" pitchFamily="18" charset="0"/>
+              </a:rPr>
+              <a:t>улучшения качества и скорость сохранения и обработки данных;</a:t>
+            </a:r>
+            <a:endParaRPr kumimoji="0" lang="ru-RU" sz="2000" b="0" i="0" u="none" strike="noStrike" cap="none" normalizeH="0" baseline="0" dirty="0" smtClean="0">
+              <a:ln>
+                <a:noFill/>
+              </a:ln>
+              <a:solidFill>
+                <a:schemeClr val="tx1"/>
+              </a:solidFill>
+              <a:effectLst/>
+              <a:latin typeface="Arial" pitchFamily="34" charset="0"/>
+              <a:cs typeface="Arial" pitchFamily="34" charset="0"/>
+            </a:endParaRPr>
+          </a:p>
+          <a:p>
+            <a:pPr marL="0" marR="0" lvl="0" indent="450850" algn="just" defTabSz="914400" rtl="0" eaLnBrk="0" fontAlgn="base" latinLnBrk="0" hangingPunct="0">
+              <a:lnSpc>
+                <a:spcPct val="100000"/>
+              </a:lnSpc>
+              <a:spcBef>
+                <a:spcPct val="0"/>
+              </a:spcBef>
+              <a:spcAft>
+                <a:spcPct val="0"/>
+              </a:spcAft>
+              <a:buClrTx/>
+              <a:buSzTx/>
+              <a:buFont typeface="+mj-lt"/>
+              <a:buAutoNum type="arabicPeriod"/>
+              <a:tabLst>
+                <a:tab pos="630238" algn="l"/>
+              </a:tabLst>
+            </a:pPr>
+            <a:r>
+              <a:rPr kumimoji="0" lang="ru-RU" sz="2000" b="0" i="0" u="none" strike="noStrike" cap="none" normalizeH="0" baseline="0" dirty="0" smtClean="0">
+                <a:ln>
+                  <a:noFill/>
+                </a:ln>
+                <a:solidFill>
+                  <a:schemeClr val="tx1"/>
+                </a:solidFill>
+                <a:effectLst/>
+                <a:latin typeface="Arial" pitchFamily="34" charset="0"/>
+                <a:ea typeface="Times New Roman" pitchFamily="18" charset="0"/>
+                <a:cs typeface="Times New Roman" pitchFamily="18" charset="0"/>
+              </a:rPr>
+              <a:t>уменьшения трудозатрат преподавателя на взаимодействие с деканатом;</a:t>
+            </a:r>
+            <a:endParaRPr kumimoji="0" lang="ru-RU" sz="2000" b="0" i="0" u="none" strike="noStrike" cap="none" normalizeH="0" baseline="0" dirty="0" smtClean="0">
+              <a:ln>
+                <a:noFill/>
+              </a:ln>
+              <a:solidFill>
+                <a:schemeClr val="tx1"/>
+              </a:solidFill>
+              <a:effectLst/>
+              <a:latin typeface="Arial" pitchFamily="34" charset="0"/>
+              <a:cs typeface="Arial" pitchFamily="34" charset="0"/>
+            </a:endParaRPr>
+          </a:p>
+          <a:p>
+            <a:pPr marL="0" marR="0" lvl="0" indent="450850" algn="just" defTabSz="914400" rtl="0" eaLnBrk="0" fontAlgn="base" latinLnBrk="0" hangingPunct="0">
+              <a:lnSpc>
+                <a:spcPct val="100000"/>
+              </a:lnSpc>
+              <a:spcBef>
+                <a:spcPct val="0"/>
+              </a:spcBef>
+              <a:spcAft>
+                <a:spcPct val="0"/>
+              </a:spcAft>
+              <a:buClrTx/>
+              <a:buSzTx/>
+              <a:buFont typeface="+mj-lt"/>
+              <a:buAutoNum type="arabicPeriod"/>
+              <a:tabLst>
+                <a:tab pos="630238" algn="l"/>
+              </a:tabLst>
+            </a:pPr>
+            <a:r>
+              <a:rPr kumimoji="0" lang="ru-RU" sz="2000" b="0" i="0" u="none" strike="noStrike" cap="none" normalizeH="0" baseline="0" dirty="0" smtClean="0">
+                <a:ln>
+                  <a:noFill/>
+                </a:ln>
+                <a:solidFill>
+                  <a:schemeClr val="tx1"/>
+                </a:solidFill>
+                <a:effectLst/>
+                <a:latin typeface="Arial" pitchFamily="34" charset="0"/>
+                <a:ea typeface="Times New Roman" pitchFamily="18" charset="0"/>
+                <a:cs typeface="Times New Roman" pitchFamily="18" charset="0"/>
+              </a:rPr>
+              <a:t>полезность хранимой информации для анализа и обработки её обработки в дальнейшем;</a:t>
+            </a:r>
+            <a:endParaRPr kumimoji="0" lang="ru-RU" sz="2000" b="0" i="0" u="none" strike="noStrike" cap="none" normalizeH="0" baseline="0" dirty="0" smtClean="0">
+              <a:ln>
+                <a:noFill/>
+              </a:ln>
+              <a:solidFill>
+                <a:schemeClr val="tx1"/>
+              </a:solidFill>
+              <a:effectLst/>
+              <a:latin typeface="Arial" pitchFamily="34" charset="0"/>
+              <a:cs typeface="Arial" pitchFamily="34" charset="0"/>
+            </a:endParaRPr>
+          </a:p>
+          <a:p>
+            <a:pPr marL="0" marR="0" lvl="0" indent="450850" algn="just" defTabSz="914400" rtl="0" eaLnBrk="0" fontAlgn="base" latinLnBrk="0" hangingPunct="0">
+              <a:lnSpc>
+                <a:spcPct val="100000"/>
+              </a:lnSpc>
+              <a:spcBef>
+                <a:spcPct val="0"/>
+              </a:spcBef>
+              <a:spcAft>
+                <a:spcPct val="0"/>
+              </a:spcAft>
+              <a:buClrTx/>
+              <a:buSzTx/>
+              <a:buFont typeface="+mj-lt"/>
+              <a:buAutoNum type="arabicPeriod"/>
+              <a:tabLst>
+                <a:tab pos="630238" algn="l"/>
+              </a:tabLst>
+            </a:pPr>
+            <a:r>
+              <a:rPr kumimoji="0" lang="ru-RU" sz="2000" b="0" i="0" u="none" strike="noStrike" cap="none" normalizeH="0" baseline="0" dirty="0" smtClean="0">
+                <a:ln>
+                  <a:noFill/>
+                </a:ln>
+                <a:solidFill>
+                  <a:schemeClr val="tx1"/>
+                </a:solidFill>
+                <a:effectLst/>
+                <a:latin typeface="Arial" pitchFamily="34" charset="0"/>
+                <a:ea typeface="Times New Roman" pitchFamily="18" charset="0"/>
+                <a:cs typeface="Times New Roman" pitchFamily="18" charset="0"/>
+              </a:rPr>
+              <a:t>уменьшения трудозатрат на информирование студентов об изменениях в лабораторных работах;</a:t>
+            </a:r>
+            <a:endParaRPr kumimoji="0" lang="ru-RU" sz="2000" b="0" i="0" u="none" strike="noStrike" cap="none" normalizeH="0" baseline="0" dirty="0" smtClean="0">
+              <a:ln>
+                <a:noFill/>
+              </a:ln>
+              <a:solidFill>
+                <a:schemeClr val="tx1"/>
+              </a:solidFill>
+              <a:effectLst/>
+              <a:latin typeface="Arial" pitchFamily="34" charset="0"/>
+              <a:cs typeface="Arial" pitchFamily="34" charset="0"/>
+            </a:endParaRPr>
+          </a:p>
+          <a:p>
+            <a:pPr marL="0" marR="0" lvl="0" indent="450850" algn="just" defTabSz="914400" rtl="0" eaLnBrk="0" fontAlgn="base" latinLnBrk="0" hangingPunct="0">
+              <a:lnSpc>
+                <a:spcPct val="100000"/>
+              </a:lnSpc>
+              <a:spcBef>
+                <a:spcPct val="0"/>
+              </a:spcBef>
+              <a:spcAft>
+                <a:spcPct val="0"/>
+              </a:spcAft>
+              <a:buClrTx/>
+              <a:buSzTx/>
+              <a:buFont typeface="+mj-lt"/>
+              <a:buAutoNum type="arabicPeriod"/>
+              <a:tabLst>
+                <a:tab pos="630238" algn="l"/>
+              </a:tabLst>
+            </a:pPr>
+            <a:r>
+              <a:rPr kumimoji="0" lang="ru-RU" sz="2000" b="0" i="0" u="none" strike="noStrike" cap="none" normalizeH="0" baseline="0" dirty="0" smtClean="0">
+                <a:ln>
+                  <a:noFill/>
+                </a:ln>
+                <a:solidFill>
+                  <a:schemeClr val="tx1"/>
+                </a:solidFill>
+                <a:effectLst/>
+                <a:latin typeface="Arial" pitchFamily="34" charset="0"/>
+                <a:ea typeface="Times New Roman" pitchFamily="18" charset="0"/>
+                <a:cs typeface="Times New Roman" pitchFamily="18" charset="0"/>
+              </a:rPr>
+              <a:t>улучшение механизмов контроля и мониторинга деканатом проблемных дисциплин, студентов;</a:t>
+            </a:r>
+            <a:endParaRPr kumimoji="0" lang="ru-RU" sz="2000" b="0" i="0" u="none" strike="noStrike" cap="none" normalizeH="0" baseline="0" dirty="0" smtClean="0">
+              <a:ln>
+                <a:noFill/>
+              </a:ln>
+              <a:solidFill>
+                <a:schemeClr val="tx1"/>
+              </a:solidFill>
+              <a:effectLst/>
+              <a:latin typeface="Arial" pitchFamily="34" charset="0"/>
+              <a:cs typeface="Arial" pitchFamily="34" charset="0"/>
+            </a:endParaRPr>
+          </a:p>
+          <a:p>
+            <a:pPr marL="0" marR="0" lvl="0" indent="450850" algn="just" defTabSz="914400" rtl="0" eaLnBrk="0" fontAlgn="base" latinLnBrk="0" hangingPunct="0">
+              <a:lnSpc>
+                <a:spcPct val="100000"/>
+              </a:lnSpc>
+              <a:spcBef>
+                <a:spcPct val="0"/>
+              </a:spcBef>
+              <a:spcAft>
+                <a:spcPct val="0"/>
+              </a:spcAft>
+              <a:buClrTx/>
+              <a:buSzTx/>
+              <a:buFont typeface="+mj-lt"/>
+              <a:buAutoNum type="arabicPeriod"/>
+              <a:tabLst>
+                <a:tab pos="630238" algn="l"/>
+              </a:tabLst>
+            </a:pPr>
+            <a:r>
+              <a:rPr kumimoji="0" lang="ru-RU" sz="2000" b="0" i="0" u="none" strike="noStrike" cap="none" normalizeH="0" baseline="0" dirty="0" smtClean="0">
+                <a:ln>
+                  <a:noFill/>
+                </a:ln>
+                <a:solidFill>
+                  <a:schemeClr val="tx1"/>
+                </a:solidFill>
+                <a:effectLst/>
+                <a:latin typeface="Arial" pitchFamily="34" charset="0"/>
+                <a:ea typeface="Times New Roman" pitchFamily="18" charset="0"/>
+                <a:cs typeface="Times New Roman" pitchFamily="18" charset="0"/>
+              </a:rPr>
+              <a:t>увеличение возможности быстрого получения необходимой информации.</a:t>
+            </a:r>
+          </a:p>
+          <a:p>
+            <a:pPr marL="0" marR="0" lvl="0" indent="450850" algn="just" defTabSz="914400" rtl="0" eaLnBrk="0" fontAlgn="base" latinLnBrk="0" hangingPunct="0">
+              <a:lnSpc>
+                <a:spcPct val="100000"/>
+              </a:lnSpc>
+              <a:spcBef>
+                <a:spcPct val="0"/>
+              </a:spcBef>
+              <a:spcAft>
+                <a:spcPct val="0"/>
+              </a:spcAft>
+              <a:buClrTx/>
+              <a:buSzTx/>
+              <a:tabLst>
+                <a:tab pos="630238" algn="l"/>
+              </a:tabLst>
+            </a:pPr>
+            <a:endParaRPr kumimoji="0" lang="ru-RU" sz="2000" b="0" i="0" u="none" strike="noStrike" cap="none" normalizeH="0" baseline="0" dirty="0" smtClean="0">
+              <a:ln>
+                <a:noFill/>
+              </a:ln>
+              <a:solidFill>
+                <a:schemeClr val="tx1"/>
+              </a:solidFill>
+              <a:effectLst/>
+              <a:latin typeface="Arial" pitchFamily="34" charset="0"/>
+              <a:cs typeface="Arial" pitchFamily="34" charset="0"/>
+            </a:endParaRPr>
+          </a:p>
+          <a:p>
+            <a:pPr marL="0" marR="0" lvl="0" indent="539750" algn="just" defTabSz="914400" rtl="0" eaLnBrk="0" fontAlgn="base" latinLnBrk="0" hangingPunct="0">
+              <a:lnSpc>
+                <a:spcPct val="100000"/>
+              </a:lnSpc>
+              <a:spcBef>
+                <a:spcPct val="0"/>
+              </a:spcBef>
+              <a:spcAft>
+                <a:spcPct val="0"/>
+              </a:spcAft>
+              <a:buClrTx/>
+              <a:buSzTx/>
+              <a:buFontTx/>
+              <a:buNone/>
+              <a:tabLst>
+                <a:tab pos="630238" algn="l"/>
+              </a:tabLst>
+            </a:pPr>
+            <a:r>
+              <a:rPr kumimoji="0" lang="ru-RU" sz="2000" b="0" i="0" u="none" strike="noStrike" cap="none" normalizeH="0" baseline="0" dirty="0" smtClean="0">
+                <a:ln>
+                  <a:noFill/>
+                </a:ln>
+                <a:solidFill>
+                  <a:schemeClr val="tx1"/>
+                </a:solidFill>
+                <a:effectLst/>
+                <a:latin typeface="Arial" pitchFamily="34" charset="0"/>
+                <a:ea typeface="Calibri" pitchFamily="34" charset="0"/>
+                <a:cs typeface="Times New Roman" pitchFamily="18" charset="0"/>
+              </a:rPr>
+              <a:t>Разработанный интернет-ресурс имеет множество путей развития и совершенствования. Он сможет легко масштабироваться в дальнейшем.</a:t>
+            </a:r>
+            <a:endParaRPr kumimoji="0" lang="ru-RU" sz="2000" b="0" i="0" u="none" strike="noStrike" cap="none" normalizeH="0" baseline="0" dirty="0" smtClean="0">
+              <a:ln>
+                <a:noFill/>
+              </a:ln>
+              <a:solidFill>
+                <a:schemeClr val="tx1"/>
+              </a:solidFill>
+              <a:effectLst/>
+              <a:latin typeface="Arial" pitchFamily="34" charset="0"/>
+              <a:cs typeface="Arial" pitchFamily="34" charset="0"/>
+            </a:endParaRPr>
+          </a:p>
+        </p:txBody>
+      </p:sp>
+    </p:spTree>
+  </p:cSld>
+  <p:clrMapOvr>
+    <a:masterClrMapping/>
+  </p:clrMapOvr>
+</p:sld>
+</file>
+
+<file path=ppt/slides/slide12.xml><?xml version="1.0" encoding="utf-8"?>
+<p:sld xmlns:a="http://schemas.openxmlformats.org/drawingml/2006/main" xmlns:r="http://schemas.openxmlformats.org/officeDocument/2006/relationships" xmlns:p="http://schemas.openxmlformats.org/presentationml/2006/main">
+  <p:cSld>
+    <p:spTree>
+      <p:nvGrpSpPr>
+        <p:cNvPr id="1" name=""/>
+        <p:cNvGrpSpPr/>
+        <p:nvPr/>
+      </p:nvGrpSpPr>
+      <p:grpSpPr>
+        <a:xfrm>
+          <a:off x="0" y="0"/>
+          <a:ext cx="0" cy="0"/>
+          <a:chOff x="0" y="0"/>
+          <a:chExt cx="0" cy="0"/>
+        </a:xfrm>
+      </p:grpSpPr>
+      <p:sp>
+        <p:nvSpPr>
+          <p:cNvPr id="2" name="Заголовок 1"/>
+          <p:cNvSpPr>
+            <a:spLocks noGrp="1"/>
+          </p:cNvSpPr>
+          <p:nvPr>
+            <p:ph type="title"/>
+          </p:nvPr>
+        </p:nvSpPr>
+        <p:spPr>
+          <a:xfrm>
+            <a:off x="1873332" y="2209329"/>
+            <a:ext cx="9404723" cy="1400530"/>
+          </a:xfrm>
+        </p:spPr>
+        <p:txBody>
+          <a:bodyPr/>
+          <a:lstStyle/>
+          <a:p>
+            <a:r>
+              <a:rPr lang="ru-RU" dirty="0" smtClean="0"/>
+              <a:t>Спасибо за внимание</a:t>
+            </a:r>
+            <a:endParaRPr lang="ru-RU" dirty="0"/>
+          </a:p>
+        </p:txBody>
+      </p:sp>
+      <p:sp>
+        <p:nvSpPr>
+          <p:cNvPr id="3" name="Прямоугольник 2"/>
+          <p:cNvSpPr/>
+          <p:nvPr/>
+        </p:nvSpPr>
+        <p:spPr>
+          <a:xfrm>
+            <a:off x="1696453" y="3260558"/>
+            <a:ext cx="7820526" cy="1200329"/>
+          </a:xfrm>
+          <a:prstGeom prst="rect">
+            <a:avLst/>
+          </a:prstGeom>
+        </p:spPr>
+        <p:txBody>
+          <a:bodyPr wrap="square">
+            <a:spAutoFit/>
+          </a:bodyPr>
+          <a:lstStyle/>
+          <a:p>
+            <a:r>
+              <a:rPr lang="ru-RU" sz="2400" dirty="0" smtClean="0"/>
+              <a:t>Интернет – сервис для автоматизированного учёта результатов	 защиты лабораторных работ студентами вуза</a:t>
+            </a:r>
+            <a:endParaRPr lang="ru-RU" sz="2400" dirty="0"/>
+          </a:p>
+        </p:txBody>
+      </p:sp>
+      <p:sp>
+        <p:nvSpPr>
+          <p:cNvPr id="4" name="Прямоугольник 3"/>
+          <p:cNvSpPr/>
+          <p:nvPr/>
+        </p:nvSpPr>
+        <p:spPr>
+          <a:xfrm>
+            <a:off x="3023937" y="4489467"/>
+            <a:ext cx="6096000" cy="646331"/>
+          </a:xfrm>
+          <a:prstGeom prst="rect">
+            <a:avLst/>
+          </a:prstGeom>
+        </p:spPr>
+        <p:txBody>
+          <a:bodyPr>
+            <a:spAutoFit/>
+          </a:bodyPr>
+          <a:lstStyle/>
+          <a:p>
+            <a:pPr algn="r"/>
+            <a:r>
+              <a:rPr lang="ru-RU" dirty="0" smtClean="0">
+                <a:cs typeface="Times New Roman" panose="02020603050405020304" pitchFamily="18" charset="0"/>
+              </a:rPr>
+              <a:t>Руководитель: Доц., к.т.н. Смелов В. В.</a:t>
+            </a:r>
+          </a:p>
+          <a:p>
+            <a:pPr algn="r"/>
+            <a:r>
+              <a:rPr lang="ru-RU" dirty="0" smtClean="0">
+                <a:cs typeface="Times New Roman" panose="02020603050405020304" pitchFamily="18" charset="0"/>
+              </a:rPr>
+              <a:t>Студент: Прокопович Д. В.</a:t>
+            </a:r>
+            <a:endParaRPr lang="ru-RU" dirty="0">
+              <a:cs typeface="Times New Roman" panose="02020603050405020304" pitchFamily="18" charset="0"/>
+            </a:endParaRPr>
+          </a:p>
+        </p:txBody>
+      </p:sp>
+    </p:spTree>
   </p:cSld>
   <p:clrMapOvr>
     <a:masterClrMapping/>
@@ -6389,9 +9186,739 @@
     </p:spTree>
     <p:extLst>
       <p:ext uri="{BB962C8B-B14F-4D97-AF65-F5344CB8AC3E}">
-        <p14:creationId xmlns:p14="http://schemas.microsoft.com/office/powerpoint/2010/main" xmlns="" val="2376067313"/>
+        <p14:creationId xmlns="" xmlns:p14="http://schemas.microsoft.com/office/powerpoint/2010/main" val="2376067313"/>
       </p:ext>
     </p:extLst>
+  </p:cSld>
+  <p:clrMapOvr>
+    <a:masterClrMapping/>
+  </p:clrMapOvr>
+</p:sld>
+</file>
+
+<file path=ppt/slides/slide3.xml><?xml version="1.0" encoding="utf-8"?>
+<p:sld xmlns:a="http://schemas.openxmlformats.org/drawingml/2006/main" xmlns:r="http://schemas.openxmlformats.org/officeDocument/2006/relationships" xmlns:p="http://schemas.openxmlformats.org/presentationml/2006/main">
+  <p:cSld>
+    <p:spTree>
+      <p:nvGrpSpPr>
+        <p:cNvPr id="1" name=""/>
+        <p:cNvGrpSpPr/>
+        <p:nvPr/>
+      </p:nvGrpSpPr>
+      <p:grpSpPr>
+        <a:xfrm>
+          <a:off x="0" y="0"/>
+          <a:ext cx="0" cy="0"/>
+          <a:chOff x="0" y="0"/>
+          <a:chExt cx="0" cy="0"/>
+        </a:xfrm>
+      </p:grpSpPr>
+      <p:sp>
+        <p:nvSpPr>
+          <p:cNvPr id="2" name="Заголовок 1"/>
+          <p:cNvSpPr>
+            <a:spLocks noGrp="1"/>
+          </p:cNvSpPr>
+          <p:nvPr>
+            <p:ph type="title"/>
+          </p:nvPr>
+        </p:nvSpPr>
+        <p:spPr/>
+        <p:txBody>
+          <a:bodyPr/>
+          <a:lstStyle/>
+          <a:p>
+            <a:r>
+              <a:rPr lang="ru-RU" dirty="0" smtClean="0"/>
+              <a:t>Выбор платформы и инструментальных средств</a:t>
+            </a:r>
+            <a:endParaRPr lang="ru-RU" dirty="0"/>
+          </a:p>
+        </p:txBody>
+      </p:sp>
+      <p:sp>
+        <p:nvSpPr>
+          <p:cNvPr id="3" name="TextBox 2"/>
+          <p:cNvSpPr txBox="1"/>
+          <p:nvPr/>
+        </p:nvSpPr>
+        <p:spPr>
+          <a:xfrm>
+            <a:off x="1094874" y="2298032"/>
+            <a:ext cx="6378669" cy="3108543"/>
+          </a:xfrm>
+          <a:prstGeom prst="rect">
+            <a:avLst/>
+          </a:prstGeom>
+          <a:noFill/>
+        </p:spPr>
+        <p:txBody>
+          <a:bodyPr wrap="none" rtlCol="0">
+            <a:spAutoFit/>
+          </a:bodyPr>
+          <a:lstStyle/>
+          <a:p>
+            <a:pPr marL="514350" indent="-514350">
+              <a:buFont typeface="+mj-lt"/>
+              <a:buAutoNum type="arabicPeriod"/>
+            </a:pPr>
+            <a:r>
+              <a:rPr lang="en-US" sz="2800" dirty="0" smtClean="0"/>
+              <a:t>Windows Server</a:t>
+            </a:r>
+            <a:r>
+              <a:rPr lang="ru-RU" sz="2800" dirty="0" smtClean="0"/>
+              <a:t> 2012,</a:t>
+            </a:r>
+            <a:r>
+              <a:rPr lang="en-US" sz="2800" dirty="0" smtClean="0"/>
+              <a:t>ASP</a:t>
+            </a:r>
+            <a:r>
+              <a:rPr lang="ru-RU" sz="2800" dirty="0" smtClean="0"/>
+              <a:t>.</a:t>
+            </a:r>
+            <a:r>
+              <a:rPr lang="en-US" sz="2800" dirty="0" smtClean="0"/>
+              <a:t>NET</a:t>
+            </a:r>
+            <a:r>
+              <a:rPr lang="ru-RU" sz="2800" dirty="0" smtClean="0"/>
+              <a:t> </a:t>
+            </a:r>
+            <a:r>
+              <a:rPr lang="ru-RU" sz="2800" dirty="0" smtClean="0"/>
+              <a:t>4.5</a:t>
+            </a:r>
+          </a:p>
+          <a:p>
+            <a:pPr marL="514350" indent="-514350">
+              <a:buFont typeface="+mj-lt"/>
+              <a:buAutoNum type="arabicPeriod"/>
+            </a:pPr>
+            <a:r>
+              <a:rPr lang="en-US" sz="2800" dirty="0" smtClean="0"/>
+              <a:t>ASP</a:t>
+            </a:r>
+            <a:r>
+              <a:rPr lang="ru-RU" sz="2800" dirty="0" smtClean="0"/>
+              <a:t>.</a:t>
+            </a:r>
+            <a:r>
+              <a:rPr lang="en-US" sz="2800" dirty="0" smtClean="0"/>
+              <a:t>NET MVC </a:t>
+            </a:r>
+            <a:r>
+              <a:rPr lang="ru-RU" sz="2800" dirty="0" smtClean="0"/>
+              <a:t>5, </a:t>
+            </a:r>
+            <a:r>
+              <a:rPr lang="ru-RU" sz="2800" dirty="0" smtClean="0"/>
+              <a:t>С</a:t>
+            </a:r>
+            <a:r>
+              <a:rPr lang="en-US" sz="2800" dirty="0" smtClean="0"/>
+              <a:t># 6.0</a:t>
+            </a:r>
+            <a:r>
+              <a:rPr lang="en-US" sz="2800" dirty="0" smtClean="0"/>
+              <a:t>;</a:t>
+            </a:r>
+            <a:endParaRPr lang="ru-RU" sz="2800" dirty="0" smtClean="0"/>
+          </a:p>
+          <a:p>
+            <a:pPr marL="514350" indent="-514350">
+              <a:buFont typeface="+mj-lt"/>
+              <a:buAutoNum type="arabicPeriod"/>
+            </a:pPr>
+            <a:r>
+              <a:rPr lang="en-US" sz="2800" dirty="0" smtClean="0"/>
+              <a:t>Microsoft SQL Server</a:t>
+            </a:r>
+            <a:r>
+              <a:rPr lang="ru-RU" sz="2800" dirty="0" smtClean="0"/>
+              <a:t> 2012</a:t>
+            </a:r>
+            <a:endParaRPr lang="ru-RU" sz="2800" dirty="0" smtClean="0"/>
+          </a:p>
+          <a:p>
+            <a:pPr marL="514350" indent="-514350">
+              <a:buFont typeface="+mj-lt"/>
+              <a:buAutoNum type="arabicPeriod"/>
+            </a:pPr>
+            <a:r>
+              <a:rPr lang="en-US" sz="2800" dirty="0" smtClean="0"/>
+              <a:t>Oracle</a:t>
+            </a:r>
+            <a:r>
+              <a:rPr lang="ru-RU" sz="2800" dirty="0" smtClean="0"/>
+              <a:t> 12</a:t>
+            </a:r>
+            <a:r>
+              <a:rPr lang="en-US" sz="2800" dirty="0" smtClean="0"/>
+              <a:t>c</a:t>
+            </a:r>
+            <a:endParaRPr lang="ru-RU" sz="2800" dirty="0" smtClean="0"/>
+          </a:p>
+          <a:p>
+            <a:pPr marL="514350" indent="-514350">
+              <a:buFont typeface="+mj-lt"/>
+              <a:buAutoNum type="arabicPeriod"/>
+            </a:pPr>
+            <a:r>
+              <a:rPr lang="en-US" sz="2800" dirty="0" smtClean="0"/>
+              <a:t>IIS</a:t>
+            </a:r>
+            <a:r>
+              <a:rPr lang="ru-RU" sz="2800" dirty="0" smtClean="0"/>
+              <a:t>8.0</a:t>
+            </a:r>
+          </a:p>
+          <a:p>
+            <a:pPr marL="514350" indent="-514350">
+              <a:buFont typeface="+mj-lt"/>
+              <a:buAutoNum type="arabicPeriod"/>
+            </a:pPr>
+            <a:r>
+              <a:rPr lang="en-US" sz="2800" dirty="0" err="1" smtClean="0"/>
+              <a:t>jQuarry</a:t>
+            </a:r>
+            <a:endParaRPr lang="ru-RU" sz="2800" dirty="0" smtClean="0"/>
+          </a:p>
+          <a:p>
+            <a:pPr marL="514350" indent="-514350">
+              <a:buFont typeface="+mj-lt"/>
+              <a:buAutoNum type="arabicPeriod"/>
+            </a:pPr>
+            <a:r>
+              <a:rPr lang="en-US" sz="2800" dirty="0" smtClean="0"/>
+              <a:t>Bootstrap</a:t>
+            </a:r>
+            <a:endParaRPr lang="ru-RU" sz="2800" dirty="0"/>
+          </a:p>
+        </p:txBody>
+      </p:sp>
+    </p:spTree>
+  </p:cSld>
+  <p:clrMapOvr>
+    <a:masterClrMapping/>
+  </p:clrMapOvr>
+</p:sld>
+</file>
+
+<file path=ppt/slides/slide4.xml><?xml version="1.0" encoding="utf-8"?>
+<p:sld xmlns:a="http://schemas.openxmlformats.org/drawingml/2006/main" xmlns:r="http://schemas.openxmlformats.org/officeDocument/2006/relationships" xmlns:p="http://schemas.openxmlformats.org/presentationml/2006/main">
+  <p:cSld>
+    <p:spTree>
+      <p:nvGrpSpPr>
+        <p:cNvPr id="1" name=""/>
+        <p:cNvGrpSpPr/>
+        <p:nvPr/>
+      </p:nvGrpSpPr>
+      <p:grpSpPr>
+        <a:xfrm>
+          <a:off x="0" y="0"/>
+          <a:ext cx="0" cy="0"/>
+          <a:chOff x="0" y="0"/>
+          <a:chExt cx="0" cy="0"/>
+        </a:xfrm>
+      </p:grpSpPr>
+      <p:sp>
+        <p:nvSpPr>
+          <p:cNvPr id="2" name="Заголовок 1"/>
+          <p:cNvSpPr>
+            <a:spLocks noGrp="1"/>
+          </p:cNvSpPr>
+          <p:nvPr>
+            <p:ph type="title"/>
+          </p:nvPr>
+        </p:nvSpPr>
+        <p:spPr/>
+        <p:txBody>
+          <a:bodyPr/>
+          <a:lstStyle/>
+          <a:p>
+            <a:r>
+              <a:rPr lang="ru-RU" dirty="0" smtClean="0"/>
+              <a:t>Архитектура приложения</a:t>
+            </a:r>
+            <a:endParaRPr lang="ru-RU" dirty="0"/>
+          </a:p>
+        </p:txBody>
+      </p:sp>
+      <p:pic>
+        <p:nvPicPr>
+          <p:cNvPr id="1026" name="Picture 2" descr="D:\Дмитрий\Программы\диплом\репозиторий\документация\images\архитектура.png"/>
+          <p:cNvPicPr>
+            <a:picLocks noChangeAspect="1" noChangeArrowheads="1"/>
+          </p:cNvPicPr>
+          <p:nvPr/>
+        </p:nvPicPr>
+        <p:blipFill>
+          <a:blip r:embed="rId2"/>
+          <a:srcRect/>
+          <a:stretch>
+            <a:fillRect/>
+          </a:stretch>
+        </p:blipFill>
+        <p:spPr bwMode="auto">
+          <a:xfrm>
+            <a:off x="2683042" y="1474119"/>
+            <a:ext cx="6699837" cy="4924727"/>
+          </a:xfrm>
+          <a:prstGeom prst="roundRect">
+            <a:avLst>
+              <a:gd name="adj" fmla="val 4685"/>
+            </a:avLst>
+          </a:prstGeom>
+          <a:solidFill>
+            <a:srgbClr val="FFFFFF">
+              <a:shade val="85000"/>
+            </a:srgbClr>
+          </a:solidFill>
+          <a:ln>
+            <a:noFill/>
+          </a:ln>
+          <a:effectLst>
+            <a:reflection blurRad="12700" stA="38000" endPos="28000" dist="5000" dir="5400000" sy="-100000" algn="bl" rotWithShape="0"/>
+          </a:effectLst>
+        </p:spPr>
+      </p:pic>
+    </p:spTree>
+  </p:cSld>
+  <p:clrMapOvr>
+    <a:masterClrMapping/>
+  </p:clrMapOvr>
+</p:sld>
+</file>
+
+<file path=ppt/slides/slide5.xml><?xml version="1.0" encoding="utf-8"?>
+<p:sld xmlns:a="http://schemas.openxmlformats.org/drawingml/2006/main" xmlns:r="http://schemas.openxmlformats.org/officeDocument/2006/relationships" xmlns:p="http://schemas.openxmlformats.org/presentationml/2006/main">
+  <p:cSld>
+    <p:spTree>
+      <p:nvGrpSpPr>
+        <p:cNvPr id="1" name=""/>
+        <p:cNvGrpSpPr/>
+        <p:nvPr/>
+      </p:nvGrpSpPr>
+      <p:grpSpPr>
+        <a:xfrm>
+          <a:off x="0" y="0"/>
+          <a:ext cx="0" cy="0"/>
+          <a:chOff x="0" y="0"/>
+          <a:chExt cx="0" cy="0"/>
+        </a:xfrm>
+      </p:grpSpPr>
+      <p:sp>
+        <p:nvSpPr>
+          <p:cNvPr id="2" name="Заголовок 1"/>
+          <p:cNvSpPr>
+            <a:spLocks noGrp="1"/>
+          </p:cNvSpPr>
+          <p:nvPr>
+            <p:ph type="title"/>
+          </p:nvPr>
+        </p:nvSpPr>
+        <p:spPr/>
+        <p:txBody>
+          <a:bodyPr/>
+          <a:lstStyle/>
+          <a:p>
+            <a:r>
+              <a:rPr lang="ru-RU" dirty="0" smtClean="0"/>
+              <a:t>Схема базы данных</a:t>
+            </a:r>
+            <a:endParaRPr lang="ru-RU" dirty="0"/>
+          </a:p>
+        </p:txBody>
+      </p:sp>
+      <p:pic>
+        <p:nvPicPr>
+          <p:cNvPr id="3" name="Рисунок 2" descr="C:\Users\Admin\Desktop\index.png"/>
+          <p:cNvPicPr/>
+          <p:nvPr/>
+        </p:nvPicPr>
+        <p:blipFill>
+          <a:blip r:embed="rId2" cstate="print"/>
+          <a:srcRect l="1966" t="8743" r="2506" b="7867"/>
+          <a:stretch>
+            <a:fillRect/>
+          </a:stretch>
+        </p:blipFill>
+        <p:spPr bwMode="auto">
+          <a:xfrm>
+            <a:off x="806116" y="1411599"/>
+            <a:ext cx="10010273" cy="4835210"/>
+          </a:xfrm>
+          <a:prstGeom prst="roundRect">
+            <a:avLst>
+              <a:gd name="adj" fmla="val 4364"/>
+            </a:avLst>
+          </a:prstGeom>
+          <a:solidFill>
+            <a:srgbClr val="FFFFFF">
+              <a:shade val="85000"/>
+            </a:srgbClr>
+          </a:solidFill>
+          <a:ln>
+            <a:noFill/>
+          </a:ln>
+          <a:effectLst>
+            <a:reflection blurRad="12700" stA="38000" endPos="28000" dist="5000" dir="5400000" sy="-100000" algn="bl" rotWithShape="0"/>
+          </a:effectLst>
+        </p:spPr>
+      </p:pic>
+    </p:spTree>
+  </p:cSld>
+  <p:clrMapOvr>
+    <a:masterClrMapping/>
+  </p:clrMapOvr>
+</p:sld>
+</file>
+
+<file path=ppt/slides/slide6.xml><?xml version="1.0" encoding="utf-8"?>
+<p:sld xmlns:a="http://schemas.openxmlformats.org/drawingml/2006/main" xmlns:r="http://schemas.openxmlformats.org/officeDocument/2006/relationships" xmlns:p="http://schemas.openxmlformats.org/presentationml/2006/main">
+  <p:cSld>
+    <p:spTree>
+      <p:nvGrpSpPr>
+        <p:cNvPr id="1" name=""/>
+        <p:cNvGrpSpPr/>
+        <p:nvPr/>
+      </p:nvGrpSpPr>
+      <p:grpSpPr>
+        <a:xfrm>
+          <a:off x="0" y="0"/>
+          <a:ext cx="0" cy="0"/>
+          <a:chOff x="0" y="0"/>
+          <a:chExt cx="0" cy="0"/>
+        </a:xfrm>
+      </p:grpSpPr>
+      <p:sp>
+        <p:nvSpPr>
+          <p:cNvPr id="2" name="Заголовок 1"/>
+          <p:cNvSpPr>
+            <a:spLocks noGrp="1"/>
+          </p:cNvSpPr>
+          <p:nvPr>
+            <p:ph type="title"/>
+          </p:nvPr>
+        </p:nvSpPr>
+        <p:spPr/>
+        <p:txBody>
+          <a:bodyPr/>
+          <a:lstStyle/>
+          <a:p>
+            <a:r>
+              <a:rPr lang="ru-RU" dirty="0" smtClean="0"/>
+              <a:t>Диаграмма вариантов использования</a:t>
+            </a:r>
+            <a:endParaRPr lang="ru-RU" dirty="0"/>
+          </a:p>
+        </p:txBody>
+      </p:sp>
+      <p:pic>
+        <p:nvPicPr>
+          <p:cNvPr id="3" name="Рисунок 2" descr="D:\Дмитрий\Программы\диплом\репозиторий\диаграммы\use_case.jpg"/>
+          <p:cNvPicPr/>
+          <p:nvPr/>
+        </p:nvPicPr>
+        <p:blipFill>
+          <a:blip r:embed="rId2" cstate="print"/>
+          <a:srcRect t="4128" b="3189"/>
+          <a:stretch>
+            <a:fillRect/>
+          </a:stretch>
+        </p:blipFill>
+        <p:spPr bwMode="auto">
+          <a:xfrm>
+            <a:off x="2827421" y="1836894"/>
+            <a:ext cx="6234838" cy="4659622"/>
+          </a:xfrm>
+          <a:prstGeom prst="roundRect">
+            <a:avLst>
+              <a:gd name="adj" fmla="val 4979"/>
+            </a:avLst>
+          </a:prstGeom>
+          <a:solidFill>
+            <a:srgbClr val="FFFFFF">
+              <a:shade val="85000"/>
+            </a:srgbClr>
+          </a:solidFill>
+          <a:ln>
+            <a:noFill/>
+          </a:ln>
+          <a:effectLst>
+            <a:reflection blurRad="12700" stA="38000" endPos="28000" dist="5000" dir="5400000" sy="-100000" algn="bl" rotWithShape="0"/>
+          </a:effectLst>
+        </p:spPr>
+      </p:pic>
+    </p:spTree>
+  </p:cSld>
+  <p:clrMapOvr>
+    <a:masterClrMapping/>
+  </p:clrMapOvr>
+</p:sld>
+</file>
+
+<file path=ppt/slides/slide7.xml><?xml version="1.0" encoding="utf-8"?>
+<p:sld xmlns:a="http://schemas.openxmlformats.org/drawingml/2006/main" xmlns:r="http://schemas.openxmlformats.org/officeDocument/2006/relationships" xmlns:p="http://schemas.openxmlformats.org/presentationml/2006/main">
+  <p:cSld>
+    <p:spTree>
+      <p:nvGrpSpPr>
+        <p:cNvPr id="1" name=""/>
+        <p:cNvGrpSpPr/>
+        <p:nvPr/>
+      </p:nvGrpSpPr>
+      <p:grpSpPr>
+        <a:xfrm>
+          <a:off x="0" y="0"/>
+          <a:ext cx="0" cy="0"/>
+          <a:chOff x="0" y="0"/>
+          <a:chExt cx="0" cy="0"/>
+        </a:xfrm>
+      </p:grpSpPr>
+      <p:sp>
+        <p:nvSpPr>
+          <p:cNvPr id="2" name="Заголовок 1"/>
+          <p:cNvSpPr>
+            <a:spLocks noGrp="1"/>
+          </p:cNvSpPr>
+          <p:nvPr>
+            <p:ph type="title"/>
+          </p:nvPr>
+        </p:nvSpPr>
+        <p:spPr/>
+        <p:txBody>
+          <a:bodyPr/>
+          <a:lstStyle/>
+          <a:p>
+            <a:r>
+              <a:rPr lang="ru-RU" dirty="0" smtClean="0"/>
+              <a:t>Диаграмма последовательностей</a:t>
+            </a:r>
+            <a:endParaRPr lang="ru-RU" dirty="0"/>
+          </a:p>
+        </p:txBody>
+      </p:sp>
+      <p:pic>
+        <p:nvPicPr>
+          <p:cNvPr id="3" name="Рисунок 2" descr="D:\Дмитрий\Программы\диплом\репозиторий\диаграммы\Sequence.jpg"/>
+          <p:cNvPicPr/>
+          <p:nvPr/>
+        </p:nvPicPr>
+        <p:blipFill>
+          <a:blip r:embed="rId2"/>
+          <a:srcRect t="4531" b="3281"/>
+          <a:stretch>
+            <a:fillRect/>
+          </a:stretch>
+        </p:blipFill>
+        <p:spPr bwMode="auto">
+          <a:xfrm>
+            <a:off x="2298032" y="1939030"/>
+            <a:ext cx="6673224" cy="4566416"/>
+          </a:xfrm>
+          <a:prstGeom prst="roundRect">
+            <a:avLst>
+              <a:gd name="adj" fmla="val 4905"/>
+            </a:avLst>
+          </a:prstGeom>
+          <a:solidFill>
+            <a:srgbClr val="FFFFFF">
+              <a:shade val="85000"/>
+            </a:srgbClr>
+          </a:solidFill>
+          <a:ln>
+            <a:noFill/>
+          </a:ln>
+          <a:effectLst>
+            <a:reflection blurRad="12700" stA="38000" endPos="28000" dist="5000" dir="5400000" sy="-100000" algn="bl" rotWithShape="0"/>
+          </a:effectLst>
+        </p:spPr>
+      </p:pic>
+    </p:spTree>
+  </p:cSld>
+  <p:clrMapOvr>
+    <a:masterClrMapping/>
+  </p:clrMapOvr>
+</p:sld>
+</file>
+
+<file path=ppt/slides/slide8.xml><?xml version="1.0" encoding="utf-8"?>
+<p:sld xmlns:a="http://schemas.openxmlformats.org/drawingml/2006/main" xmlns:r="http://schemas.openxmlformats.org/officeDocument/2006/relationships" xmlns:p="http://schemas.openxmlformats.org/presentationml/2006/main">
+  <p:cSld>
+    <p:spTree>
+      <p:nvGrpSpPr>
+        <p:cNvPr id="1" name=""/>
+        <p:cNvGrpSpPr/>
+        <p:nvPr/>
+      </p:nvGrpSpPr>
+      <p:grpSpPr>
+        <a:xfrm>
+          <a:off x="0" y="0"/>
+          <a:ext cx="0" cy="0"/>
+          <a:chOff x="0" y="0"/>
+          <a:chExt cx="0" cy="0"/>
+        </a:xfrm>
+      </p:grpSpPr>
+      <p:sp>
+        <p:nvSpPr>
+          <p:cNvPr id="2" name="Заголовок 1"/>
+          <p:cNvSpPr>
+            <a:spLocks noGrp="1"/>
+          </p:cNvSpPr>
+          <p:nvPr>
+            <p:ph type="title"/>
+          </p:nvPr>
+        </p:nvSpPr>
+        <p:spPr/>
+        <p:txBody>
+          <a:bodyPr/>
+          <a:lstStyle/>
+          <a:p>
+            <a:r>
+              <a:rPr lang="ru-RU" dirty="0" smtClean="0"/>
+              <a:t>Графический интерфейс</a:t>
+            </a:r>
+            <a:endParaRPr lang="ru-RU" dirty="0"/>
+          </a:p>
+        </p:txBody>
+      </p:sp>
+      <p:pic>
+        <p:nvPicPr>
+          <p:cNvPr id="2050" name="Picture 2"/>
+          <p:cNvPicPr>
+            <a:picLocks noChangeAspect="1" noChangeArrowheads="1"/>
+          </p:cNvPicPr>
+          <p:nvPr/>
+        </p:nvPicPr>
+        <p:blipFill>
+          <a:blip r:embed="rId2"/>
+          <a:srcRect/>
+          <a:stretch>
+            <a:fillRect/>
+          </a:stretch>
+        </p:blipFill>
+        <p:spPr bwMode="auto">
+          <a:xfrm>
+            <a:off x="854242" y="1316456"/>
+            <a:ext cx="10965384" cy="5044880"/>
+          </a:xfrm>
+          <a:prstGeom prst="roundRect">
+            <a:avLst>
+              <a:gd name="adj" fmla="val 5732"/>
+            </a:avLst>
+          </a:prstGeom>
+          <a:solidFill>
+            <a:srgbClr val="FFFFFF">
+              <a:shade val="85000"/>
+            </a:srgbClr>
+          </a:solidFill>
+          <a:ln>
+            <a:noFill/>
+          </a:ln>
+          <a:effectLst>
+            <a:reflection blurRad="12700" stA="38000" endPos="28000" dist="5000" dir="5400000" sy="-100000" algn="bl" rotWithShape="0"/>
+          </a:effectLst>
+        </p:spPr>
+      </p:pic>
+    </p:spTree>
+  </p:cSld>
+  <p:clrMapOvr>
+    <a:masterClrMapping/>
+  </p:clrMapOvr>
+</p:sld>
+</file>
+
+<file path=ppt/slides/slide9.xml><?xml version="1.0" encoding="utf-8"?>
+<p:sld xmlns:a="http://schemas.openxmlformats.org/drawingml/2006/main" xmlns:r="http://schemas.openxmlformats.org/officeDocument/2006/relationships" xmlns:p="http://schemas.openxmlformats.org/presentationml/2006/main">
+  <p:cSld>
+    <p:spTree>
+      <p:nvGrpSpPr>
+        <p:cNvPr id="1" name=""/>
+        <p:cNvGrpSpPr/>
+        <p:nvPr/>
+      </p:nvGrpSpPr>
+      <p:grpSpPr>
+        <a:xfrm>
+          <a:off x="0" y="0"/>
+          <a:ext cx="0" cy="0"/>
+          <a:chOff x="0" y="0"/>
+          <a:chExt cx="0" cy="0"/>
+        </a:xfrm>
+      </p:grpSpPr>
+      <p:pic>
+        <p:nvPicPr>
+          <p:cNvPr id="3074" name="Picture 2"/>
+          <p:cNvPicPr>
+            <a:picLocks noChangeAspect="1" noChangeArrowheads="1"/>
+          </p:cNvPicPr>
+          <p:nvPr/>
+        </p:nvPicPr>
+        <p:blipFill>
+          <a:blip r:embed="rId2"/>
+          <a:srcRect/>
+          <a:stretch>
+            <a:fillRect/>
+          </a:stretch>
+        </p:blipFill>
+        <p:spPr bwMode="auto">
+          <a:xfrm>
+            <a:off x="3368842" y="4276628"/>
+            <a:ext cx="7913483" cy="2226211"/>
+          </a:xfrm>
+          <a:prstGeom prst="roundRect">
+            <a:avLst>
+              <a:gd name="adj" fmla="val 5892"/>
+            </a:avLst>
+          </a:prstGeom>
+          <a:solidFill>
+            <a:srgbClr val="FFFFFF">
+              <a:shade val="85000"/>
+            </a:srgbClr>
+          </a:solidFill>
+          <a:ln>
+            <a:noFill/>
+          </a:ln>
+          <a:effectLst>
+            <a:reflection blurRad="12700" stA="38000" endPos="28000" dist="5000" dir="5400000" sy="-100000" algn="bl" rotWithShape="0"/>
+          </a:effectLst>
+        </p:spPr>
+      </p:pic>
+      <p:pic>
+        <p:nvPicPr>
+          <p:cNvPr id="3075" name="Picture 3"/>
+          <p:cNvPicPr>
+            <a:picLocks noChangeAspect="1" noChangeArrowheads="1"/>
+          </p:cNvPicPr>
+          <p:nvPr/>
+        </p:nvPicPr>
+        <p:blipFill>
+          <a:blip r:embed="rId3"/>
+          <a:srcRect/>
+          <a:stretch>
+            <a:fillRect/>
+          </a:stretch>
+        </p:blipFill>
+        <p:spPr bwMode="auto">
+          <a:xfrm>
+            <a:off x="598071" y="231360"/>
+            <a:ext cx="7138234" cy="3876270"/>
+          </a:xfrm>
+          <a:prstGeom prst="rect">
+            <a:avLst/>
+          </a:prstGeom>
+          <a:noFill/>
+          <a:ln w="9525">
+            <a:noFill/>
+            <a:miter lim="800000"/>
+            <a:headEnd/>
+            <a:tailEnd/>
+          </a:ln>
+          <a:effectLst/>
+        </p:spPr>
+      </p:pic>
+    </p:spTree>
   </p:cSld>
   <p:clrMapOvr>
     <a:masterClrMapping/>
@@ -6659,7 +10186,7 @@
   <a:extraClrSchemeLst/>
   <a:extLst>
     <a:ext uri="{05A4C25C-085E-4340-85A3-A5531E510DB2}">
-      <thm15:themeFamily xmlns:thm15="http://schemas.microsoft.com/office/thememl/2012/main" xmlns="" name="Ion" id="{B8441ADB-2E43-4AF7-B97A-BD870242C6A8}" vid="{292E63A9-BB86-4E3D-B92A-7223C6510D2E}"/>
+      <thm15:themeFamily xmlns="" xmlns:thm15="http://schemas.microsoft.com/office/thememl/2012/main" name="Ion" id="{B8441ADB-2E43-4AF7-B97A-BD870242C6A8}" vid="{292E63A9-BB86-4E3D-B92A-7223C6510D2E}"/>
     </a:ext>
   </a:extLst>
 </a:theme>

--- a/документация/Пояснительная записка/презентация.pptx
+++ b/документация/Пояснительная записка/презентация.pptx
@@ -117,7 +117,7 @@
   </p:defaultTextStyle>
   <p:extLst>
     <p:ext uri="{EFAFB233-063F-42B5-8137-9DF3F51BA10A}">
-      <p15:sldGuideLst xmlns="" xmlns:p15="http://schemas.microsoft.com/office/powerpoint/2012/main"/>
+      <p15:sldGuideLst xmlns:p15="http://schemas.microsoft.com/office/powerpoint/2012/main" xmlns=""/>
     </p:ext>
   </p:extLst>
 </p:presentation>
@@ -362,7 +362,7 @@
     </p:spTree>
     <p:extLst>
       <p:ext uri="{BB962C8B-B14F-4D97-AF65-F5344CB8AC3E}">
-        <p14:creationId xmlns="" xmlns:p14="http://schemas.microsoft.com/office/powerpoint/2010/main" val="640611979"/>
+        <p14:creationId xmlns:p14="http://schemas.microsoft.com/office/powerpoint/2010/main" xmlns="" val="640611979"/>
       </p:ext>
     </p:extLst>
   </p:cSld>
@@ -639,7 +639,7 @@
     </p:spTree>
     <p:extLst>
       <p:ext uri="{BB962C8B-B14F-4D97-AF65-F5344CB8AC3E}">
-        <p14:creationId xmlns="" xmlns:p14="http://schemas.microsoft.com/office/powerpoint/2010/main" val="850406830"/>
+        <p14:creationId xmlns:p14="http://schemas.microsoft.com/office/powerpoint/2010/main" xmlns="" val="850406830"/>
       </p:ext>
     </p:extLst>
   </p:cSld>
@@ -835,7 +835,7 @@
     </p:spTree>
     <p:extLst>
       <p:ext uri="{BB962C8B-B14F-4D97-AF65-F5344CB8AC3E}">
-        <p14:creationId xmlns="" xmlns:p14="http://schemas.microsoft.com/office/powerpoint/2010/main" val="2166140516"/>
+        <p14:creationId xmlns:p14="http://schemas.microsoft.com/office/powerpoint/2010/main" xmlns="" val="2166140516"/>
       </p:ext>
     </p:extLst>
   </p:cSld>
@@ -1204,7 +1204,7 @@
     </p:spTree>
     <p:extLst>
       <p:ext uri="{BB962C8B-B14F-4D97-AF65-F5344CB8AC3E}">
-        <p14:creationId xmlns="" xmlns:p14="http://schemas.microsoft.com/office/powerpoint/2010/main" val="1219078279"/>
+        <p14:creationId xmlns:p14="http://schemas.microsoft.com/office/powerpoint/2010/main" xmlns="" val="1219078279"/>
       </p:ext>
     </p:extLst>
   </p:cSld>
@@ -1453,7 +1453,7 @@
     </p:spTree>
     <p:extLst>
       <p:ext uri="{BB962C8B-B14F-4D97-AF65-F5344CB8AC3E}">
-        <p14:creationId xmlns="" xmlns:p14="http://schemas.microsoft.com/office/powerpoint/2010/main" val="1112787080"/>
+        <p14:creationId xmlns:p14="http://schemas.microsoft.com/office/powerpoint/2010/main" xmlns="" val="1112787080"/>
       </p:ext>
     </p:extLst>
   </p:cSld>
@@ -2078,7 +2078,7 @@
     </p:spTree>
     <p:extLst>
       <p:ext uri="{BB962C8B-B14F-4D97-AF65-F5344CB8AC3E}">
-        <p14:creationId xmlns="" xmlns:p14="http://schemas.microsoft.com/office/powerpoint/2010/main" val="1028411620"/>
+        <p14:creationId xmlns:p14="http://schemas.microsoft.com/office/powerpoint/2010/main" xmlns="" val="1028411620"/>
       </p:ext>
     </p:extLst>
   </p:cSld>
@@ -2940,7 +2940,7 @@
     </p:spTree>
     <p:extLst>
       <p:ext uri="{BB962C8B-B14F-4D97-AF65-F5344CB8AC3E}">
-        <p14:creationId xmlns="" xmlns:p14="http://schemas.microsoft.com/office/powerpoint/2010/main" val="3350434812"/>
+        <p14:creationId xmlns:p14="http://schemas.microsoft.com/office/powerpoint/2010/main" xmlns="" val="3350434812"/>
       </p:ext>
     </p:extLst>
   </p:cSld>
@@ -3112,7 +3112,7 @@
     </p:spTree>
     <p:extLst>
       <p:ext uri="{BB962C8B-B14F-4D97-AF65-F5344CB8AC3E}">
-        <p14:creationId xmlns="" xmlns:p14="http://schemas.microsoft.com/office/powerpoint/2010/main" val="325057310"/>
+        <p14:creationId xmlns:p14="http://schemas.microsoft.com/office/powerpoint/2010/main" xmlns="" val="325057310"/>
       </p:ext>
     </p:extLst>
   </p:cSld>
@@ -3294,7 +3294,7 @@
     </p:spTree>
     <p:extLst>
       <p:ext uri="{BB962C8B-B14F-4D97-AF65-F5344CB8AC3E}">
-        <p14:creationId xmlns="" xmlns:p14="http://schemas.microsoft.com/office/powerpoint/2010/main" val="1531491465"/>
+        <p14:creationId xmlns:p14="http://schemas.microsoft.com/office/powerpoint/2010/main" xmlns="" val="1531491465"/>
       </p:ext>
     </p:extLst>
   </p:cSld>
@@ -3466,7 +3466,7 @@
     </p:spTree>
     <p:extLst>
       <p:ext uri="{BB962C8B-B14F-4D97-AF65-F5344CB8AC3E}">
-        <p14:creationId xmlns="" xmlns:p14="http://schemas.microsoft.com/office/powerpoint/2010/main" val="214368942"/>
+        <p14:creationId xmlns:p14="http://schemas.microsoft.com/office/powerpoint/2010/main" xmlns="" val="214368942"/>
       </p:ext>
     </p:extLst>
   </p:cSld>
@@ -3715,7 +3715,7 @@
     </p:spTree>
     <p:extLst>
       <p:ext uri="{BB962C8B-B14F-4D97-AF65-F5344CB8AC3E}">
-        <p14:creationId xmlns="" xmlns:p14="http://schemas.microsoft.com/office/powerpoint/2010/main" val="4154455516"/>
+        <p14:creationId xmlns:p14="http://schemas.microsoft.com/office/powerpoint/2010/main" xmlns="" val="4154455516"/>
       </p:ext>
     </p:extLst>
   </p:cSld>
@@ -4009,7 +4009,7 @@
     </p:spTree>
     <p:extLst>
       <p:ext uri="{BB962C8B-B14F-4D97-AF65-F5344CB8AC3E}">
-        <p14:creationId xmlns="" xmlns:p14="http://schemas.microsoft.com/office/powerpoint/2010/main" val="1705349170"/>
+        <p14:creationId xmlns:p14="http://schemas.microsoft.com/office/powerpoint/2010/main" xmlns="" val="1705349170"/>
       </p:ext>
     </p:extLst>
   </p:cSld>
@@ -4455,7 +4455,7 @@
     </p:spTree>
     <p:extLst>
       <p:ext uri="{BB962C8B-B14F-4D97-AF65-F5344CB8AC3E}">
-        <p14:creationId xmlns="" xmlns:p14="http://schemas.microsoft.com/office/powerpoint/2010/main" val="3119882278"/>
+        <p14:creationId xmlns:p14="http://schemas.microsoft.com/office/powerpoint/2010/main" xmlns="" val="3119882278"/>
       </p:ext>
     </p:extLst>
   </p:cSld>
@@ -4575,7 +4575,7 @@
     </p:spTree>
     <p:extLst>
       <p:ext uri="{BB962C8B-B14F-4D97-AF65-F5344CB8AC3E}">
-        <p14:creationId xmlns="" xmlns:p14="http://schemas.microsoft.com/office/powerpoint/2010/main" val="77764135"/>
+        <p14:creationId xmlns:p14="http://schemas.microsoft.com/office/powerpoint/2010/main" xmlns="" val="77764135"/>
       </p:ext>
     </p:extLst>
   </p:cSld>
@@ -4672,7 +4672,7 @@
     </p:spTree>
     <p:extLst>
       <p:ext uri="{BB962C8B-B14F-4D97-AF65-F5344CB8AC3E}">
-        <p14:creationId xmlns="" xmlns:p14="http://schemas.microsoft.com/office/powerpoint/2010/main" val="1907240061"/>
+        <p14:creationId xmlns:p14="http://schemas.microsoft.com/office/powerpoint/2010/main" xmlns="" val="1907240061"/>
       </p:ext>
     </p:extLst>
   </p:cSld>
@@ -4953,7 +4953,7 @@
     </p:spTree>
     <p:extLst>
       <p:ext uri="{BB962C8B-B14F-4D97-AF65-F5344CB8AC3E}">
-        <p14:creationId xmlns="" xmlns:p14="http://schemas.microsoft.com/office/powerpoint/2010/main" val="316132223"/>
+        <p14:creationId xmlns:p14="http://schemas.microsoft.com/office/powerpoint/2010/main" xmlns="" val="316132223"/>
       </p:ext>
     </p:extLst>
   </p:cSld>
@@ -5230,7 +5230,7 @@
     </p:spTree>
     <p:extLst>
       <p:ext uri="{BB962C8B-B14F-4D97-AF65-F5344CB8AC3E}">
-        <p14:creationId xmlns="" xmlns:p14="http://schemas.microsoft.com/office/powerpoint/2010/main" val="2260233881"/>
+        <p14:creationId xmlns:p14="http://schemas.microsoft.com/office/powerpoint/2010/main" xmlns="" val="2260233881"/>
       </p:ext>
     </p:extLst>
   </p:cSld>
@@ -5274,7 +5274,7 @@
           <a:blip r:embed="rId19">
             <a:extLst>
               <a:ext uri="{28A0092B-C50C-407E-A947-70E740481C1C}">
-                <a14:useLocalDpi xmlns="" xmlns:a14="http://schemas.microsoft.com/office/drawing/2010/main" val="0"/>
+                <a14:useLocalDpi xmlns:a14="http://schemas.microsoft.com/office/drawing/2010/main" xmlns="" val="0"/>
               </a:ext>
             </a:extLst>
           </a:blip>
@@ -5303,7 +5303,7 @@
           <a:blip r:embed="rId20">
             <a:extLst>
               <a:ext uri="{28A0092B-C50C-407E-A947-70E740481C1C}">
-                <a14:useLocalDpi xmlns="" xmlns:a14="http://schemas.microsoft.com/office/drawing/2010/main" val="0"/>
+                <a14:useLocalDpi xmlns:a14="http://schemas.microsoft.com/office/drawing/2010/main" xmlns="" val="0"/>
               </a:ext>
             </a:extLst>
           </a:blip>
@@ -5395,7 +5395,7 @@
           <a:blip r:embed="rId21">
             <a:extLst>
               <a:ext uri="{28A0092B-C50C-407E-A947-70E740481C1C}">
-                <a14:useLocalDpi xmlns="" xmlns:a14="http://schemas.microsoft.com/office/drawing/2010/main" val="0"/>
+                <a14:useLocalDpi xmlns:a14="http://schemas.microsoft.com/office/drawing/2010/main" xmlns="" val="0"/>
               </a:ext>
             </a:extLst>
           </a:blip>
@@ -5424,7 +5424,7 @@
           <a:blip r:embed="rId22">
             <a:extLst>
               <a:ext uri="{28A0092B-C50C-407E-A947-70E740481C1C}">
-                <a14:useLocalDpi xmlns="" xmlns:a14="http://schemas.microsoft.com/office/drawing/2010/main" val="0"/>
+                <a14:useLocalDpi xmlns:a14="http://schemas.microsoft.com/office/drawing/2010/main" xmlns="" val="0"/>
               </a:ext>
             </a:extLst>
           </a:blip>
@@ -5698,7 +5698,7 @@
     </p:spTree>
     <p:extLst>
       <p:ext uri="{BB962C8B-B14F-4D97-AF65-F5344CB8AC3E}">
-        <p14:creationId xmlns="" xmlns:p14="http://schemas.microsoft.com/office/powerpoint/2010/main" val="3884256405"/>
+        <p14:creationId xmlns:p14="http://schemas.microsoft.com/office/powerpoint/2010/main" xmlns="" val="3884256405"/>
       </p:ext>
     </p:extLst>
   </p:cSld>
@@ -6157,15 +6157,7 @@
           <a:p>
             <a:r>
               <a:rPr lang="ru-RU" sz="4800" u="sng" dirty="0" smtClean="0"/>
-              <a:t>Интернет – сервис для автоматизированного учёта результатов	</a:t>
-            </a:r>
-            <a:r>
-              <a:rPr lang="ru-RU" sz="4800" u="sng" dirty="0" smtClean="0"/>
-              <a:t> защиты </a:t>
-            </a:r>
-            <a:r>
-              <a:rPr lang="ru-RU" sz="4800" u="sng" dirty="0" smtClean="0"/>
-              <a:t>лабораторных работ студентами вуза</a:t>
+              <a:t>Интернет – сервис для автоматизированного учёта результатов	 защиты лабораторных работ студентами вуза</a:t>
             </a:r>
             <a:endParaRPr lang="ru-RU" sz="4800" dirty="0">
               <a:cs typeface="Times New Roman" panose="02020603050405020304" pitchFamily="18" charset="0"/>
@@ -6218,7 +6210,7 @@
     </p:spTree>
     <p:extLst>
       <p:ext uri="{BB962C8B-B14F-4D97-AF65-F5344CB8AC3E}">
-        <p14:creationId xmlns="" xmlns:p14="http://schemas.microsoft.com/office/powerpoint/2010/main" val="3208479563"/>
+        <p14:creationId xmlns:p14="http://schemas.microsoft.com/office/powerpoint/2010/main" xmlns="" val="3208479563"/>
       </p:ext>
     </p:extLst>
   </p:cSld>
@@ -9186,7 +9178,7 @@
     </p:spTree>
     <p:extLst>
       <p:ext uri="{BB962C8B-B14F-4D97-AF65-F5344CB8AC3E}">
-        <p14:creationId xmlns="" xmlns:p14="http://schemas.microsoft.com/office/powerpoint/2010/main" val="2376067313"/>
+        <p14:creationId xmlns:p14="http://schemas.microsoft.com/office/powerpoint/2010/main" xmlns="" val="2376067313"/>
       </p:ext>
     </p:extLst>
   </p:cSld>
@@ -9284,11 +9276,7 @@
             </a:r>
             <a:r>
               <a:rPr lang="ru-RU" sz="2800" dirty="0" smtClean="0"/>
-              <a:t> </a:t>
-            </a:r>
-            <a:r>
-              <a:rPr lang="ru-RU" sz="2800" dirty="0" smtClean="0"/>
-              <a:t>4.5</a:t>
+              <a:t> 4.5</a:t>
             </a:r>
           </a:p>
           <a:p>
@@ -9310,19 +9298,11 @@
             </a:r>
             <a:r>
               <a:rPr lang="ru-RU" sz="2800" dirty="0" smtClean="0"/>
-              <a:t>5, </a:t>
-            </a:r>
-            <a:r>
-              <a:rPr lang="ru-RU" sz="2800" dirty="0" smtClean="0"/>
-              <a:t>С</a:t>
+              <a:t>5, С</a:t>
             </a:r>
             <a:r>
               <a:rPr lang="en-US" sz="2800" dirty="0" smtClean="0"/>
-              <a:t># 6.0</a:t>
-            </a:r>
-            <a:r>
-              <a:rPr lang="en-US" sz="2800" dirty="0" smtClean="0"/>
-              <a:t>;</a:t>
+              <a:t># 6.0;</a:t>
             </a:r>
             <a:endParaRPr lang="ru-RU" sz="2800" dirty="0" smtClean="0"/>
           </a:p>
@@ -9339,7 +9319,6 @@
               <a:rPr lang="ru-RU" sz="2800" dirty="0" smtClean="0"/>
               <a:t> 2012</a:t>
             </a:r>
-            <a:endParaRPr lang="ru-RU" sz="2800" dirty="0" smtClean="0"/>
           </a:p>
           <a:p>
             <a:pPr marL="514350" indent="-514350">
@@ -9370,9 +9349,10 @@
               <a:t>IIS</a:t>
             </a:r>
             <a:r>
-              <a:rPr lang="ru-RU" sz="2800" dirty="0" smtClean="0"/>
-              <a:t>8.0</a:t>
-            </a:r>
+              <a:rPr lang="ru-RU" sz="2800" smtClean="0"/>
+              <a:t>7.5</a:t>
+            </a:r>
+            <a:endParaRPr lang="ru-RU" sz="2800" dirty="0" smtClean="0"/>
           </a:p>
           <a:p>
             <a:pPr marL="514350" indent="-514350">
@@ -10186,7 +10166,7 @@
   <a:extraClrSchemeLst/>
   <a:extLst>
     <a:ext uri="{05A4C25C-085E-4340-85A3-A5531E510DB2}">
-      <thm15:themeFamily xmlns="" xmlns:thm15="http://schemas.microsoft.com/office/thememl/2012/main" name="Ion" id="{B8441ADB-2E43-4AF7-B97A-BD870242C6A8}" vid="{292E63A9-BB86-4E3D-B92A-7223C6510D2E}"/>
+      <thm15:themeFamily xmlns:thm15="http://schemas.microsoft.com/office/thememl/2012/main" xmlns="" name="Ion" id="{B8441ADB-2E43-4AF7-B97A-BD870242C6A8}" vid="{292E63A9-BB86-4E3D-B92A-7223C6510D2E}"/>
     </a:ext>
   </a:extLst>
 </a:theme>
